--- a/Presentaciones/4. Manejo de bases de datos no relacionales.pptx
+++ b/Presentaciones/4. Manejo de bases de datos no relacionales.pptx
@@ -5,35 +5,47 @@
     <p:sldMasterId id="2147483690" r:id="rId4"/>
   </p:sldMasterIdLst>
   <p:notesMasterIdLst>
-    <p:notesMasterId r:id="rId23"/>
+    <p:notesMasterId r:id="rId35"/>
   </p:notesMasterIdLst>
   <p:handoutMasterIdLst>
-    <p:handoutMasterId r:id="rId24"/>
+    <p:handoutMasterId r:id="rId36"/>
   </p:handoutMasterIdLst>
   <p:sldIdLst>
     <p:sldId id="265" r:id="rId5"/>
     <p:sldId id="310" r:id="rId6"/>
-    <p:sldId id="320" r:id="rId7"/>
-    <p:sldId id="321" r:id="rId8"/>
-    <p:sldId id="322" r:id="rId9"/>
-    <p:sldId id="323" r:id="rId10"/>
-    <p:sldId id="324" r:id="rId11"/>
-    <p:sldId id="325" r:id="rId12"/>
-    <p:sldId id="326" r:id="rId13"/>
-    <p:sldId id="327" r:id="rId14"/>
-    <p:sldId id="328" r:id="rId15"/>
-    <p:sldId id="329" r:id="rId16"/>
-    <p:sldId id="330" r:id="rId17"/>
-    <p:sldId id="331" r:id="rId18"/>
-    <p:sldId id="332" r:id="rId19"/>
-    <p:sldId id="333" r:id="rId20"/>
-    <p:sldId id="334" r:id="rId21"/>
-    <p:sldId id="318" r:id="rId22"/>
+    <p:sldId id="335" r:id="rId7"/>
+    <p:sldId id="320" r:id="rId8"/>
+    <p:sldId id="321" r:id="rId9"/>
+    <p:sldId id="336" r:id="rId10"/>
+    <p:sldId id="337" r:id="rId11"/>
+    <p:sldId id="338" r:id="rId12"/>
+    <p:sldId id="339" r:id="rId13"/>
+    <p:sldId id="340" r:id="rId14"/>
+    <p:sldId id="341" r:id="rId15"/>
+    <p:sldId id="342" r:id="rId16"/>
+    <p:sldId id="343" r:id="rId17"/>
+    <p:sldId id="344" r:id="rId18"/>
+    <p:sldId id="345" r:id="rId19"/>
+    <p:sldId id="346" r:id="rId20"/>
+    <p:sldId id="347" r:id="rId21"/>
+    <p:sldId id="348" r:id="rId22"/>
+    <p:sldId id="349" r:id="rId23"/>
+    <p:sldId id="350" r:id="rId24"/>
+    <p:sldId id="351" r:id="rId25"/>
+    <p:sldId id="352" r:id="rId26"/>
+    <p:sldId id="353" r:id="rId27"/>
+    <p:sldId id="354" r:id="rId28"/>
+    <p:sldId id="355" r:id="rId29"/>
+    <p:sldId id="356" r:id="rId30"/>
+    <p:sldId id="358" r:id="rId31"/>
+    <p:sldId id="357" r:id="rId32"/>
+    <p:sldId id="359" r:id="rId33"/>
+    <p:sldId id="318" r:id="rId34"/>
   </p:sldIdLst>
   <p:sldSz cx="12188825" cy="6858000"/>
   <p:notesSz cx="6858000" cy="9144000"/>
   <p:custDataLst>
-    <p:tags r:id="rId25"/>
+    <p:tags r:id="rId37"/>
   </p:custDataLst>
   <p:defaultTextStyle>
     <a:defPPr>
@@ -4207,7 +4219,7 @@
           <p:cNvPr id="2" name="Título 1">
             <a:extLst>
               <a:ext uri="{FF2B5EF4-FFF2-40B4-BE49-F238E27FC236}">
-                <a16:creationId xmlns:a16="http://schemas.microsoft.com/office/drawing/2014/main" id="{5F1CCBCF-D2B7-442A-880C-D6E130FB985F}"/>
+                <a16:creationId xmlns:a16="http://schemas.microsoft.com/office/drawing/2014/main" id="{CEFCA515-891A-430F-964E-FA1F50E72403}"/>
               </a:ext>
             </a:extLst>
           </p:cNvPr>
@@ -4220,8 +4232,8 @@
         </p:nvSpPr>
         <p:spPr>
           <a:xfrm>
-            <a:off x="8078809" y="591573"/>
-            <a:ext cx="3595799" cy="1920240"/>
+            <a:off x="8326660" y="2087880"/>
+            <a:ext cx="3382399" cy="1920240"/>
           </a:xfrm>
         </p:spPr>
         <p:txBody>
@@ -4230,273 +4242,80 @@
           <a:p>
             <a:r>
               <a:rPr lang="es-CO" dirty="0"/>
-              <a:t>¿Desarrollo Multiplataforma?</a:t>
-            </a:r>
-          </a:p>
-        </p:txBody>
-      </p:sp>
-      <p:sp>
-        <p:nvSpPr>
-          <p:cNvPr id="3" name="Marcador de contenido 2">
+              <a:t>Ejemplo(Incorrecto)</a:t>
+            </a:r>
+          </a:p>
+        </p:txBody>
+      </p:sp>
+      <p:pic>
+        <p:nvPicPr>
+          <p:cNvPr id="6" name="Imagen 5">
             <a:extLst>
               <a:ext uri="{FF2B5EF4-FFF2-40B4-BE49-F238E27FC236}">
-                <a16:creationId xmlns:a16="http://schemas.microsoft.com/office/drawing/2014/main" id="{30E60395-D120-4C99-99E0-DF0972022AF8}"/>
-              </a:ext>
-            </a:extLst>
-          </p:cNvPr>
-          <p:cNvSpPr>
-            <a:spLocks noGrp="1"/>
-          </p:cNvSpPr>
-          <p:nvPr>
-            <p:ph idx="1"/>
-          </p:nvPr>
-        </p:nvSpPr>
-        <p:spPr>
-          <a:xfrm>
-            <a:off x="777654" y="1142999"/>
-            <a:ext cx="6094413" cy="4572000"/>
-          </a:xfrm>
-        </p:spPr>
-        <p:txBody>
-          <a:bodyPr/>
-          <a:lstStyle/>
-          <a:p>
-            <a:pPr algn="just"/>
-            <a:r>
-              <a:rPr lang="es-CO" dirty="0"/>
-              <a:t>Se basa en desarrollo de una solución que se pueda aplicar para múltiples plataformas.</a:t>
-            </a:r>
-          </a:p>
-          <a:p>
-            <a:pPr algn="just"/>
-            <a:r>
-              <a:rPr lang="es-CO" dirty="0"/>
-              <a:t>Esta solución puede ser de desarrollar un código general o la posibilidad de adaptar el código a la plataforma correspondiente.</a:t>
-            </a:r>
-          </a:p>
-          <a:p>
-            <a:pPr algn="just"/>
-            <a:r>
-              <a:rPr lang="es-CO" dirty="0"/>
-              <a:t>Se basan en desarrollo nativo, PWA o Híbrida según el caso.</a:t>
-            </a:r>
-          </a:p>
-        </p:txBody>
-      </p:sp>
-      <p:pic>
-        <p:nvPicPr>
-          <p:cNvPr id="5" name="Picture 6" descr="Resultado de imagen para flutter">
-            <a:extLst>
-              <a:ext uri="{FF2B5EF4-FFF2-40B4-BE49-F238E27FC236}">
-                <a16:creationId xmlns:a16="http://schemas.microsoft.com/office/drawing/2014/main" id="{A7FB71F0-2872-4525-A248-74DFC0F278B7}"/>
+                <a16:creationId xmlns:a16="http://schemas.microsoft.com/office/drawing/2014/main" id="{D28BCECF-FEBE-4389-BD51-46EFE8964EDA}"/>
               </a:ext>
             </a:extLst>
           </p:cNvPr>
           <p:cNvPicPr>
-            <a:picLocks noChangeAspect="1" noChangeArrowheads="1"/>
+            <a:picLocks noChangeAspect="1"/>
           </p:cNvPicPr>
           <p:nvPr/>
         </p:nvPicPr>
         <p:blipFill>
-          <a:blip r:embed="rId2" cstate="print">
-            <a:biLevel thresh="25000"/>
-            <a:extLst>
-              <a:ext uri="{28A0092B-C50C-407E-A947-70E740481C1C}">
-                <a14:useLocalDpi xmlns:a14="http://schemas.microsoft.com/office/drawing/2010/main" val="0"/>
-              </a:ext>
-            </a:extLst>
-          </a:blip>
-          <a:srcRect/>
+          <a:blip r:embed="rId2"/>
           <a:stretch>
             <a:fillRect/>
           </a:stretch>
         </p:blipFill>
-        <p:spPr bwMode="auto">
+        <p:spPr>
           <a:xfrm>
-            <a:off x="8078809" y="2834655"/>
-            <a:ext cx="1188689" cy="1188689"/>
+            <a:off x="165854" y="908720"/>
+            <a:ext cx="7392621" cy="3791699"/>
+          </a:xfrm>
+          <a:prstGeom prst="rect">
+            <a:avLst/>
+          </a:prstGeom>
+        </p:spPr>
+      </p:pic>
+      <p:sp>
+        <p:nvSpPr>
+          <p:cNvPr id="7" name="CuadroTexto 6">
+            <a:extLst>
+              <a:ext uri="{FF2B5EF4-FFF2-40B4-BE49-F238E27FC236}">
+                <a16:creationId xmlns:a16="http://schemas.microsoft.com/office/drawing/2014/main" id="{F0D56AEC-D60B-47B1-BBFF-7F6E19AE0A8E}"/>
+              </a:ext>
+            </a:extLst>
+          </p:cNvPr>
+          <p:cNvSpPr txBox="1"/>
+          <p:nvPr/>
+        </p:nvSpPr>
+        <p:spPr>
+          <a:xfrm>
+            <a:off x="621804" y="5302949"/>
+            <a:ext cx="6192688" cy="646331"/>
           </a:xfrm>
           <a:prstGeom prst="rect">
             <a:avLst/>
           </a:prstGeom>
           <a:noFill/>
-          <a:extLst>
-            <a:ext uri="{909E8E84-426E-40DD-AFC4-6F175D3DCCD1}">
-              <a14:hiddenFill xmlns:a14="http://schemas.microsoft.com/office/drawing/2010/main">
-                <a:solidFill>
-                  <a:srgbClr val="FFFFFF"/>
-                </a:solidFill>
-              </a14:hiddenFill>
-            </a:ext>
-          </a:extLst>
         </p:spPr>
-      </p:pic>
-      <p:pic>
-        <p:nvPicPr>
-          <p:cNvPr id="6" name="Picture 2" descr="Resultado de imagen para ionic">
-            <a:extLst>
-              <a:ext uri="{FF2B5EF4-FFF2-40B4-BE49-F238E27FC236}">
-                <a16:creationId xmlns:a16="http://schemas.microsoft.com/office/drawing/2014/main" id="{1A1DFEBA-E677-425D-9EE1-47A01869B66B}"/>
-              </a:ext>
-            </a:extLst>
-          </p:cNvPr>
-          <p:cNvPicPr>
-            <a:picLocks noChangeAspect="1" noChangeArrowheads="1"/>
-          </p:cNvPicPr>
-          <p:nvPr/>
-        </p:nvPicPr>
-        <p:blipFill>
-          <a:blip r:embed="rId3" cstate="print">
-            <a:biLevel thresh="50000"/>
-            <a:extLst>
-              <a:ext uri="{BEBA8EAE-BF5A-486C-A8C5-ECC9F3942E4B}">
-                <a14:imgProps xmlns:a14="http://schemas.microsoft.com/office/drawing/2010/main">
-                  <a14:imgLayer r:embed="rId4">
-                    <a14:imgEffect>
-                      <a14:saturation sat="0"/>
-                    </a14:imgEffect>
-                  </a14:imgLayer>
-                </a14:imgProps>
-              </a:ext>
-              <a:ext uri="{28A0092B-C50C-407E-A947-70E740481C1C}">
-                <a14:useLocalDpi xmlns:a14="http://schemas.microsoft.com/office/drawing/2010/main" val="0"/>
-              </a:ext>
-            </a:extLst>
-          </a:blip>
-          <a:srcRect/>
-          <a:stretch>
-            <a:fillRect/>
-          </a:stretch>
-        </p:blipFill>
-        <p:spPr bwMode="auto">
-          <a:xfrm>
-            <a:off x="9613760" y="2398575"/>
-            <a:ext cx="2060848" cy="2060848"/>
-          </a:xfrm>
-          <a:prstGeom prst="rect">
-            <a:avLst/>
-          </a:prstGeom>
-          <a:noFill/>
-          <a:extLst>
-            <a:ext uri="{909E8E84-426E-40DD-AFC4-6F175D3DCCD1}">
-              <a14:hiddenFill xmlns:a14="http://schemas.microsoft.com/office/drawing/2010/main">
-                <a:solidFill>
-                  <a:srgbClr val="FFFFFF"/>
-                </a:solidFill>
-              </a14:hiddenFill>
-            </a:ext>
-          </a:extLst>
-        </p:spPr>
-      </p:pic>
-      <p:pic>
-        <p:nvPicPr>
-          <p:cNvPr id="7" name="Picture 4" descr="Resultado de imagen para react native">
-            <a:extLst>
-              <a:ext uri="{FF2B5EF4-FFF2-40B4-BE49-F238E27FC236}">
-                <a16:creationId xmlns:a16="http://schemas.microsoft.com/office/drawing/2014/main" id="{30970BD5-A7F2-4BE2-84B0-895AB83BE502}"/>
-              </a:ext>
-            </a:extLst>
-          </p:cNvPr>
-          <p:cNvPicPr>
-            <a:picLocks noChangeAspect="1" noChangeArrowheads="1"/>
-          </p:cNvPicPr>
-          <p:nvPr/>
-        </p:nvPicPr>
-        <p:blipFill>
-          <a:blip r:embed="rId5" cstate="print">
-            <a:biLevel thresh="50000"/>
-            <a:extLst>
-              <a:ext uri="{BEBA8EAE-BF5A-486C-A8C5-ECC9F3942E4B}">
-                <a14:imgProps xmlns:a14="http://schemas.microsoft.com/office/drawing/2010/main">
-                  <a14:imgLayer r:embed="rId6">
-                    <a14:imgEffect>
-                      <a14:saturation sat="0"/>
-                    </a14:imgEffect>
-                  </a14:imgLayer>
-                </a14:imgProps>
-              </a:ext>
-              <a:ext uri="{28A0092B-C50C-407E-A947-70E740481C1C}">
-                <a14:useLocalDpi xmlns:a14="http://schemas.microsoft.com/office/drawing/2010/main" val="0"/>
-              </a:ext>
-            </a:extLst>
-          </a:blip>
-          <a:srcRect/>
-          <a:stretch>
-            <a:fillRect/>
-          </a:stretch>
-        </p:blipFill>
-        <p:spPr bwMode="auto">
-          <a:xfrm>
-            <a:off x="8790159" y="4111881"/>
-            <a:ext cx="1340768" cy="1340768"/>
-          </a:xfrm>
-          <a:prstGeom prst="rect">
-            <a:avLst/>
-          </a:prstGeom>
-          <a:noFill/>
-          <a:extLst>
-            <a:ext uri="{909E8E84-426E-40DD-AFC4-6F175D3DCCD1}">
-              <a14:hiddenFill xmlns:a14="http://schemas.microsoft.com/office/drawing/2010/main">
-                <a:solidFill>
-                  <a:srgbClr val="FFFFFF"/>
-                </a:solidFill>
-              </a14:hiddenFill>
-            </a:ext>
-          </a:extLst>
-        </p:spPr>
-      </p:pic>
-      <p:pic>
-        <p:nvPicPr>
-          <p:cNvPr id="1026" name="Picture 2" descr="Imagen relacionada">
-            <a:extLst>
-              <a:ext uri="{FF2B5EF4-FFF2-40B4-BE49-F238E27FC236}">
-                <a16:creationId xmlns:a16="http://schemas.microsoft.com/office/drawing/2014/main" id="{AA21C009-054F-412D-9E34-FA6E6439D631}"/>
-              </a:ext>
-            </a:extLst>
-          </p:cNvPr>
-          <p:cNvPicPr>
-            <a:picLocks noChangeAspect="1" noChangeArrowheads="1"/>
-          </p:cNvPicPr>
-          <p:nvPr/>
-        </p:nvPicPr>
-        <p:blipFill>
-          <a:blip r:embed="rId7" cstate="print">
-            <a:biLevel thresh="75000"/>
-            <a:extLst>
-              <a:ext uri="{28A0092B-C50C-407E-A947-70E740481C1C}">
-                <a14:useLocalDpi xmlns:a14="http://schemas.microsoft.com/office/drawing/2010/main" val="0"/>
-              </a:ext>
-            </a:extLst>
-          </a:blip>
-          <a:srcRect/>
-          <a:stretch>
-            <a:fillRect/>
-          </a:stretch>
-        </p:blipFill>
-        <p:spPr bwMode="auto">
-          <a:xfrm>
-            <a:off x="10252387" y="4111881"/>
-            <a:ext cx="1158784" cy="1158784"/>
-          </a:xfrm>
-          <a:prstGeom prst="rect">
-            <a:avLst/>
-          </a:prstGeom>
-          <a:noFill/>
-          <a:extLst>
-            <a:ext uri="{909E8E84-426E-40DD-AFC4-6F175D3DCCD1}">
-              <a14:hiddenFill xmlns:a14="http://schemas.microsoft.com/office/drawing/2010/main">
-                <a:solidFill>
-                  <a:srgbClr val="FFFFFF"/>
-                </a:solidFill>
-              </a14:hiddenFill>
-            </a:ext>
-          </a:extLst>
-        </p:spPr>
-      </p:pic>
+        <p:txBody>
+          <a:bodyPr wrap="square" rtlCol="0">
+            <a:spAutoFit/>
+          </a:bodyPr>
+          <a:lstStyle/>
+          <a:p>
+            <a:r>
+              <a:rPr lang="es-CO" dirty="0"/>
+              <a:t>Si se quiere obtener datos de los Chats, se requiere traer todo el árbol de chats.</a:t>
+            </a:r>
+          </a:p>
+        </p:txBody>
+      </p:sp>
     </p:spTree>
     <p:extLst>
       <p:ext uri="{BB962C8B-B14F-4D97-AF65-F5344CB8AC3E}">
-        <p14:creationId xmlns:p14="http://schemas.microsoft.com/office/powerpoint/2010/main" val="85502099"/>
+        <p14:creationId xmlns:p14="http://schemas.microsoft.com/office/powerpoint/2010/main" val="2296752713"/>
       </p:ext>
     </p:extLst>
   </p:cSld>
@@ -4540,7 +4359,7 @@
           <p:cNvPr id="2" name="Título 1">
             <a:extLst>
               <a:ext uri="{FF2B5EF4-FFF2-40B4-BE49-F238E27FC236}">
-                <a16:creationId xmlns:a16="http://schemas.microsoft.com/office/drawing/2014/main" id="{AC805602-FBF3-4F0A-BADC-CD2503DEE991}"/>
+                <a16:creationId xmlns:a16="http://schemas.microsoft.com/office/drawing/2014/main" id="{CEFCA515-891A-430F-964E-FA1F50E72403}"/>
               </a:ext>
             </a:extLst>
           </p:cNvPr>
@@ -4551,209 +4370,87 @@
             <p:ph type="title"/>
           </p:nvPr>
         </p:nvSpPr>
-        <p:spPr/>
+        <p:spPr>
+          <a:xfrm>
+            <a:off x="8326660" y="2087880"/>
+            <a:ext cx="3382399" cy="1920240"/>
+          </a:xfrm>
+        </p:spPr>
         <p:txBody>
           <a:bodyPr/>
           <a:lstStyle/>
           <a:p>
             <a:r>
               <a:rPr lang="es-CO" dirty="0"/>
-              <a:t>Desarrollo Multiplataforma Nativo</a:t>
-            </a:r>
-          </a:p>
-        </p:txBody>
-      </p:sp>
-      <p:sp>
-        <p:nvSpPr>
-          <p:cNvPr id="3" name="Marcador de contenido 2">
+              <a:t>Ejemplo</a:t>
+            </a:r>
+          </a:p>
+        </p:txBody>
+      </p:sp>
+      <p:pic>
+        <p:nvPicPr>
+          <p:cNvPr id="3" name="Imagen 2">
             <a:extLst>
               <a:ext uri="{FF2B5EF4-FFF2-40B4-BE49-F238E27FC236}">
-                <a16:creationId xmlns:a16="http://schemas.microsoft.com/office/drawing/2014/main" id="{154732A7-969A-4C21-979B-70197B434C11}"/>
-              </a:ext>
-            </a:extLst>
-          </p:cNvPr>
-          <p:cNvSpPr>
-            <a:spLocks noGrp="1"/>
-          </p:cNvSpPr>
-          <p:nvPr>
-            <p:ph idx="1"/>
-          </p:nvPr>
-        </p:nvSpPr>
-        <p:spPr>
-          <a:xfrm>
-            <a:off x="761801" y="762000"/>
-            <a:ext cx="6094413" cy="5043264"/>
-          </a:xfrm>
-        </p:spPr>
-        <p:txBody>
-          <a:bodyPr>
-            <a:normAutofit fontScale="92500" lnSpcReduction="10000"/>
-          </a:bodyPr>
-          <a:lstStyle/>
-          <a:p>
-            <a:pPr algn="just"/>
-            <a:r>
-              <a:rPr lang="es-CO" dirty="0" err="1"/>
-              <a:t>Xamarin</a:t>
-            </a:r>
-            <a:r>
-              <a:rPr lang="es-CO" dirty="0"/>
-              <a:t> utiliza un lenguaje común C# para iOS, Android y Windows y de interfaz Gráfica XAML*</a:t>
-            </a:r>
-          </a:p>
-          <a:p>
-            <a:pPr algn="just"/>
-            <a:r>
-              <a:rPr lang="es-CO" dirty="0" err="1"/>
-              <a:t>Xamarin</a:t>
-            </a:r>
-            <a:r>
-              <a:rPr lang="es-CO" dirty="0"/>
-              <a:t> ofrece desarrollo nativo con acceso total al tipo de dispositivo*</a:t>
-            </a:r>
-          </a:p>
-          <a:p>
-            <a:pPr algn="just"/>
-            <a:r>
-              <a:rPr lang="es-CO" dirty="0" err="1"/>
-              <a:t>Flutter</a:t>
-            </a:r>
-            <a:r>
-              <a:rPr lang="es-CO" dirty="0"/>
-              <a:t> utiliza un lenguaje común para iOS y Android, ofrece lenguaje UI también común.</a:t>
-            </a:r>
-          </a:p>
-          <a:p>
-            <a:pPr algn="just"/>
-            <a:r>
-              <a:rPr lang="es-CO" dirty="0" err="1"/>
-              <a:t>Flutter</a:t>
-            </a:r>
-            <a:r>
-              <a:rPr lang="es-CO" dirty="0"/>
-              <a:t> también ofrece desarrollo nativo con acceso total al dispositivo*</a:t>
-            </a:r>
-          </a:p>
-          <a:p>
-            <a:pPr algn="just"/>
-            <a:r>
-              <a:rPr lang="es-CO" dirty="0"/>
-              <a:t>Los cambios de la interfaz en </a:t>
-            </a:r>
-            <a:r>
-              <a:rPr lang="es-CO" dirty="0" err="1"/>
-              <a:t>flutter</a:t>
-            </a:r>
-            <a:r>
-              <a:rPr lang="es-CO" dirty="0"/>
-              <a:t> se hacen en tiempo real.</a:t>
-            </a:r>
-          </a:p>
-          <a:p>
-            <a:endParaRPr lang="es-CO" dirty="0"/>
-          </a:p>
-        </p:txBody>
-      </p:sp>
-      <p:pic>
-        <p:nvPicPr>
-          <p:cNvPr id="5" name="Picture 2" descr="Imagen relacionada">
-            <a:extLst>
-              <a:ext uri="{FF2B5EF4-FFF2-40B4-BE49-F238E27FC236}">
-                <a16:creationId xmlns:a16="http://schemas.microsoft.com/office/drawing/2014/main" id="{88C53002-0D26-4965-8B6F-40E5D8A427D6}"/>
+                <a16:creationId xmlns:a16="http://schemas.microsoft.com/office/drawing/2014/main" id="{EE01F5C1-8C4E-4965-B09D-F64EF610B0ED}"/>
               </a:ext>
             </a:extLst>
           </p:cNvPr>
           <p:cNvPicPr>
-            <a:picLocks noChangeAspect="1" noChangeArrowheads="1"/>
+            <a:picLocks noChangeAspect="1"/>
           </p:cNvPicPr>
           <p:nvPr/>
         </p:nvPicPr>
         <p:blipFill>
-          <a:blip r:embed="rId2" cstate="print">
-            <a:biLevel thresh="75000"/>
-            <a:extLst>
-              <a:ext uri="{28A0092B-C50C-407E-A947-70E740481C1C}">
-                <a14:useLocalDpi xmlns:a14="http://schemas.microsoft.com/office/drawing/2010/main" val="0"/>
-              </a:ext>
-            </a:extLst>
-          </a:blip>
-          <a:srcRect/>
+          <a:blip r:embed="rId2"/>
           <a:stretch>
             <a:fillRect/>
           </a:stretch>
         </p:blipFill>
-        <p:spPr bwMode="auto">
+        <p:spPr>
           <a:xfrm>
-            <a:off x="8470676" y="3023119"/>
-            <a:ext cx="1158784" cy="1158784"/>
+            <a:off x="844862" y="500336"/>
+            <a:ext cx="6034605" cy="3024336"/>
           </a:xfrm>
           <a:prstGeom prst="rect">
             <a:avLst/>
           </a:prstGeom>
-          <a:noFill/>
-          <a:extLst>
-            <a:ext uri="{909E8E84-426E-40DD-AFC4-6F175D3DCCD1}">
-              <a14:hiddenFill xmlns:a14="http://schemas.microsoft.com/office/drawing/2010/main">
-                <a:solidFill>
-                  <a:srgbClr val="FFFFFF"/>
-                </a:solidFill>
-              </a14:hiddenFill>
-            </a:ext>
-          </a:extLst>
         </p:spPr>
       </p:pic>
       <p:pic>
         <p:nvPicPr>
-          <p:cNvPr id="6" name="Picture 6" descr="Resultado de imagen para flutter">
+          <p:cNvPr id="4" name="Imagen 3">
             <a:extLst>
               <a:ext uri="{FF2B5EF4-FFF2-40B4-BE49-F238E27FC236}">
-                <a16:creationId xmlns:a16="http://schemas.microsoft.com/office/drawing/2014/main" id="{11EFFD35-C94B-44BE-B427-7936DF1EFC82}"/>
+                <a16:creationId xmlns:a16="http://schemas.microsoft.com/office/drawing/2014/main" id="{5AE17E70-82FE-4C0B-8F94-8AD91597B565}"/>
               </a:ext>
             </a:extLst>
           </p:cNvPr>
           <p:cNvPicPr>
-            <a:picLocks noChangeAspect="1" noChangeArrowheads="1"/>
+            <a:picLocks noChangeAspect="1"/>
           </p:cNvPicPr>
           <p:nvPr/>
         </p:nvPicPr>
         <p:blipFill>
-          <a:blip r:embed="rId3" cstate="print">
-            <a:biLevel thresh="25000"/>
-            <a:extLst>
-              <a:ext uri="{28A0092B-C50C-407E-A947-70E740481C1C}">
-                <a14:useLocalDpi xmlns:a14="http://schemas.microsoft.com/office/drawing/2010/main" val="0"/>
-              </a:ext>
-            </a:extLst>
-          </a:blip>
-          <a:srcRect/>
+          <a:blip r:embed="rId3"/>
           <a:stretch>
             <a:fillRect/>
           </a:stretch>
         </p:blipFill>
-        <p:spPr bwMode="auto">
+        <p:spPr>
           <a:xfrm>
-            <a:off x="10055233" y="4161349"/>
-            <a:ext cx="1188689" cy="1188689"/>
+            <a:off x="680844" y="3663280"/>
+            <a:ext cx="6362642" cy="2694384"/>
           </a:xfrm>
           <a:prstGeom prst="rect">
             <a:avLst/>
           </a:prstGeom>
-          <a:noFill/>
-          <a:extLst>
-            <a:ext uri="{909E8E84-426E-40DD-AFC4-6F175D3DCCD1}">
-              <a14:hiddenFill xmlns:a14="http://schemas.microsoft.com/office/drawing/2010/main">
-                <a:solidFill>
-                  <a:srgbClr val="FFFFFF"/>
-                </a:solidFill>
-              </a14:hiddenFill>
-            </a:ext>
-          </a:extLst>
         </p:spPr>
       </p:pic>
     </p:spTree>
     <p:extLst>
       <p:ext uri="{BB962C8B-B14F-4D97-AF65-F5344CB8AC3E}">
-        <p14:creationId xmlns:p14="http://schemas.microsoft.com/office/powerpoint/2010/main" val="779958659"/>
+        <p14:creationId xmlns:p14="http://schemas.microsoft.com/office/powerpoint/2010/main" val="420845239"/>
       </p:ext>
     </p:extLst>
   </p:cSld>
@@ -4797,7 +4494,7 @@
           <p:cNvPr id="2" name="Título 1">
             <a:extLst>
               <a:ext uri="{FF2B5EF4-FFF2-40B4-BE49-F238E27FC236}">
-                <a16:creationId xmlns:a16="http://schemas.microsoft.com/office/drawing/2014/main" id="{AC805602-FBF3-4F0A-BADC-CD2503DEE991}"/>
+                <a16:creationId xmlns:a16="http://schemas.microsoft.com/office/drawing/2014/main" id="{D2AA861A-82FE-4C45-B8A3-580318AECF89}"/>
               </a:ext>
             </a:extLst>
           </p:cNvPr>
@@ -4805,119 +4502,32 @@
             <a:spLocks noGrp="1"/>
           </p:cNvSpPr>
           <p:nvPr>
-            <p:ph type="title"/>
-          </p:nvPr>
-        </p:nvSpPr>
-        <p:spPr/>
+            <p:ph type="ctrTitle"/>
+          </p:nvPr>
+        </p:nvSpPr>
+        <p:spPr>
+          <a:xfrm>
+            <a:off x="704666" y="2276872"/>
+            <a:ext cx="10779492" cy="3352800"/>
+          </a:xfrm>
+        </p:spPr>
         <p:txBody>
           <a:bodyPr/>
           <a:lstStyle/>
           <a:p>
             <a:r>
               <a:rPr lang="es-CO" dirty="0"/>
-              <a:t>Desarrollo Multiplataforma Nativo</a:t>
-            </a:r>
-          </a:p>
-        </p:txBody>
-      </p:sp>
-      <p:sp>
-        <p:nvSpPr>
-          <p:cNvPr id="3" name="Marcador de contenido 2">
+              <a:t>¿Qué herramienta utilizar para manejar una base de datos NoSQL?</a:t>
+            </a:r>
+          </a:p>
+        </p:txBody>
+      </p:sp>
+      <p:pic>
+        <p:nvPicPr>
+          <p:cNvPr id="4098" name="Picture 2" descr="Resultado de imagen para FIREBASE PNG">
             <a:extLst>
               <a:ext uri="{FF2B5EF4-FFF2-40B4-BE49-F238E27FC236}">
-                <a16:creationId xmlns:a16="http://schemas.microsoft.com/office/drawing/2014/main" id="{154732A7-969A-4C21-979B-70197B434C11}"/>
-              </a:ext>
-            </a:extLst>
-          </p:cNvPr>
-          <p:cNvSpPr>
-            <a:spLocks noGrp="1"/>
-          </p:cNvSpPr>
-          <p:nvPr>
-            <p:ph idx="1"/>
-          </p:nvPr>
-        </p:nvSpPr>
-        <p:spPr>
-          <a:xfrm>
-            <a:off x="761801" y="762000"/>
-            <a:ext cx="6094413" cy="5691336"/>
-          </a:xfrm>
-        </p:spPr>
-        <p:txBody>
-          <a:bodyPr>
-            <a:normAutofit fontScale="85000" lnSpcReduction="20000"/>
-          </a:bodyPr>
-          <a:lstStyle/>
-          <a:p>
-            <a:pPr algn="just"/>
-            <a:r>
-              <a:rPr lang="es-CO" dirty="0" err="1"/>
-              <a:t>Xamarin</a:t>
-            </a:r>
-            <a:r>
-              <a:rPr lang="es-CO" dirty="0"/>
-              <a:t> requiere en primera medida un IDE Visual Studio u otros lo cual en temas de recursos deja mucho que desear.</a:t>
-            </a:r>
-          </a:p>
-          <a:p>
-            <a:pPr algn="just"/>
-            <a:r>
-              <a:rPr lang="es-CO" dirty="0"/>
-              <a:t>Requiere mayor tiempo de desarrollo ya que aunque es un solo código, algunas APIS deben ser especificadas para cada plataforma.</a:t>
-            </a:r>
-          </a:p>
-          <a:p>
-            <a:pPr algn="just"/>
-            <a:r>
-              <a:rPr lang="es-CO" dirty="0"/>
-              <a:t>En temas de emulación necesitas más recursos para correr un emulador Android o iOS, si no tienes Mac no puedes generar tu app para </a:t>
-            </a:r>
-            <a:r>
-              <a:rPr lang="es-CO" dirty="0" err="1"/>
-              <a:t>iphone</a:t>
-            </a:r>
-            <a:r>
-              <a:rPr lang="es-CO" dirty="0"/>
-              <a:t>.</a:t>
-            </a:r>
-          </a:p>
-          <a:p>
-            <a:pPr algn="just"/>
-            <a:r>
-              <a:rPr lang="es-CO" dirty="0" err="1"/>
-              <a:t>Flutter</a:t>
-            </a:r>
-            <a:r>
-              <a:rPr lang="es-CO" dirty="0"/>
-              <a:t> requiere Android Studio en primera medida parece bueno, pero en temas de recursos habría que hablar.</a:t>
-            </a:r>
-          </a:p>
-          <a:p>
-            <a:pPr algn="just"/>
-            <a:r>
-              <a:rPr lang="es-CO" dirty="0" err="1"/>
-              <a:t>Flutter</a:t>
-            </a:r>
-            <a:r>
-              <a:rPr lang="es-CO" dirty="0"/>
-              <a:t> en temas de emulación o prueba no es posible probar apps para </a:t>
-            </a:r>
-            <a:r>
-              <a:rPr lang="es-CO" dirty="0" err="1"/>
-              <a:t>iphone</a:t>
-            </a:r>
-            <a:r>
-              <a:rPr lang="es-CO" dirty="0"/>
-              <a:t> sino tienes un Mac.</a:t>
-            </a:r>
-          </a:p>
-        </p:txBody>
-      </p:sp>
-      <p:pic>
-        <p:nvPicPr>
-          <p:cNvPr id="5" name="Picture 2" descr="Imagen relacionada">
-            <a:extLst>
-              <a:ext uri="{FF2B5EF4-FFF2-40B4-BE49-F238E27FC236}">
-                <a16:creationId xmlns:a16="http://schemas.microsoft.com/office/drawing/2014/main" id="{88C53002-0D26-4965-8B6F-40E5D8A427D6}"/>
+                <a16:creationId xmlns:a16="http://schemas.microsoft.com/office/drawing/2014/main" id="{22976129-A315-4E1C-88C6-0AC39C763A6F}"/>
               </a:ext>
             </a:extLst>
           </p:cNvPr>
@@ -4928,7 +4538,6 @@
         </p:nvPicPr>
         <p:blipFill>
           <a:blip r:embed="rId2" cstate="print">
-            <a:biLevel thresh="75000"/>
             <a:extLst>
               <a:ext uri="{28A0092B-C50C-407E-A947-70E740481C1C}">
                 <a14:useLocalDpi xmlns:a14="http://schemas.microsoft.com/office/drawing/2010/main" val="0"/>
@@ -4942,56 +4551,8 @@
         </p:blipFill>
         <p:spPr bwMode="auto">
           <a:xfrm>
-            <a:off x="8470676" y="3023119"/>
-            <a:ext cx="1158784" cy="1158784"/>
-          </a:xfrm>
-          <a:prstGeom prst="rect">
-            <a:avLst/>
-          </a:prstGeom>
-          <a:noFill/>
-          <a:extLst>
-            <a:ext uri="{909E8E84-426E-40DD-AFC4-6F175D3DCCD1}">
-              <a14:hiddenFill xmlns:a14="http://schemas.microsoft.com/office/drawing/2010/main">
-                <a:solidFill>
-                  <a:srgbClr val="FFFFFF"/>
-                </a:solidFill>
-              </a14:hiddenFill>
-            </a:ext>
-          </a:extLst>
-        </p:spPr>
-      </p:pic>
-      <p:pic>
-        <p:nvPicPr>
-          <p:cNvPr id="6" name="Picture 6" descr="Resultado de imagen para flutter">
-            <a:extLst>
-              <a:ext uri="{FF2B5EF4-FFF2-40B4-BE49-F238E27FC236}">
-                <a16:creationId xmlns:a16="http://schemas.microsoft.com/office/drawing/2014/main" id="{11EFFD35-C94B-44BE-B427-7936DF1EFC82}"/>
-              </a:ext>
-            </a:extLst>
-          </p:cNvPr>
-          <p:cNvPicPr>
-            <a:picLocks noChangeAspect="1" noChangeArrowheads="1"/>
-          </p:cNvPicPr>
-          <p:nvPr/>
-        </p:nvPicPr>
-        <p:blipFill>
-          <a:blip r:embed="rId3" cstate="print">
-            <a:biLevel thresh="25000"/>
-            <a:extLst>
-              <a:ext uri="{28A0092B-C50C-407E-A947-70E740481C1C}">
-                <a14:useLocalDpi xmlns:a14="http://schemas.microsoft.com/office/drawing/2010/main" val="0"/>
-              </a:ext>
-            </a:extLst>
-          </a:blip>
-          <a:srcRect/>
-          <a:stretch>
-            <a:fillRect/>
-          </a:stretch>
-        </p:blipFill>
-        <p:spPr bwMode="auto">
-          <a:xfrm>
-            <a:off x="10055233" y="4161349"/>
-            <a:ext cx="1188689" cy="1188689"/>
+            <a:off x="8758708" y="3429000"/>
+            <a:ext cx="3068960" cy="3068960"/>
           </a:xfrm>
           <a:prstGeom prst="rect">
             <a:avLst/>
@@ -5011,7 +4572,7 @@
     </p:spTree>
     <p:extLst>
       <p:ext uri="{BB962C8B-B14F-4D97-AF65-F5344CB8AC3E}">
-        <p14:creationId xmlns:p14="http://schemas.microsoft.com/office/powerpoint/2010/main" val="394180077"/>
+        <p14:creationId xmlns:p14="http://schemas.microsoft.com/office/powerpoint/2010/main" val="3677382923"/>
       </p:ext>
     </p:extLst>
   </p:cSld>
@@ -5055,7 +4616,7 @@
           <p:cNvPr id="2" name="Título 1">
             <a:extLst>
               <a:ext uri="{FF2B5EF4-FFF2-40B4-BE49-F238E27FC236}">
-                <a16:creationId xmlns:a16="http://schemas.microsoft.com/office/drawing/2014/main" id="{AC805602-FBF3-4F0A-BADC-CD2503DEE991}"/>
+                <a16:creationId xmlns:a16="http://schemas.microsoft.com/office/drawing/2014/main" id="{FC7EC26D-D714-4D8B-8E51-65FEBA956714}"/>
               </a:ext>
             </a:extLst>
           </p:cNvPr>
@@ -5073,7 +4634,7 @@
           <a:p>
             <a:r>
               <a:rPr lang="es-CO" dirty="0"/>
-              <a:t>Desarrollo Multiplataforma Híbrido-PWA</a:t>
+              <a:t>¿Qué es Firebase?</a:t>
             </a:r>
           </a:p>
         </p:txBody>
@@ -5083,7 +4644,7 @@
           <p:cNvPr id="3" name="Marcador de contenido 2">
             <a:extLst>
               <a:ext uri="{FF2B5EF4-FFF2-40B4-BE49-F238E27FC236}">
-                <a16:creationId xmlns:a16="http://schemas.microsoft.com/office/drawing/2014/main" id="{154732A7-969A-4C21-979B-70197B434C11}"/>
+                <a16:creationId xmlns:a16="http://schemas.microsoft.com/office/drawing/2014/main" id="{04476D7F-905C-410E-AF9A-EF30C9D275C0}"/>
               </a:ext>
             </a:extLst>
           </p:cNvPr>
@@ -5096,134 +4657,47 @@
         </p:nvSpPr>
         <p:spPr>
           <a:xfrm>
-            <a:off x="761801" y="762000"/>
-            <a:ext cx="6094413" cy="5691336"/>
+            <a:off x="657053" y="2708920"/>
+            <a:ext cx="4409820" cy="2688590"/>
           </a:xfrm>
         </p:spPr>
         <p:txBody>
           <a:bodyPr>
-            <a:normAutofit fontScale="92500"/>
+            <a:normAutofit fontScale="92500" lnSpcReduction="20000"/>
           </a:bodyPr>
           <a:lstStyle/>
           <a:p>
             <a:pPr algn="just"/>
             <a:r>
-              <a:rPr lang="es-CO" dirty="0" err="1"/>
-              <a:t>Ionic</a:t>
-            </a:r>
-            <a:r>
-              <a:rPr lang="es-CO" dirty="0"/>
-              <a:t> utiliza lenguaje común usado para desarrollo web  como lo es </a:t>
-            </a:r>
-            <a:r>
-              <a:rPr lang="es-CO" dirty="0" err="1"/>
-              <a:t>Typescript</a:t>
-            </a:r>
-            <a:r>
-              <a:rPr lang="es-CO" dirty="0"/>
-              <a:t>, Html5 y </a:t>
-            </a:r>
-            <a:r>
-              <a:rPr lang="es-CO" dirty="0" err="1"/>
-              <a:t>css</a:t>
-            </a:r>
-            <a:r>
-              <a:rPr lang="es-CO" dirty="0"/>
-              <a:t> funcional en iOS, Android, Windows, etc...</a:t>
-            </a:r>
-          </a:p>
-          <a:p>
-            <a:pPr algn="just"/>
-            <a:r>
-              <a:rPr lang="es-CO" dirty="0" err="1"/>
-              <a:t>Ionic</a:t>
-            </a:r>
-            <a:r>
-              <a:rPr lang="es-CO" dirty="0"/>
-              <a:t> utiliza plugins que le permiten comportarse como una app nativa, al acceder a ciertas características del teléfono.</a:t>
-            </a:r>
-          </a:p>
-          <a:p>
-            <a:pPr algn="just"/>
-            <a:r>
-              <a:rPr lang="es-CO" dirty="0" err="1"/>
-              <a:t>React</a:t>
-            </a:r>
-            <a:r>
-              <a:rPr lang="es-CO" dirty="0"/>
-              <a:t> </a:t>
-            </a:r>
-            <a:r>
-              <a:rPr lang="es-CO" dirty="0" err="1"/>
-              <a:t>native</a:t>
-            </a:r>
-            <a:r>
-              <a:rPr lang="es-CO" dirty="0"/>
-              <a:t> utiliza lenguaje JSX pero no es común en todos los casos.</a:t>
-            </a:r>
-          </a:p>
-          <a:p>
-            <a:pPr algn="just"/>
-            <a:r>
-              <a:rPr lang="es-CO" dirty="0" err="1"/>
-              <a:t>React</a:t>
-            </a:r>
-            <a:r>
-              <a:rPr lang="es-CO" dirty="0"/>
-              <a:t> </a:t>
-            </a:r>
-            <a:r>
-              <a:rPr lang="es-CO" dirty="0" err="1"/>
-              <a:t>native</a:t>
-            </a:r>
-            <a:r>
-              <a:rPr lang="es-CO" dirty="0"/>
-              <a:t> tiene actualizaciones en tiempo real, actualizaciones sin pasar por la tienda.</a:t>
-            </a:r>
-          </a:p>
-        </p:txBody>
-      </p:sp>
-      <p:pic>
-        <p:nvPicPr>
-          <p:cNvPr id="7" name="Picture 4" descr="Resultado de imagen para react native">
+              <a:rPr lang="es-ES" sz="3200" dirty="0"/>
+              <a:t>Según su propia definición, Firebase es un conjunto de herramientas orientadas a la creación de aplicaciones de alta calidad, al crecimiento de los usuarios y a ganar más dinero.</a:t>
+            </a:r>
+            <a:r>
+              <a:rPr lang="es-ES" dirty="0"/>
+              <a:t> </a:t>
+            </a:r>
+            <a:endParaRPr lang="es-CO" dirty="0"/>
+          </a:p>
+        </p:txBody>
+      </p:sp>
+      <p:sp>
+        <p:nvSpPr>
+          <p:cNvPr id="4" name="AutoShape 2" descr="https://i.ytimg.com/vi_webp/8sGY55yxicA/maxresdefault.webp">
             <a:extLst>
               <a:ext uri="{FF2B5EF4-FFF2-40B4-BE49-F238E27FC236}">
-                <a16:creationId xmlns:a16="http://schemas.microsoft.com/office/drawing/2014/main" id="{66E0D03D-81C8-4876-9AAE-E49EA0E27BE8}"/>
+                <a16:creationId xmlns:a16="http://schemas.microsoft.com/office/drawing/2014/main" id="{69728A3A-1E91-408C-BD21-DD9379875806}"/>
               </a:ext>
             </a:extLst>
           </p:cNvPr>
-          <p:cNvPicPr>
-            <a:picLocks noChangeAspect="1" noChangeArrowheads="1"/>
-          </p:cNvPicPr>
+          <p:cNvSpPr>
+            <a:spLocks noChangeAspect="1" noChangeArrowheads="1"/>
+          </p:cNvSpPr>
           <p:nvPr/>
-        </p:nvPicPr>
-        <p:blipFill>
-          <a:blip r:embed="rId2" cstate="print">
-            <a:biLevel thresh="50000"/>
-            <a:extLst>
-              <a:ext uri="{BEBA8EAE-BF5A-486C-A8C5-ECC9F3942E4B}">
-                <a14:imgProps xmlns:a14="http://schemas.microsoft.com/office/drawing/2010/main">
-                  <a14:imgLayer r:embed="rId3">
-                    <a14:imgEffect>
-                      <a14:saturation sat="0"/>
-                    </a14:imgEffect>
-                  </a14:imgLayer>
-                </a14:imgProps>
-              </a:ext>
-              <a:ext uri="{28A0092B-C50C-407E-A947-70E740481C1C}">
-                <a14:useLocalDpi xmlns:a14="http://schemas.microsoft.com/office/drawing/2010/main" val="0"/>
-              </a:ext>
-            </a:extLst>
-          </a:blip>
-          <a:srcRect/>
-          <a:stretch>
-            <a:fillRect/>
-          </a:stretch>
-        </p:blipFill>
+        </p:nvSpPr>
         <p:spPr bwMode="auto">
           <a:xfrm>
-            <a:off x="8470676" y="3054711"/>
-            <a:ext cx="1340768" cy="1340768"/>
+            <a:off x="5942013" y="-1755576"/>
+            <a:ext cx="5336976" cy="5336976"/>
           </a:xfrm>
           <a:prstGeom prst="rect">
             <a:avLst/>
@@ -5239,13 +4713,69 @@
             </a:ext>
           </a:extLst>
         </p:spPr>
-      </p:pic>
+        <p:txBody>
+          <a:bodyPr vert="horz" wrap="square" lIns="91440" tIns="45720" rIns="91440" bIns="45720" numCol="1" anchor="t" anchorCtr="0" compatLnSpc="1">
+            <a:prstTxWarp prst="textNoShape">
+              <a:avLst/>
+            </a:prstTxWarp>
+          </a:bodyPr>
+          <a:lstStyle/>
+          <a:p>
+            <a:endParaRPr lang="es-CO"/>
+          </a:p>
+        </p:txBody>
+      </p:sp>
+      <p:sp>
+        <p:nvSpPr>
+          <p:cNvPr id="5" name="AutoShape 4" descr="https://i.ytimg.com/vi_webp/8sGY55yxicA/maxresdefault.webp">
+            <a:extLst>
+              <a:ext uri="{FF2B5EF4-FFF2-40B4-BE49-F238E27FC236}">
+                <a16:creationId xmlns:a16="http://schemas.microsoft.com/office/drawing/2014/main" id="{13B889D6-B264-44EF-A2F7-491CEA2C4218}"/>
+              </a:ext>
+            </a:extLst>
+          </p:cNvPr>
+          <p:cNvSpPr>
+            <a:spLocks noChangeAspect="1" noChangeArrowheads="1"/>
+          </p:cNvSpPr>
+          <p:nvPr/>
+        </p:nvSpPr>
+        <p:spPr bwMode="auto">
+          <a:xfrm>
+            <a:off x="5942013" y="3276600"/>
+            <a:ext cx="304800" cy="304800"/>
+          </a:xfrm>
+          <a:prstGeom prst="rect">
+            <a:avLst/>
+          </a:prstGeom>
+          <a:noFill/>
+          <a:extLst>
+            <a:ext uri="{909E8E84-426E-40DD-AFC4-6F175D3DCCD1}">
+              <a14:hiddenFill xmlns:a14="http://schemas.microsoft.com/office/drawing/2010/main">
+                <a:solidFill>
+                  <a:srgbClr val="FFFFFF"/>
+                </a:solidFill>
+              </a14:hiddenFill>
+            </a:ext>
+          </a:extLst>
+        </p:spPr>
+        <p:txBody>
+          <a:bodyPr vert="horz" wrap="square" lIns="91440" tIns="45720" rIns="91440" bIns="45720" numCol="1" anchor="t" anchorCtr="0" compatLnSpc="1">
+            <a:prstTxWarp prst="textNoShape">
+              <a:avLst/>
+            </a:prstTxWarp>
+          </a:bodyPr>
+          <a:lstStyle/>
+          <a:p>
+            <a:endParaRPr lang="es-CO"/>
+          </a:p>
+        </p:txBody>
+      </p:sp>
       <p:pic>
         <p:nvPicPr>
-          <p:cNvPr id="8" name="Picture 2" descr="Resultado de imagen para ionic">
+          <p:cNvPr id="6154" name="Picture 10" descr="https://firebase.google.com/images/home-top-illo-layer-apps_1x.png">
             <a:extLst>
               <a:ext uri="{FF2B5EF4-FFF2-40B4-BE49-F238E27FC236}">
-                <a16:creationId xmlns:a16="http://schemas.microsoft.com/office/drawing/2014/main" id="{69D88D77-DC36-48F1-BDC9-8F460D5CAD14}"/>
+                <a16:creationId xmlns:a16="http://schemas.microsoft.com/office/drawing/2014/main" id="{44B390FA-BCBD-4A17-9EE9-EB935AF19248}"/>
               </a:ext>
             </a:extLst>
           </p:cNvPr>
@@ -5255,18 +4785,8 @@
           <p:nvPr/>
         </p:nvPicPr>
         <p:blipFill>
-          <a:blip r:embed="rId4" cstate="print">
-            <a:biLevel thresh="50000"/>
+          <a:blip r:embed="rId2">
             <a:extLst>
-              <a:ext uri="{BEBA8EAE-BF5A-486C-A8C5-ECC9F3942E4B}">
-                <a14:imgProps xmlns:a14="http://schemas.microsoft.com/office/drawing/2010/main">
-                  <a14:imgLayer r:embed="rId5">
-                    <a14:imgEffect>
-                      <a14:saturation sat="0"/>
-                    </a14:imgEffect>
-                  </a14:imgLayer>
-                </a14:imgProps>
-              </a:ext>
               <a:ext uri="{28A0092B-C50C-407E-A947-70E740481C1C}">
                 <a14:useLocalDpi xmlns:a14="http://schemas.microsoft.com/office/drawing/2010/main" val="0"/>
               </a:ext>
@@ -5279,8 +4799,8 @@
         </p:blipFill>
         <p:spPr bwMode="auto">
           <a:xfrm>
-            <a:off x="9580804" y="3725095"/>
-            <a:ext cx="2060848" cy="2060848"/>
+            <a:off x="4652282" y="2478757"/>
+            <a:ext cx="7536543" cy="4398417"/>
           </a:xfrm>
           <a:prstGeom prst="rect">
             <a:avLst/>
@@ -5300,25 +4820,13 @@
     </p:spTree>
     <p:extLst>
       <p:ext uri="{BB962C8B-B14F-4D97-AF65-F5344CB8AC3E}">
-        <p14:creationId xmlns:p14="http://schemas.microsoft.com/office/powerpoint/2010/main" val="2497205972"/>
+        <p14:creationId xmlns:p14="http://schemas.microsoft.com/office/powerpoint/2010/main" val="3484174974"/>
       </p:ext>
     </p:extLst>
   </p:cSld>
   <p:clrMapOvr>
     <a:masterClrMapping/>
   </p:clrMapOvr>
-  <mc:AlternateContent xmlns:mc="http://schemas.openxmlformats.org/markup-compatibility/2006" xmlns:p14="http://schemas.microsoft.com/office/powerpoint/2010/main">
-    <mc:Choice Requires="p14">
-      <p:transition spd="med" p14:dur="700">
-        <p:fade/>
-      </p:transition>
-    </mc:Choice>
-    <mc:Fallback xmlns="">
-      <p:transition spd="med">
-        <p:fade/>
-      </p:transition>
-    </mc:Fallback>
-  </mc:AlternateContent>
 </p:sld>
 </file>
 
@@ -5344,7 +4852,7 @@
           <p:cNvPr id="2" name="Título 1">
             <a:extLst>
               <a:ext uri="{FF2B5EF4-FFF2-40B4-BE49-F238E27FC236}">
-                <a16:creationId xmlns:a16="http://schemas.microsoft.com/office/drawing/2014/main" id="{AC805602-FBF3-4F0A-BADC-CD2503DEE991}"/>
+                <a16:creationId xmlns:a16="http://schemas.microsoft.com/office/drawing/2014/main" id="{85856B9D-9D69-4365-B323-639CA749DAEF}"/>
               </a:ext>
             </a:extLst>
           </p:cNvPr>
@@ -5355,125 +4863,29 @@
             <p:ph type="title"/>
           </p:nvPr>
         </p:nvSpPr>
-        <p:spPr/>
+        <p:spPr>
+          <a:xfrm>
+            <a:off x="8254652" y="2276872"/>
+            <a:ext cx="3382399" cy="1920240"/>
+          </a:xfrm>
+        </p:spPr>
         <p:txBody>
           <a:bodyPr/>
           <a:lstStyle/>
           <a:p>
             <a:r>
               <a:rPr lang="es-CO" dirty="0"/>
-              <a:t>Desarrollo Multiplataforma Híbrido-PWA</a:t>
-            </a:r>
-          </a:p>
-        </p:txBody>
-      </p:sp>
-      <p:sp>
-        <p:nvSpPr>
-          <p:cNvPr id="3" name="Marcador de contenido 2">
+              <a:t>¿Qué ofrece Firebase?</a:t>
+            </a:r>
+          </a:p>
+        </p:txBody>
+      </p:sp>
+      <p:pic>
+        <p:nvPicPr>
+          <p:cNvPr id="7172" name="Picture 4" descr="Resultado de imagen para FIREBASE auth">
             <a:extLst>
               <a:ext uri="{FF2B5EF4-FFF2-40B4-BE49-F238E27FC236}">
-                <a16:creationId xmlns:a16="http://schemas.microsoft.com/office/drawing/2014/main" id="{154732A7-969A-4C21-979B-70197B434C11}"/>
-              </a:ext>
-            </a:extLst>
-          </p:cNvPr>
-          <p:cNvSpPr>
-            <a:spLocks noGrp="1"/>
-          </p:cNvSpPr>
-          <p:nvPr>
-            <p:ph idx="1"/>
-          </p:nvPr>
-        </p:nvSpPr>
-        <p:spPr>
-          <a:xfrm>
-            <a:off x="761801" y="762000"/>
-            <a:ext cx="6094413" cy="5691336"/>
-          </a:xfrm>
-        </p:spPr>
-        <p:txBody>
-          <a:bodyPr>
-            <a:normAutofit fontScale="92500" lnSpcReduction="10000"/>
-          </a:bodyPr>
-          <a:lstStyle/>
-          <a:p>
-            <a:pPr algn="just"/>
-            <a:r>
-              <a:rPr lang="es-CO" dirty="0"/>
-              <a:t>Aunque </a:t>
-            </a:r>
-            <a:r>
-              <a:rPr lang="es-CO" dirty="0" err="1"/>
-              <a:t>ionic</a:t>
-            </a:r>
-            <a:r>
-              <a:rPr lang="es-CO" dirty="0"/>
-              <a:t> utilice lenguaje común no se libra de dividir el proyecto por la compatibilidad de plugins.</a:t>
-            </a:r>
-          </a:p>
-          <a:p>
-            <a:pPr algn="just"/>
-            <a:r>
-              <a:rPr lang="es-CO" dirty="0" err="1"/>
-              <a:t>Ionic</a:t>
-            </a:r>
-            <a:r>
-              <a:rPr lang="es-CO" dirty="0"/>
-              <a:t> puede actualizar en tiempo real sin pasar por la tienda pero requiere ser de pago para acceder a esta funcionalidad.</a:t>
-            </a:r>
-          </a:p>
-          <a:p>
-            <a:pPr algn="just"/>
-            <a:r>
-              <a:rPr lang="es-CO" dirty="0" err="1"/>
-              <a:t>React</a:t>
-            </a:r>
-            <a:r>
-              <a:rPr lang="es-CO" dirty="0"/>
-              <a:t> </a:t>
-            </a:r>
-            <a:r>
-              <a:rPr lang="es-CO" dirty="0" err="1"/>
-              <a:t>native</a:t>
-            </a:r>
-            <a:r>
-              <a:rPr lang="es-CO" dirty="0"/>
-              <a:t> NO ofrece un único desarrollo sino que ofrece componentes distintos para cada plataforma en un solo proyecto.</a:t>
-            </a:r>
-          </a:p>
-          <a:p>
-            <a:pPr algn="just"/>
-            <a:r>
-              <a:rPr lang="es-CO" dirty="0" err="1"/>
-              <a:t>React</a:t>
-            </a:r>
-            <a:r>
-              <a:rPr lang="es-CO" dirty="0"/>
-              <a:t> </a:t>
-            </a:r>
-            <a:r>
-              <a:rPr lang="es-CO" dirty="0" err="1"/>
-              <a:t>native</a:t>
-            </a:r>
-            <a:r>
-              <a:rPr lang="es-CO" dirty="0"/>
-              <a:t> tiene problemas de compatibilidad desde la api 23 de </a:t>
-            </a:r>
-            <a:r>
-              <a:rPr lang="es-CO" dirty="0" err="1"/>
-              <a:t>android</a:t>
-            </a:r>
-            <a:r>
-              <a:rPr lang="es-CO" dirty="0"/>
-              <a:t>.</a:t>
-            </a:r>
-          </a:p>
-        </p:txBody>
-      </p:sp>
-      <p:pic>
-        <p:nvPicPr>
-          <p:cNvPr id="7" name="Picture 4" descr="Resultado de imagen para react native">
-            <a:extLst>
-              <a:ext uri="{FF2B5EF4-FFF2-40B4-BE49-F238E27FC236}">
-                <a16:creationId xmlns:a16="http://schemas.microsoft.com/office/drawing/2014/main" id="{66E0D03D-81C8-4876-9AAE-E49EA0E27BE8}"/>
+                <a16:creationId xmlns:a16="http://schemas.microsoft.com/office/drawing/2014/main" id="{374699FB-E22D-486A-8773-9E2876CF6E19}"/>
               </a:ext>
             </a:extLst>
           </p:cNvPr>
@@ -5484,17 +4896,7 @@
         </p:nvPicPr>
         <p:blipFill>
           <a:blip r:embed="rId2" cstate="print">
-            <a:biLevel thresh="50000"/>
             <a:extLst>
-              <a:ext uri="{BEBA8EAE-BF5A-486C-A8C5-ECC9F3942E4B}">
-                <a14:imgProps xmlns:a14="http://schemas.microsoft.com/office/drawing/2010/main">
-                  <a14:imgLayer r:embed="rId3">
-                    <a14:imgEffect>
-                      <a14:saturation sat="0"/>
-                    </a14:imgEffect>
-                  </a14:imgLayer>
-                </a14:imgProps>
-              </a:ext>
               <a:ext uri="{28A0092B-C50C-407E-A947-70E740481C1C}">
                 <a14:useLocalDpi xmlns:a14="http://schemas.microsoft.com/office/drawing/2010/main" val="0"/>
               </a:ext>
@@ -5507,8 +4909,8 @@
         </p:blipFill>
         <p:spPr bwMode="auto">
           <a:xfrm>
-            <a:off x="8470676" y="3054711"/>
-            <a:ext cx="1340768" cy="1340768"/>
+            <a:off x="997745" y="406162"/>
+            <a:ext cx="5187526" cy="2918068"/>
           </a:xfrm>
           <a:prstGeom prst="rect">
             <a:avLst/>
@@ -5527,10 +4929,10 @@
       </p:pic>
       <p:pic>
         <p:nvPicPr>
-          <p:cNvPr id="8" name="Picture 2" descr="Resultado de imagen para ionic">
+          <p:cNvPr id="7174" name="Picture 6" descr="Resultado de imagen para firebase realtime database">
             <a:extLst>
               <a:ext uri="{FF2B5EF4-FFF2-40B4-BE49-F238E27FC236}">
-                <a16:creationId xmlns:a16="http://schemas.microsoft.com/office/drawing/2014/main" id="{69D88D77-DC36-48F1-BDC9-8F460D5CAD14}"/>
+                <a16:creationId xmlns:a16="http://schemas.microsoft.com/office/drawing/2014/main" id="{C3C47E0C-0A4E-437C-84A3-755E192D7031}"/>
               </a:ext>
             </a:extLst>
           </p:cNvPr>
@@ -5540,18 +4942,8 @@
           <p:nvPr/>
         </p:nvPicPr>
         <p:blipFill>
-          <a:blip r:embed="rId4" cstate="print">
-            <a:biLevel thresh="50000"/>
+          <a:blip r:embed="rId3">
             <a:extLst>
-              <a:ext uri="{BEBA8EAE-BF5A-486C-A8C5-ECC9F3942E4B}">
-                <a14:imgProps xmlns:a14="http://schemas.microsoft.com/office/drawing/2010/main">
-                  <a14:imgLayer r:embed="rId5">
-                    <a14:imgEffect>
-                      <a14:saturation sat="0"/>
-                    </a14:imgEffect>
-                  </a14:imgLayer>
-                </a14:imgProps>
-              </a:ext>
               <a:ext uri="{28A0092B-C50C-407E-A947-70E740481C1C}">
                 <a14:useLocalDpi xmlns:a14="http://schemas.microsoft.com/office/drawing/2010/main" val="0"/>
               </a:ext>
@@ -5564,8 +4956,8 @@
         </p:blipFill>
         <p:spPr bwMode="auto">
           <a:xfrm>
-            <a:off x="9580804" y="3725095"/>
-            <a:ext cx="2060848" cy="2060848"/>
+            <a:off x="773584" y="3537179"/>
+            <a:ext cx="5635848" cy="3173338"/>
           </a:xfrm>
           <a:prstGeom prst="rect">
             <a:avLst/>
@@ -5585,7 +4977,7 @@
     </p:spTree>
     <p:extLst>
       <p:ext uri="{BB962C8B-B14F-4D97-AF65-F5344CB8AC3E}">
-        <p14:creationId xmlns:p14="http://schemas.microsoft.com/office/powerpoint/2010/main" val="878764651"/>
+        <p14:creationId xmlns:p14="http://schemas.microsoft.com/office/powerpoint/2010/main" val="2501348682"/>
       </p:ext>
     </p:extLst>
   </p:cSld>
@@ -5629,7 +5021,7 @@
           <p:cNvPr id="2" name="Título 1">
             <a:extLst>
               <a:ext uri="{FF2B5EF4-FFF2-40B4-BE49-F238E27FC236}">
-                <a16:creationId xmlns:a16="http://schemas.microsoft.com/office/drawing/2014/main" id="{84928560-34D3-41D1-BC7C-3EE186690B17}"/>
+                <a16:creationId xmlns:a16="http://schemas.microsoft.com/office/drawing/2014/main" id="{85856B9D-9D69-4365-B323-639CA749DAEF}"/>
               </a:ext>
             </a:extLst>
           </p:cNvPr>
@@ -5637,66 +5029,216 @@
             <a:spLocks noGrp="1"/>
           </p:cNvSpPr>
           <p:nvPr>
-            <p:ph type="ctrTitle"/>
-          </p:nvPr>
-        </p:nvSpPr>
-        <p:spPr/>
+            <p:ph type="title"/>
+          </p:nvPr>
+        </p:nvSpPr>
+        <p:spPr>
+          <a:xfrm>
+            <a:off x="8254652" y="2276872"/>
+            <a:ext cx="3382399" cy="1920240"/>
+          </a:xfrm>
+        </p:spPr>
         <p:txBody>
           <a:bodyPr/>
           <a:lstStyle/>
           <a:p>
             <a:r>
               <a:rPr lang="es-CO" dirty="0"/>
-              <a:t>¿Porqué </a:t>
-            </a:r>
-            <a:r>
-              <a:rPr lang="es-CO" dirty="0" err="1"/>
-              <a:t>ionic</a:t>
-            </a:r>
-            <a:r>
-              <a:rPr lang="es-CO" dirty="0"/>
-              <a:t> v3?</a:t>
-            </a:r>
-          </a:p>
-        </p:txBody>
-      </p:sp>
-      <p:sp>
-        <p:nvSpPr>
-          <p:cNvPr id="3" name="Subtítulo 2">
+              <a:t>¿Qué ofrece Firebase?</a:t>
+            </a:r>
+          </a:p>
+        </p:txBody>
+      </p:sp>
+      <p:pic>
+        <p:nvPicPr>
+          <p:cNvPr id="8194" name="Picture 2" descr="Resultado de imagen para firebase storage">
             <a:extLst>
               <a:ext uri="{FF2B5EF4-FFF2-40B4-BE49-F238E27FC236}">
-                <a16:creationId xmlns:a16="http://schemas.microsoft.com/office/drawing/2014/main" id="{E0DAA894-3730-4739-805F-1F6B369C6EA6}"/>
+                <a16:creationId xmlns:a16="http://schemas.microsoft.com/office/drawing/2014/main" id="{EAF13CA5-EBBB-43CB-98CE-242B102EEB78}"/>
               </a:ext>
             </a:extLst>
           </p:cNvPr>
-          <p:cNvSpPr>
-            <a:spLocks noGrp="1"/>
-          </p:cNvSpPr>
-          <p:nvPr>
-            <p:ph type="subTitle" idx="1"/>
-          </p:nvPr>
-        </p:nvSpPr>
-        <p:spPr/>
-        <p:txBody>
-          <a:bodyPr/>
+          <p:cNvPicPr>
+            <a:picLocks noChangeAspect="1" noChangeArrowheads="1"/>
+          </p:cNvPicPr>
+          <p:nvPr/>
+        </p:nvPicPr>
+        <p:blipFill>
+          <a:blip r:embed="rId2" cstate="print">
+            <a:extLst>
+              <a:ext uri="{28A0092B-C50C-407E-A947-70E740481C1C}">
+                <a14:useLocalDpi xmlns:a14="http://schemas.microsoft.com/office/drawing/2010/main" val="0"/>
+              </a:ext>
+            </a:extLst>
+          </a:blip>
+          <a:srcRect/>
+          <a:stretch>
+            <a:fillRect/>
+          </a:stretch>
+        </p:blipFill>
+        <p:spPr bwMode="auto">
+          <a:xfrm>
+            <a:off x="253418" y="174218"/>
+            <a:ext cx="4904890" cy="2759080"/>
+          </a:xfrm>
+          <a:prstGeom prst="rect">
+            <a:avLst/>
+          </a:prstGeom>
+          <a:noFill/>
+          <a:extLst>
+            <a:ext uri="{909E8E84-426E-40DD-AFC4-6F175D3DCCD1}">
+              <a14:hiddenFill xmlns:a14="http://schemas.microsoft.com/office/drawing/2010/main">
+                <a:solidFill>
+                  <a:srgbClr val="FFFFFF"/>
+                </a:solidFill>
+              </a14:hiddenFill>
+            </a:ext>
+          </a:extLst>
+        </p:spPr>
+      </p:pic>
+      <p:pic>
+        <p:nvPicPr>
+          <p:cNvPr id="8196" name="Picture 4" descr="Resultado de imagen para firebase cloud functions">
+            <a:extLst>
+              <a:ext uri="{FF2B5EF4-FFF2-40B4-BE49-F238E27FC236}">
+                <a16:creationId xmlns:a16="http://schemas.microsoft.com/office/drawing/2014/main" id="{D295F7B7-4357-4AD6-AD53-566A135D3B40}"/>
+              </a:ext>
+            </a:extLst>
+          </p:cNvPr>
+          <p:cNvPicPr>
+            <a:picLocks noChangeAspect="1" noChangeArrowheads="1"/>
+          </p:cNvPicPr>
+          <p:nvPr/>
+        </p:nvPicPr>
+        <p:blipFill>
+          <a:blip r:embed="rId3" cstate="print">
+            <a:extLst>
+              <a:ext uri="{28A0092B-C50C-407E-A947-70E740481C1C}">
+                <a14:useLocalDpi xmlns:a14="http://schemas.microsoft.com/office/drawing/2010/main" val="0"/>
+              </a:ext>
+            </a:extLst>
+          </a:blip>
+          <a:srcRect/>
+          <a:stretch>
+            <a:fillRect/>
+          </a:stretch>
+        </p:blipFill>
+        <p:spPr bwMode="auto">
+          <a:xfrm>
+            <a:off x="2671915" y="1857452"/>
+            <a:ext cx="4904889" cy="2759080"/>
+          </a:xfrm>
+          <a:prstGeom prst="rect">
+            <a:avLst/>
+          </a:prstGeom>
+          <a:noFill/>
+          <a:extLst>
+            <a:ext uri="{909E8E84-426E-40DD-AFC4-6F175D3DCCD1}">
+              <a14:hiddenFill xmlns:a14="http://schemas.microsoft.com/office/drawing/2010/main">
+                <a:solidFill>
+                  <a:srgbClr val="FFFFFF"/>
+                </a:solidFill>
+              </a14:hiddenFill>
+            </a:ext>
+          </a:extLst>
+        </p:spPr>
+      </p:pic>
+      <p:sp>
+        <p:nvSpPr>
+          <p:cNvPr id="3" name="AutoShape 6" descr="Resultado de imagen para firebase machine learning">
+            <a:extLst>
+              <a:ext uri="{FF2B5EF4-FFF2-40B4-BE49-F238E27FC236}">
+                <a16:creationId xmlns:a16="http://schemas.microsoft.com/office/drawing/2014/main" id="{EDDFEE9C-0D01-47D1-A8D3-552CE3244B30}"/>
+              </a:ext>
+            </a:extLst>
+          </p:cNvPr>
+          <p:cNvSpPr>
+            <a:spLocks noChangeAspect="1" noChangeArrowheads="1"/>
+          </p:cNvSpPr>
+          <p:nvPr/>
+        </p:nvSpPr>
+        <p:spPr bwMode="auto">
+          <a:xfrm>
+            <a:off x="5942013" y="3276600"/>
+            <a:ext cx="304800" cy="304800"/>
+          </a:xfrm>
+          <a:prstGeom prst="rect">
+            <a:avLst/>
+          </a:prstGeom>
+          <a:noFill/>
+          <a:extLst>
+            <a:ext uri="{909E8E84-426E-40DD-AFC4-6F175D3DCCD1}">
+              <a14:hiddenFill xmlns:a14="http://schemas.microsoft.com/office/drawing/2010/main">
+                <a:solidFill>
+                  <a:srgbClr val="FFFFFF"/>
+                </a:solidFill>
+              </a14:hiddenFill>
+            </a:ext>
+          </a:extLst>
+        </p:spPr>
+        <p:txBody>
+          <a:bodyPr vert="horz" wrap="square" lIns="91440" tIns="45720" rIns="91440" bIns="45720" numCol="1" anchor="t" anchorCtr="0" compatLnSpc="1">
+            <a:prstTxWarp prst="textNoShape">
+              <a:avLst/>
+            </a:prstTxWarp>
+          </a:bodyPr>
           <a:lstStyle/>
           <a:p>
-            <a:pPr algn="ctr"/>
-            <a:r>
-              <a:rPr lang="es-CO" dirty="0" err="1"/>
-              <a:t>Fácilidad</a:t>
-            </a:r>
-            <a:r>
-              <a:rPr lang="es-CO" dirty="0"/>
-              <a:t>-Fluidez-Dinámica en  casi cualquier contexto</a:t>
-            </a:r>
-          </a:p>
-        </p:txBody>
-      </p:sp>
+            <a:endParaRPr lang="es-CO"/>
+          </a:p>
+        </p:txBody>
+      </p:sp>
+      <p:pic>
+        <p:nvPicPr>
+          <p:cNvPr id="8200" name="Picture 8" descr="Imagen relacionada">
+            <a:extLst>
+              <a:ext uri="{FF2B5EF4-FFF2-40B4-BE49-F238E27FC236}">
+                <a16:creationId xmlns:a16="http://schemas.microsoft.com/office/drawing/2014/main" id="{D5C577AB-3903-49DA-9C76-60E88DD11738}"/>
+              </a:ext>
+            </a:extLst>
+          </p:cNvPr>
+          <p:cNvPicPr>
+            <a:picLocks noChangeAspect="1" noChangeArrowheads="1"/>
+          </p:cNvPicPr>
+          <p:nvPr/>
+        </p:nvPicPr>
+        <p:blipFill>
+          <a:blip r:embed="rId4" cstate="print">
+            <a:extLst>
+              <a:ext uri="{28A0092B-C50C-407E-A947-70E740481C1C}">
+                <a14:useLocalDpi xmlns:a14="http://schemas.microsoft.com/office/drawing/2010/main" val="0"/>
+              </a:ext>
+            </a:extLst>
+          </a:blip>
+          <a:srcRect/>
+          <a:stretch>
+            <a:fillRect/>
+          </a:stretch>
+        </p:blipFill>
+        <p:spPr bwMode="auto">
+          <a:xfrm>
+            <a:off x="1" y="4319331"/>
+            <a:ext cx="4510235" cy="2537081"/>
+          </a:xfrm>
+          <a:prstGeom prst="rect">
+            <a:avLst/>
+          </a:prstGeom>
+          <a:noFill/>
+          <a:extLst>
+            <a:ext uri="{909E8E84-426E-40DD-AFC4-6F175D3DCCD1}">
+              <a14:hiddenFill xmlns:a14="http://schemas.microsoft.com/office/drawing/2010/main">
+                <a:solidFill>
+                  <a:srgbClr val="FFFFFF"/>
+                </a:solidFill>
+              </a14:hiddenFill>
+            </a:ext>
+          </a:extLst>
+        </p:spPr>
+      </p:pic>
     </p:spTree>
     <p:extLst>
       <p:ext uri="{BB962C8B-B14F-4D97-AF65-F5344CB8AC3E}">
-        <p14:creationId xmlns:p14="http://schemas.microsoft.com/office/powerpoint/2010/main" val="1911196299"/>
+        <p14:creationId xmlns:p14="http://schemas.microsoft.com/office/powerpoint/2010/main" val="4016582054"/>
       </p:ext>
     </p:extLst>
   </p:cSld>
@@ -5740,7 +5282,7 @@
           <p:cNvPr id="2" name="Título 1">
             <a:extLst>
               <a:ext uri="{FF2B5EF4-FFF2-40B4-BE49-F238E27FC236}">
-                <a16:creationId xmlns:a16="http://schemas.microsoft.com/office/drawing/2014/main" id="{AC805602-FBF3-4F0A-BADC-CD2503DEE991}"/>
+                <a16:creationId xmlns:a16="http://schemas.microsoft.com/office/drawing/2014/main" id="{85856B9D-9D69-4365-B323-639CA749DAEF}"/>
               </a:ext>
             </a:extLst>
           </p:cNvPr>
@@ -5751,113 +5293,41 @@
             <p:ph type="title"/>
           </p:nvPr>
         </p:nvSpPr>
-        <p:spPr/>
+        <p:spPr>
+          <a:xfrm>
+            <a:off x="8254652" y="2276872"/>
+            <a:ext cx="3382399" cy="1920240"/>
+          </a:xfrm>
+        </p:spPr>
         <p:txBody>
           <a:bodyPr/>
           <a:lstStyle/>
           <a:p>
             <a:r>
               <a:rPr lang="es-CO" dirty="0"/>
-              <a:t>Facilidad</a:t>
-            </a:r>
-          </a:p>
-        </p:txBody>
-      </p:sp>
-      <p:sp>
-        <p:nvSpPr>
-          <p:cNvPr id="3" name="Marcador de contenido 2">
+              <a:t>¿Qué  ventajas tiene Firebase?</a:t>
+            </a:r>
+          </a:p>
+        </p:txBody>
+      </p:sp>
+      <p:sp>
+        <p:nvSpPr>
+          <p:cNvPr id="3" name="AutoShape 6" descr="Resultado de imagen para firebase machine learning">
             <a:extLst>
               <a:ext uri="{FF2B5EF4-FFF2-40B4-BE49-F238E27FC236}">
-                <a16:creationId xmlns:a16="http://schemas.microsoft.com/office/drawing/2014/main" id="{154732A7-969A-4C21-979B-70197B434C11}"/>
+                <a16:creationId xmlns:a16="http://schemas.microsoft.com/office/drawing/2014/main" id="{EDDFEE9C-0D01-47D1-A8D3-552CE3244B30}"/>
               </a:ext>
             </a:extLst>
           </p:cNvPr>
           <p:cNvSpPr>
-            <a:spLocks noGrp="1"/>
-          </p:cNvSpPr>
-          <p:nvPr>
-            <p:ph idx="1"/>
-          </p:nvPr>
-        </p:nvSpPr>
-        <p:spPr>
-          <a:xfrm>
-            <a:off x="882365" y="1553028"/>
-            <a:ext cx="6094413" cy="3990814"/>
-          </a:xfrm>
-        </p:spPr>
-        <p:txBody>
-          <a:bodyPr>
-            <a:normAutofit/>
-          </a:bodyPr>
-          <a:lstStyle/>
-          <a:p>
-            <a:pPr algn="just"/>
-            <a:r>
-              <a:rPr lang="es-CO" dirty="0"/>
-              <a:t>Su implementación es bastante sencilla debido a la estructura de su proyecto.</a:t>
-            </a:r>
-          </a:p>
-          <a:p>
-            <a:pPr algn="just"/>
-            <a:r>
-              <a:rPr lang="es-CO" dirty="0"/>
-              <a:t>Se pueden acceder a plugins ya creados para cada plataforma.</a:t>
-            </a:r>
-          </a:p>
-          <a:p>
-            <a:pPr algn="just"/>
-            <a:r>
-              <a:rPr lang="es-CO" dirty="0"/>
-              <a:t>La interfaz y los UI controles se adaptan según la plataforma.</a:t>
-            </a:r>
-          </a:p>
-          <a:p>
-            <a:pPr algn="just"/>
-            <a:endParaRPr lang="es-CO" dirty="0"/>
-          </a:p>
-        </p:txBody>
-      </p:sp>
-      <p:pic>
-        <p:nvPicPr>
-          <p:cNvPr id="8" name="Picture 2" descr="Resultado de imagen para ionic">
-            <a:extLst>
-              <a:ext uri="{FF2B5EF4-FFF2-40B4-BE49-F238E27FC236}">
-                <a16:creationId xmlns:a16="http://schemas.microsoft.com/office/drawing/2014/main" id="{69D88D77-DC36-48F1-BDC9-8F460D5CAD14}"/>
-              </a:ext>
-            </a:extLst>
-          </p:cNvPr>
-          <p:cNvPicPr>
-            <a:picLocks noChangeAspect="1" noChangeArrowheads="1"/>
-          </p:cNvPicPr>
+            <a:spLocks noChangeAspect="1" noChangeArrowheads="1"/>
+          </p:cNvSpPr>
           <p:nvPr/>
-        </p:nvPicPr>
-        <p:blipFill>
-          <a:blip r:embed="rId2" cstate="print">
-            <a:biLevel thresh="50000"/>
-            <a:extLst>
-              <a:ext uri="{BEBA8EAE-BF5A-486C-A8C5-ECC9F3942E4B}">
-                <a14:imgProps xmlns:a14="http://schemas.microsoft.com/office/drawing/2010/main">
-                  <a14:imgLayer r:embed="rId3">
-                    <a14:imgEffect>
-                      <a14:saturation sat="0"/>
-                    </a14:imgEffect>
-                  </a14:imgLayer>
-                </a14:imgProps>
-              </a:ext>
-              <a:ext uri="{28A0092B-C50C-407E-A947-70E740481C1C}">
-                <a14:useLocalDpi xmlns:a14="http://schemas.microsoft.com/office/drawing/2010/main" val="0"/>
-              </a:ext>
-            </a:extLst>
-          </a:blip>
-          <a:srcRect/>
-          <a:stretch>
-            <a:fillRect/>
-          </a:stretch>
-        </p:blipFill>
+        </p:nvSpPr>
         <p:spPr bwMode="auto">
           <a:xfrm>
-            <a:off x="8686700" y="3140968"/>
-            <a:ext cx="2060848" cy="2060848"/>
+            <a:off x="5942013" y="3276600"/>
+            <a:ext cx="304800" cy="304800"/>
           </a:xfrm>
           <a:prstGeom prst="rect">
             <a:avLst/>
@@ -5873,11 +5343,112 @@
             </a:ext>
           </a:extLst>
         </p:spPr>
-      </p:pic>
+        <p:txBody>
+          <a:bodyPr vert="horz" wrap="square" lIns="91440" tIns="45720" rIns="91440" bIns="45720" numCol="1" anchor="t" anchorCtr="0" compatLnSpc="1">
+            <a:prstTxWarp prst="textNoShape">
+              <a:avLst/>
+            </a:prstTxWarp>
+          </a:bodyPr>
+          <a:lstStyle/>
+          <a:p>
+            <a:endParaRPr lang="es-CO"/>
+          </a:p>
+        </p:txBody>
+      </p:sp>
+      <p:sp>
+        <p:nvSpPr>
+          <p:cNvPr id="7" name="Marcador de posición de contenido 2">
+            <a:extLst>
+              <a:ext uri="{FF2B5EF4-FFF2-40B4-BE49-F238E27FC236}">
+                <a16:creationId xmlns:a16="http://schemas.microsoft.com/office/drawing/2014/main" id="{F6CB9425-BA38-432D-BAA3-3D8DEFAC8DFE}"/>
+              </a:ext>
+            </a:extLst>
+          </p:cNvPr>
+          <p:cNvSpPr>
+            <a:spLocks noGrp="1"/>
+          </p:cNvSpPr>
+          <p:nvPr>
+            <p:ph idx="1"/>
+          </p:nvPr>
+        </p:nvSpPr>
+        <p:spPr>
+          <a:xfrm>
+            <a:off x="727652" y="1556792"/>
+            <a:ext cx="6094413" cy="4572000"/>
+          </a:xfrm>
+        </p:spPr>
+        <p:txBody>
+          <a:bodyPr rtlCol="0">
+            <a:normAutofit lnSpcReduction="10000"/>
+          </a:bodyPr>
+          <a:lstStyle/>
+          <a:p>
+            <a:pPr algn="just"/>
+            <a:r>
+              <a:rPr lang="es-ES" dirty="0"/>
+              <a:t>Adiós </a:t>
+            </a:r>
+            <a:r>
+              <a:rPr lang="es-ES" dirty="0" err="1"/>
+              <a:t>WebServices</a:t>
+            </a:r>
+            <a:r>
+              <a:rPr lang="es-ES" dirty="0"/>
+              <a:t>: No se requiere hacer back-</a:t>
+            </a:r>
+            <a:r>
+              <a:rPr lang="es-ES" dirty="0" err="1"/>
+              <a:t>end</a:t>
+            </a:r>
+            <a:r>
+              <a:rPr lang="es-ES" dirty="0"/>
+              <a:t> ya que por acceso de api podemos acceder a las herramientas de </a:t>
+            </a:r>
+            <a:r>
+              <a:rPr lang="es-ES" dirty="0" err="1"/>
+              <a:t>firebase</a:t>
+            </a:r>
+            <a:r>
+              <a:rPr lang="es-ES" dirty="0"/>
+              <a:t>.</a:t>
+            </a:r>
+          </a:p>
+          <a:p>
+            <a:pPr algn="just"/>
+            <a:r>
+              <a:rPr lang="es-ES" dirty="0"/>
+              <a:t>Es multiplataforma, es compatible con Android, iOS e incluso con tecnologías web como </a:t>
+            </a:r>
+            <a:r>
+              <a:rPr lang="es-ES" dirty="0" err="1"/>
+              <a:t>ionic</a:t>
+            </a:r>
+            <a:r>
+              <a:rPr lang="es-ES" dirty="0"/>
+              <a:t>.</a:t>
+            </a:r>
+          </a:p>
+          <a:p>
+            <a:pPr algn="just"/>
+            <a:r>
+              <a:rPr lang="es-ES" dirty="0"/>
+              <a:t>Puedes enviar notificaciones </a:t>
+            </a:r>
+            <a:r>
+              <a:rPr lang="es-ES" dirty="0" err="1"/>
+              <a:t>Push</a:t>
+            </a:r>
+            <a:r>
+              <a:rPr lang="es-ES" dirty="0"/>
+              <a:t> a un sin fin de dispositivos al mismo tiempo, por sectores o preferencias.</a:t>
+            </a:r>
+          </a:p>
+        </p:txBody>
+      </p:sp>
     </p:spTree>
     <p:extLst>
       <p:ext uri="{BB962C8B-B14F-4D97-AF65-F5344CB8AC3E}">
-        <p14:creationId xmlns:p14="http://schemas.microsoft.com/office/powerpoint/2010/main" val="3341941114"/>
+        <p14:creationId xmlns:p14="http://schemas.microsoft.com/office/powerpoint/2010/main" val="1071017795"/>
       </p:ext>
     </p:extLst>
   </p:cSld>
@@ -5921,7 +5492,7 @@
           <p:cNvPr id="2" name="Título 1">
             <a:extLst>
               <a:ext uri="{FF2B5EF4-FFF2-40B4-BE49-F238E27FC236}">
-                <a16:creationId xmlns:a16="http://schemas.microsoft.com/office/drawing/2014/main" id="{AC805602-FBF3-4F0A-BADC-CD2503DEE991}"/>
+                <a16:creationId xmlns:a16="http://schemas.microsoft.com/office/drawing/2014/main" id="{85856B9D-9D69-4365-B323-639CA749DAEF}"/>
               </a:ext>
             </a:extLst>
           </p:cNvPr>
@@ -5932,110 +5503,41 @@
             <p:ph type="title"/>
           </p:nvPr>
         </p:nvSpPr>
-        <p:spPr/>
+        <p:spPr>
+          <a:xfrm>
+            <a:off x="8254652" y="2276872"/>
+            <a:ext cx="3382399" cy="1920240"/>
+          </a:xfrm>
+        </p:spPr>
         <p:txBody>
           <a:bodyPr/>
           <a:lstStyle/>
           <a:p>
             <a:r>
               <a:rPr lang="es-CO" dirty="0"/>
-              <a:t>Facilidad</a:t>
-            </a:r>
-          </a:p>
-        </p:txBody>
-      </p:sp>
-      <p:sp>
-        <p:nvSpPr>
-          <p:cNvPr id="3" name="Marcador de contenido 2">
+              <a:t>¿Qué  ventajas tiene Firebase?</a:t>
+            </a:r>
+          </a:p>
+        </p:txBody>
+      </p:sp>
+      <p:sp>
+        <p:nvSpPr>
+          <p:cNvPr id="3" name="AutoShape 6" descr="Resultado de imagen para firebase machine learning">
             <a:extLst>
               <a:ext uri="{FF2B5EF4-FFF2-40B4-BE49-F238E27FC236}">
-                <a16:creationId xmlns:a16="http://schemas.microsoft.com/office/drawing/2014/main" id="{154732A7-969A-4C21-979B-70197B434C11}"/>
+                <a16:creationId xmlns:a16="http://schemas.microsoft.com/office/drawing/2014/main" id="{EDDFEE9C-0D01-47D1-A8D3-552CE3244B30}"/>
               </a:ext>
             </a:extLst>
           </p:cNvPr>
           <p:cNvSpPr>
-            <a:spLocks noGrp="1"/>
-          </p:cNvSpPr>
-          <p:nvPr>
-            <p:ph idx="1"/>
-          </p:nvPr>
-        </p:nvSpPr>
-        <p:spPr>
-          <a:xfrm>
-            <a:off x="882365" y="1553028"/>
-            <a:ext cx="6094413" cy="3990814"/>
-          </a:xfrm>
-        </p:spPr>
-        <p:txBody>
-          <a:bodyPr>
-            <a:normAutofit/>
-          </a:bodyPr>
-          <a:lstStyle/>
-          <a:p>
-            <a:pPr algn="just"/>
-            <a:r>
-              <a:rPr lang="es-CO" dirty="0"/>
-              <a:t>No necesitan de simulación de primer plano, ya que pueden correr en el navegador*</a:t>
-            </a:r>
-          </a:p>
-          <a:p>
-            <a:pPr algn="just"/>
-            <a:r>
-              <a:rPr lang="es-CO" dirty="0"/>
-              <a:t>Es posible desarrollar un app para iOS y emularla sin tener un Mac para generar el ejecutable para iPhone o </a:t>
-            </a:r>
-            <a:r>
-              <a:rPr lang="es-CO" dirty="0" err="1"/>
-              <a:t>ipad</a:t>
-            </a:r>
-            <a:r>
-              <a:rPr lang="es-CO" dirty="0"/>
-              <a:t>.</a:t>
-            </a:r>
-          </a:p>
-        </p:txBody>
-      </p:sp>
-      <p:pic>
-        <p:nvPicPr>
-          <p:cNvPr id="8" name="Picture 2" descr="Resultado de imagen para ionic">
-            <a:extLst>
-              <a:ext uri="{FF2B5EF4-FFF2-40B4-BE49-F238E27FC236}">
-                <a16:creationId xmlns:a16="http://schemas.microsoft.com/office/drawing/2014/main" id="{69D88D77-DC36-48F1-BDC9-8F460D5CAD14}"/>
-              </a:ext>
-            </a:extLst>
-          </p:cNvPr>
-          <p:cNvPicPr>
-            <a:picLocks noChangeAspect="1" noChangeArrowheads="1"/>
-          </p:cNvPicPr>
+            <a:spLocks noChangeAspect="1" noChangeArrowheads="1"/>
+          </p:cNvSpPr>
           <p:nvPr/>
-        </p:nvPicPr>
-        <p:blipFill>
-          <a:blip r:embed="rId2" cstate="print">
-            <a:biLevel thresh="50000"/>
-            <a:extLst>
-              <a:ext uri="{BEBA8EAE-BF5A-486C-A8C5-ECC9F3942E4B}">
-                <a14:imgProps xmlns:a14="http://schemas.microsoft.com/office/drawing/2010/main">
-                  <a14:imgLayer r:embed="rId3">
-                    <a14:imgEffect>
-                      <a14:saturation sat="0"/>
-                    </a14:imgEffect>
-                  </a14:imgLayer>
-                </a14:imgProps>
-              </a:ext>
-              <a:ext uri="{28A0092B-C50C-407E-A947-70E740481C1C}">
-                <a14:useLocalDpi xmlns:a14="http://schemas.microsoft.com/office/drawing/2010/main" val="0"/>
-              </a:ext>
-            </a:extLst>
-          </a:blip>
-          <a:srcRect/>
-          <a:stretch>
-            <a:fillRect/>
-          </a:stretch>
-        </p:blipFill>
+        </p:nvSpPr>
         <p:spPr bwMode="auto">
           <a:xfrm>
-            <a:off x="8686700" y="3140968"/>
-            <a:ext cx="2060848" cy="2060848"/>
+            <a:off x="5942013" y="3276600"/>
+            <a:ext cx="304800" cy="304800"/>
           </a:xfrm>
           <a:prstGeom prst="rect">
             <a:avLst/>
@@ -6051,11 +5553,72 @@
             </a:ext>
           </a:extLst>
         </p:spPr>
-      </p:pic>
+        <p:txBody>
+          <a:bodyPr vert="horz" wrap="square" lIns="91440" tIns="45720" rIns="91440" bIns="45720" numCol="1" anchor="t" anchorCtr="0" compatLnSpc="1">
+            <a:prstTxWarp prst="textNoShape">
+              <a:avLst/>
+            </a:prstTxWarp>
+          </a:bodyPr>
+          <a:lstStyle/>
+          <a:p>
+            <a:endParaRPr lang="es-CO"/>
+          </a:p>
+        </p:txBody>
+      </p:sp>
+      <p:sp>
+        <p:nvSpPr>
+          <p:cNvPr id="7" name="Marcador de posición de contenido 2">
+            <a:extLst>
+              <a:ext uri="{FF2B5EF4-FFF2-40B4-BE49-F238E27FC236}">
+                <a16:creationId xmlns:a16="http://schemas.microsoft.com/office/drawing/2014/main" id="{F6CB9425-BA38-432D-BAA3-3D8DEFAC8DFE}"/>
+              </a:ext>
+            </a:extLst>
+          </p:cNvPr>
+          <p:cNvSpPr>
+            <a:spLocks noGrp="1"/>
+          </p:cNvSpPr>
+          <p:nvPr>
+            <p:ph idx="1"/>
+          </p:nvPr>
+        </p:nvSpPr>
+        <p:spPr>
+          <a:xfrm>
+            <a:off x="727652" y="1556792"/>
+            <a:ext cx="6094413" cy="4572000"/>
+          </a:xfrm>
+        </p:spPr>
+        <p:txBody>
+          <a:bodyPr rtlCol="0">
+            <a:normAutofit/>
+          </a:bodyPr>
+          <a:lstStyle/>
+          <a:p>
+            <a:pPr algn="just"/>
+            <a:r>
+              <a:rPr lang="es-ES" dirty="0"/>
+              <a:t>Se pueden obtener analíticas en tiempo real de funcionamiento.</a:t>
+            </a:r>
+          </a:p>
+          <a:p>
+            <a:pPr algn="just"/>
+            <a:r>
+              <a:rPr lang="es-ES" dirty="0"/>
+              <a:t>El coste en comparación a de gestores de bases de datos como el de Oracle es mucho más económico.</a:t>
+            </a:r>
+          </a:p>
+          <a:p>
+            <a:pPr algn="just"/>
+            <a:r>
+              <a:rPr lang="es-ES" dirty="0"/>
+              <a:t>Es posible acceder a las funciones específicas solo con acceder a la API.</a:t>
+            </a:r>
+          </a:p>
+        </p:txBody>
+      </p:sp>
     </p:spTree>
     <p:extLst>
       <p:ext uri="{BB962C8B-B14F-4D97-AF65-F5344CB8AC3E}">
-        <p14:creationId xmlns:p14="http://schemas.microsoft.com/office/powerpoint/2010/main" val="379097504"/>
+        <p14:creationId xmlns:p14="http://schemas.microsoft.com/office/powerpoint/2010/main" val="4163943259"/>
       </p:ext>
     </p:extLst>
   </p:cSld>
@@ -6096,7 +5659,13 @@
       </p:grpSpPr>
       <p:sp>
         <p:nvSpPr>
-          <p:cNvPr id="2" name="Título 1"/>
+          <p:cNvPr id="2" name="Título 1">
+            <a:extLst>
+              <a:ext uri="{FF2B5EF4-FFF2-40B4-BE49-F238E27FC236}">
+                <a16:creationId xmlns:a16="http://schemas.microsoft.com/office/drawing/2014/main" id="{85856B9D-9D69-4365-B323-639CA749DAEF}"/>
+              </a:ext>
+            </a:extLst>
+          </p:cNvPr>
           <p:cNvSpPr>
             <a:spLocks noGrp="1"/>
           </p:cNvSpPr>
@@ -6104,36 +5673,134 @@
             <p:ph type="title"/>
           </p:nvPr>
         </p:nvSpPr>
-        <p:spPr/>
-        <p:txBody>
-          <a:bodyPr rtlCol="0"/>
+        <p:spPr>
+          <a:xfrm>
+            <a:off x="8254652" y="2276872"/>
+            <a:ext cx="3382399" cy="1920240"/>
+          </a:xfrm>
+        </p:spPr>
+        <p:txBody>
+          <a:bodyPr/>
           <a:lstStyle/>
           <a:p>
-            <a:pPr rtl="0"/>
-            <a:r>
-              <a:rPr lang="es-ES" dirty="0"/>
-              <a:t>Bibliografía</a:t>
-            </a:r>
-          </a:p>
-        </p:txBody>
-      </p:sp>
-      <p:sp>
-        <p:nvSpPr>
-          <p:cNvPr id="3" name="Marcador de posición de contenido 2"/>
-          <p:cNvSpPr>
-            <a:spLocks noGrp="1"/>
-          </p:cNvSpPr>
-          <p:nvPr>
-            <p:ph idx="1"/>
-          </p:nvPr>
-        </p:nvSpPr>
-        <p:spPr/>
-        <p:txBody>
-          <a:bodyPr rtlCol="0">
-            <a:normAutofit/>
+            <a:r>
+              <a:rPr lang="es-CO" dirty="0"/>
+              <a:t>¿Qué  desventajas tiene Firebase?</a:t>
+            </a:r>
+          </a:p>
+        </p:txBody>
+      </p:sp>
+      <p:sp>
+        <p:nvSpPr>
+          <p:cNvPr id="3" name="AutoShape 6" descr="Resultado de imagen para firebase machine learning">
+            <a:extLst>
+              <a:ext uri="{FF2B5EF4-FFF2-40B4-BE49-F238E27FC236}">
+                <a16:creationId xmlns:a16="http://schemas.microsoft.com/office/drawing/2014/main" id="{EDDFEE9C-0D01-47D1-A8D3-552CE3244B30}"/>
+              </a:ext>
+            </a:extLst>
+          </p:cNvPr>
+          <p:cNvSpPr>
+            <a:spLocks noChangeAspect="1" noChangeArrowheads="1"/>
+          </p:cNvSpPr>
+          <p:nvPr/>
+        </p:nvSpPr>
+        <p:spPr bwMode="auto">
+          <a:xfrm>
+            <a:off x="5942013" y="3276600"/>
+            <a:ext cx="304800" cy="304800"/>
+          </a:xfrm>
+          <a:prstGeom prst="rect">
+            <a:avLst/>
+          </a:prstGeom>
+          <a:noFill/>
+          <a:extLst>
+            <a:ext uri="{909E8E84-426E-40DD-AFC4-6F175D3DCCD1}">
+              <a14:hiddenFill xmlns:a14="http://schemas.microsoft.com/office/drawing/2010/main">
+                <a:solidFill>
+                  <a:srgbClr val="FFFFFF"/>
+                </a:solidFill>
+              </a14:hiddenFill>
+            </a:ext>
+          </a:extLst>
+        </p:spPr>
+        <p:txBody>
+          <a:bodyPr vert="horz" wrap="square" lIns="91440" tIns="45720" rIns="91440" bIns="45720" numCol="1" anchor="t" anchorCtr="0" compatLnSpc="1">
+            <a:prstTxWarp prst="textNoShape">
+              <a:avLst/>
+            </a:prstTxWarp>
           </a:bodyPr>
           <a:lstStyle/>
           <a:p>
+            <a:endParaRPr lang="es-CO"/>
+          </a:p>
+        </p:txBody>
+      </p:sp>
+      <p:sp>
+        <p:nvSpPr>
+          <p:cNvPr id="7" name="Marcador de posición de contenido 2">
+            <a:extLst>
+              <a:ext uri="{FF2B5EF4-FFF2-40B4-BE49-F238E27FC236}">
+                <a16:creationId xmlns:a16="http://schemas.microsoft.com/office/drawing/2014/main" id="{F6CB9425-BA38-432D-BAA3-3D8DEFAC8DFE}"/>
+              </a:ext>
+            </a:extLst>
+          </p:cNvPr>
+          <p:cNvSpPr>
+            <a:spLocks noGrp="1"/>
+          </p:cNvSpPr>
+          <p:nvPr>
+            <p:ph idx="1"/>
+          </p:nvPr>
+        </p:nvSpPr>
+        <p:spPr>
+          <a:xfrm>
+            <a:off x="727652" y="1196752"/>
+            <a:ext cx="6094413" cy="4896544"/>
+          </a:xfrm>
+        </p:spPr>
+        <p:txBody>
+          <a:bodyPr rtlCol="0">
+            <a:normAutofit lnSpcReduction="10000"/>
+          </a:bodyPr>
+          <a:lstStyle/>
+          <a:p>
+            <a:pPr algn="just"/>
+            <a:r>
+              <a:rPr lang="es-ES" dirty="0"/>
+              <a:t>Tiene un limite gratuito de tan solo 100 conexiones simultáneas.</a:t>
+            </a:r>
+          </a:p>
+          <a:p>
+            <a:pPr algn="just"/>
+            <a:r>
+              <a:rPr lang="es-ES" dirty="0"/>
+              <a:t>Evita el costo y desarrollo del back-</a:t>
+            </a:r>
+            <a:r>
+              <a:rPr lang="es-ES" dirty="0" err="1"/>
+              <a:t>end</a:t>
+            </a:r>
+            <a:r>
+              <a:rPr lang="es-ES" dirty="0"/>
+              <a:t>; pero si quiere escalar tu proyecto a empresa grande, se requiere de hacer tu propio back-</a:t>
+            </a:r>
+            <a:r>
+              <a:rPr lang="es-ES" dirty="0" err="1"/>
+              <a:t>end</a:t>
+            </a:r>
+            <a:r>
+              <a:rPr lang="es-ES" dirty="0"/>
+              <a:t>.</a:t>
+            </a:r>
+          </a:p>
+          <a:p>
+            <a:pPr algn="just"/>
+            <a:r>
+              <a:rPr lang="es-ES" dirty="0"/>
+              <a:t>Aunque existe mucha documentación es posible que la curva de aprendizaje sea de nivel medio.</a:t>
+            </a:r>
+          </a:p>
+          <a:p>
+            <a:pPr algn="just"/>
             <a:endParaRPr lang="es-ES" dirty="0"/>
           </a:p>
         </p:txBody>
@@ -6141,7 +5808,230 @@
     </p:spTree>
     <p:extLst>
       <p:ext uri="{BB962C8B-B14F-4D97-AF65-F5344CB8AC3E}">
-        <p14:creationId xmlns:p14="http://schemas.microsoft.com/office/powerpoint/2010/main" val="2765137111"/>
+        <p14:creationId xmlns:p14="http://schemas.microsoft.com/office/powerpoint/2010/main" val="405791608"/>
+      </p:ext>
+    </p:extLst>
+  </p:cSld>
+  <p:clrMapOvr>
+    <a:masterClrMapping/>
+  </p:clrMapOvr>
+  <mc:AlternateContent xmlns:mc="http://schemas.openxmlformats.org/markup-compatibility/2006" xmlns:p14="http://schemas.microsoft.com/office/powerpoint/2010/main">
+    <mc:Choice Requires="p14">
+      <p:transition spd="med" p14:dur="700">
+        <p:fade/>
+      </p:transition>
+    </mc:Choice>
+    <mc:Fallback xmlns="">
+      <p:transition spd="med">
+        <p:fade/>
+      </p:transition>
+    </mc:Fallback>
+  </mc:AlternateContent>
+</p:sld>
+</file>
+
+<file path=ppt/slides/slide19.xml><?xml version="1.0" encoding="utf-8"?>
+<p:sld xmlns:a="http://schemas.openxmlformats.org/drawingml/2006/main" xmlns:r="http://schemas.openxmlformats.org/officeDocument/2006/relationships" xmlns:p="http://schemas.openxmlformats.org/presentationml/2006/main">
+  <p:cSld>
+    <p:spTree>
+      <p:nvGrpSpPr>
+        <p:cNvPr id="1" name=""/>
+        <p:cNvGrpSpPr/>
+        <p:nvPr/>
+      </p:nvGrpSpPr>
+      <p:grpSpPr>
+        <a:xfrm>
+          <a:off x="0" y="0"/>
+          <a:ext cx="0" cy="0"/>
+          <a:chOff x="0" y="0"/>
+          <a:chExt cx="0" cy="0"/>
+        </a:xfrm>
+      </p:grpSpPr>
+      <p:sp>
+        <p:nvSpPr>
+          <p:cNvPr id="2" name="Título 1">
+            <a:extLst>
+              <a:ext uri="{FF2B5EF4-FFF2-40B4-BE49-F238E27FC236}">
+                <a16:creationId xmlns:a16="http://schemas.microsoft.com/office/drawing/2014/main" id="{D2AA861A-82FE-4C45-B8A3-580318AECF89}"/>
+              </a:ext>
+            </a:extLst>
+          </p:cNvPr>
+          <p:cNvSpPr>
+            <a:spLocks noGrp="1"/>
+          </p:cNvSpPr>
+          <p:nvPr>
+            <p:ph type="ctrTitle"/>
+          </p:nvPr>
+        </p:nvSpPr>
+        <p:spPr>
+          <a:xfrm>
+            <a:off x="704666" y="620688"/>
+            <a:ext cx="10779492" cy="3352800"/>
+          </a:xfrm>
+        </p:spPr>
+        <p:txBody>
+          <a:bodyPr/>
+          <a:lstStyle/>
+          <a:p>
+            <a:r>
+              <a:rPr lang="es-CO" dirty="0"/>
+              <a:t>¿Qué herramientas vamos a utilizar de </a:t>
+            </a:r>
+            <a:br>
+              <a:rPr lang="es-CO" dirty="0"/>
+            </a:br>
+            <a:r>
+              <a:rPr lang="es-CO" dirty="0"/>
+              <a:t>firebase?</a:t>
+            </a:r>
+          </a:p>
+        </p:txBody>
+      </p:sp>
+      <p:pic>
+        <p:nvPicPr>
+          <p:cNvPr id="9218" name="Picture 2" descr="Resultado de imagen para FIREBASE auth">
+            <a:extLst>
+              <a:ext uri="{FF2B5EF4-FFF2-40B4-BE49-F238E27FC236}">
+                <a16:creationId xmlns:a16="http://schemas.microsoft.com/office/drawing/2014/main" id="{049B80A3-F710-42CC-9702-3ACA0F505E67}"/>
+              </a:ext>
+            </a:extLst>
+          </p:cNvPr>
+          <p:cNvPicPr>
+            <a:picLocks noChangeAspect="1" noChangeArrowheads="1"/>
+          </p:cNvPicPr>
+          <p:nvPr/>
+        </p:nvPicPr>
+        <p:blipFill>
+          <a:blip r:embed="rId2">
+            <a:extLst>
+              <a:ext uri="{28A0092B-C50C-407E-A947-70E740481C1C}">
+                <a14:useLocalDpi xmlns:a14="http://schemas.microsoft.com/office/drawing/2010/main" val="0"/>
+              </a:ext>
+            </a:extLst>
+          </a:blip>
+          <a:srcRect/>
+          <a:stretch>
+            <a:fillRect/>
+          </a:stretch>
+        </p:blipFill>
+        <p:spPr bwMode="auto">
+          <a:xfrm>
+            <a:off x="704666" y="3995192"/>
+            <a:ext cx="5236839" cy="2378057"/>
+          </a:xfrm>
+          <a:prstGeom prst="rect">
+            <a:avLst/>
+          </a:prstGeom>
+          <a:noFill/>
+          <a:extLst>
+            <a:ext uri="{909E8E84-426E-40DD-AFC4-6F175D3DCCD1}">
+              <a14:hiddenFill xmlns:a14="http://schemas.microsoft.com/office/drawing/2010/main">
+                <a:solidFill>
+                  <a:srgbClr val="FFFFFF"/>
+                </a:solidFill>
+              </a14:hiddenFill>
+            </a:ext>
+          </a:extLst>
+        </p:spPr>
+      </p:pic>
+      <p:pic>
+        <p:nvPicPr>
+          <p:cNvPr id="9220" name="Picture 4" descr="Resultado de imagen para FIREBASE real time data base">
+            <a:extLst>
+              <a:ext uri="{FF2B5EF4-FFF2-40B4-BE49-F238E27FC236}">
+                <a16:creationId xmlns:a16="http://schemas.microsoft.com/office/drawing/2014/main" id="{78201A77-B377-4457-9A10-AC709DE23EC4}"/>
+              </a:ext>
+            </a:extLst>
+          </p:cNvPr>
+          <p:cNvPicPr>
+            <a:picLocks noChangeAspect="1" noChangeArrowheads="1"/>
+          </p:cNvPicPr>
+          <p:nvPr/>
+        </p:nvPicPr>
+        <p:blipFill>
+          <a:blip r:embed="rId3" cstate="print">
+            <a:extLst>
+              <a:ext uri="{28A0092B-C50C-407E-A947-70E740481C1C}">
+                <a14:useLocalDpi xmlns:a14="http://schemas.microsoft.com/office/drawing/2010/main" val="0"/>
+              </a:ext>
+            </a:extLst>
+          </a:blip>
+          <a:srcRect/>
+          <a:stretch>
+            <a:fillRect/>
+          </a:stretch>
+        </p:blipFill>
+        <p:spPr bwMode="auto">
+          <a:xfrm>
+            <a:off x="8078154" y="2857490"/>
+            <a:ext cx="3662478" cy="2060204"/>
+          </a:xfrm>
+          <a:prstGeom prst="rect">
+            <a:avLst/>
+          </a:prstGeom>
+          <a:noFill/>
+          <a:extLst>
+            <a:ext uri="{909E8E84-426E-40DD-AFC4-6F175D3DCCD1}">
+              <a14:hiddenFill xmlns:a14="http://schemas.microsoft.com/office/drawing/2010/main">
+                <a:solidFill>
+                  <a:srgbClr val="FFFFFF"/>
+                </a:solidFill>
+              </a14:hiddenFill>
+            </a:ext>
+          </a:extLst>
+        </p:spPr>
+      </p:pic>
+      <p:pic>
+        <p:nvPicPr>
+          <p:cNvPr id="9222" name="Picture 6" descr="Resultado de imagen para firebase host">
+            <a:extLst>
+              <a:ext uri="{FF2B5EF4-FFF2-40B4-BE49-F238E27FC236}">
+                <a16:creationId xmlns:a16="http://schemas.microsoft.com/office/drawing/2014/main" id="{C71AC2DC-A858-412D-8E94-1C74781BD21F}"/>
+              </a:ext>
+            </a:extLst>
+          </p:cNvPr>
+          <p:cNvPicPr>
+            <a:picLocks noChangeAspect="1" noChangeArrowheads="1"/>
+          </p:cNvPicPr>
+          <p:nvPr/>
+        </p:nvPicPr>
+        <p:blipFill>
+          <a:blip r:embed="rId4">
+            <a:extLst>
+              <a:ext uri="{28A0092B-C50C-407E-A947-70E740481C1C}">
+                <a14:useLocalDpi xmlns:a14="http://schemas.microsoft.com/office/drawing/2010/main" val="0"/>
+              </a:ext>
+            </a:extLst>
+          </a:blip>
+          <a:srcRect/>
+          <a:stretch>
+            <a:fillRect/>
+          </a:stretch>
+        </p:blipFill>
+        <p:spPr bwMode="auto">
+          <a:xfrm>
+            <a:off x="6454452" y="5032022"/>
+            <a:ext cx="3662478" cy="1690374"/>
+          </a:xfrm>
+          <a:prstGeom prst="rect">
+            <a:avLst/>
+          </a:prstGeom>
+          <a:noFill/>
+          <a:extLst>
+            <a:ext uri="{909E8E84-426E-40DD-AFC4-6F175D3DCCD1}">
+              <a14:hiddenFill xmlns:a14="http://schemas.microsoft.com/office/drawing/2010/main">
+                <a:solidFill>
+                  <a:srgbClr val="FFFFFF"/>
+                </a:solidFill>
+              </a14:hiddenFill>
+            </a:ext>
+          </a:extLst>
+        </p:spPr>
+      </p:pic>
+    </p:spTree>
+    <p:extLst>
+      <p:ext uri="{BB962C8B-B14F-4D97-AF65-F5344CB8AC3E}">
+        <p14:creationId xmlns:p14="http://schemas.microsoft.com/office/powerpoint/2010/main" val="3226537063"/>
       </p:ext>
     </p:extLst>
   </p:cSld>
@@ -6198,7 +6088,7 @@
             <a:pPr rtl="0"/>
             <a:r>
               <a:rPr lang="es-ES" dirty="0"/>
-              <a:t>¿Qué es una aplicación móvil?</a:t>
+              <a:t>¿Qué es una base de datos no relacional o no SQL?</a:t>
             </a:r>
           </a:p>
         </p:txBody>
@@ -6221,7 +6111,7 @@
         </p:nvSpPr>
         <p:spPr>
           <a:xfrm>
-            <a:off x="657053" y="2996952"/>
+            <a:off x="477788" y="3014126"/>
             <a:ext cx="6210020" cy="2137400"/>
           </a:xfrm>
         </p:spPr>
@@ -6231,19 +6121,25 @@
           <a:p>
             <a:pPr algn="just"/>
             <a:r>
-              <a:rPr lang="es-ES" dirty="0"/>
-              <a:t>Es una aplicación informática diseñada para ser ejecutada en teléfonos inteligentes, tabletas y otros dispositivos móviles. Las aplicaciones permiten al usuario efectuar un conjunto de tareas de cualquier tipo —profesional, de ocio, educativas, de acceso a servicios, etc.</a:t>
-            </a:r>
-            <a:endParaRPr lang="es-CO" dirty="0"/>
+              <a:rPr lang="es-CO" dirty="0"/>
+              <a:t>Están diseñadas para modelos de datos específicos y tienen esquemas flexibles para crear aplicaciones modernas.</a:t>
+            </a:r>
+          </a:p>
+          <a:p>
+            <a:pPr algn="just"/>
+            <a:r>
+              <a:rPr lang="es-CO" dirty="0"/>
+              <a:t>Son ampliamente conocidas por su fácil desarrollo, su funcionalidad y su desempeño a gran escala.</a:t>
+            </a:r>
           </a:p>
         </p:txBody>
       </p:sp>
       <p:pic>
         <p:nvPicPr>
-          <p:cNvPr id="1028" name="Picture 4" descr="https://i1.wp.com/www.marketingdirecto.com/wp-content/uploads/2018/01/aplicaciones-moviles.png?fit=626%2C364&amp;ssl=1">
+          <p:cNvPr id="1026" name="Picture 2" descr="base de datos no sql featured">
             <a:extLst>
               <a:ext uri="{FF2B5EF4-FFF2-40B4-BE49-F238E27FC236}">
-                <a16:creationId xmlns:a16="http://schemas.microsoft.com/office/drawing/2014/main" id="{1D1F8102-B97B-49C0-A8D6-067439933968}"/>
+                <a16:creationId xmlns:a16="http://schemas.microsoft.com/office/drawing/2014/main" id="{745CC6D0-1712-4F55-BB47-08835A3D4C90}"/>
               </a:ext>
             </a:extLst>
           </p:cNvPr>
@@ -6267,8 +6163,8 @@
         </p:blipFill>
         <p:spPr bwMode="auto">
           <a:xfrm>
-            <a:off x="6958508" y="2544680"/>
-            <a:ext cx="4890888" cy="2843903"/>
+            <a:off x="6958508" y="2377366"/>
+            <a:ext cx="4946839" cy="2785451"/>
           </a:xfrm>
           <a:prstGeom prst="rect">
             <a:avLst/>
@@ -6310,7 +6206,7 @@
 </p:sld>
 </file>
 
-<file path=ppt/slides/slide3.xml><?xml version="1.0" encoding="utf-8"?>
+<file path=ppt/slides/slide20.xml><?xml version="1.0" encoding="utf-8"?>
 <p:sld xmlns:a="http://schemas.openxmlformats.org/drawingml/2006/main" xmlns:r="http://schemas.openxmlformats.org/officeDocument/2006/relationships" xmlns:p="http://schemas.openxmlformats.org/presentationml/2006/main">
   <p:cSld>
     <p:spTree>
@@ -6332,7 +6228,7 @@
           <p:cNvPr id="2" name="Título 1">
             <a:extLst>
               <a:ext uri="{FF2B5EF4-FFF2-40B4-BE49-F238E27FC236}">
-                <a16:creationId xmlns:a16="http://schemas.microsoft.com/office/drawing/2014/main" id="{7D05BC79-884D-43C0-89E4-7CB484E9C188}"/>
+                <a16:creationId xmlns:a16="http://schemas.microsoft.com/office/drawing/2014/main" id="{D2AA861A-82FE-4C45-B8A3-580318AECF89}"/>
               </a:ext>
             </a:extLst>
           </p:cNvPr>
@@ -6340,179 +6236,32 @@
             <a:spLocks noGrp="1"/>
           </p:cNvSpPr>
           <p:nvPr>
-            <p:ph type="title"/>
-          </p:nvPr>
-        </p:nvSpPr>
-        <p:spPr/>
+            <p:ph type="ctrTitle"/>
+          </p:nvPr>
+        </p:nvSpPr>
+        <p:spPr>
+          <a:xfrm>
+            <a:off x="704666" y="908720"/>
+            <a:ext cx="10779492" cy="1912640"/>
+          </a:xfrm>
+        </p:spPr>
         <p:txBody>
           <a:bodyPr/>
           <a:lstStyle/>
           <a:p>
             <a:r>
               <a:rPr lang="es-CO" dirty="0"/>
-              <a:t>¿Qué tipos de aplicaciones </a:t>
-            </a:r>
-            <a:r>
-              <a:rPr lang="es-CO"/>
-              <a:t>móviles existen?</a:t>
-            </a:r>
-            <a:endParaRPr lang="es-CO" dirty="0"/>
-          </a:p>
-        </p:txBody>
-      </p:sp>
-      <p:sp>
-        <p:nvSpPr>
-          <p:cNvPr id="4" name="Rectángulo 3">
+              <a:t>Primeros pasos Firebase</a:t>
+            </a:r>
+          </a:p>
+        </p:txBody>
+      </p:sp>
+      <p:pic>
+        <p:nvPicPr>
+          <p:cNvPr id="4" name="Picture 2" descr="Resultado de imagen para FIREBASE PNG">
             <a:extLst>
               <a:ext uri="{FF2B5EF4-FFF2-40B4-BE49-F238E27FC236}">
-                <a16:creationId xmlns:a16="http://schemas.microsoft.com/office/drawing/2014/main" id="{206E94F3-FF79-4956-BBB0-164010B0F8EB}"/>
-              </a:ext>
-            </a:extLst>
-          </p:cNvPr>
-          <p:cNvSpPr/>
-          <p:nvPr/>
-        </p:nvSpPr>
-        <p:spPr>
-          <a:xfrm>
-            <a:off x="477789" y="3068960"/>
-            <a:ext cx="3240360" cy="1296144"/>
-          </a:xfrm>
-          <a:prstGeom prst="rect">
-            <a:avLst/>
-          </a:prstGeom>
-        </p:spPr>
-        <p:style>
-          <a:lnRef idx="2">
-            <a:schemeClr val="accent1">
-              <a:shade val="50000"/>
-            </a:schemeClr>
-          </a:lnRef>
-          <a:fillRef idx="1">
-            <a:schemeClr val="accent1"/>
-          </a:fillRef>
-          <a:effectRef idx="0">
-            <a:schemeClr val="accent1"/>
-          </a:effectRef>
-          <a:fontRef idx="minor">
-            <a:schemeClr val="lt1"/>
-          </a:fontRef>
-        </p:style>
-        <p:txBody>
-          <a:bodyPr rtlCol="0" anchor="ctr"/>
-          <a:lstStyle/>
-          <a:p>
-            <a:pPr algn="ctr"/>
-            <a:r>
-              <a:rPr lang="es-CO" sz="4000" b="1" dirty="0"/>
-              <a:t>APPS NATIVAS</a:t>
-            </a:r>
-          </a:p>
-        </p:txBody>
-      </p:sp>
-      <p:sp>
-        <p:nvSpPr>
-          <p:cNvPr id="5" name="Rectángulo 4">
-            <a:extLst>
-              <a:ext uri="{FF2B5EF4-FFF2-40B4-BE49-F238E27FC236}">
-                <a16:creationId xmlns:a16="http://schemas.microsoft.com/office/drawing/2014/main" id="{CC8E02F6-BE0E-4AD7-83FE-C27F07815C65}"/>
-              </a:ext>
-            </a:extLst>
-          </p:cNvPr>
-          <p:cNvSpPr/>
-          <p:nvPr/>
-        </p:nvSpPr>
-        <p:spPr>
-          <a:xfrm>
-            <a:off x="4474232" y="3068960"/>
-            <a:ext cx="3240360" cy="1296144"/>
-          </a:xfrm>
-          <a:prstGeom prst="rect">
-            <a:avLst/>
-          </a:prstGeom>
-        </p:spPr>
-        <p:style>
-          <a:lnRef idx="2">
-            <a:schemeClr val="accent1">
-              <a:shade val="50000"/>
-            </a:schemeClr>
-          </a:lnRef>
-          <a:fillRef idx="1">
-            <a:schemeClr val="accent1"/>
-          </a:fillRef>
-          <a:effectRef idx="0">
-            <a:schemeClr val="accent1"/>
-          </a:effectRef>
-          <a:fontRef idx="minor">
-            <a:schemeClr val="lt1"/>
-          </a:fontRef>
-        </p:style>
-        <p:txBody>
-          <a:bodyPr rtlCol="0" anchor="ctr"/>
-          <a:lstStyle/>
-          <a:p>
-            <a:pPr algn="ctr"/>
-            <a:r>
-              <a:rPr lang="es-CO" sz="4000" b="1" dirty="0"/>
-              <a:t>PWA</a:t>
-            </a:r>
-          </a:p>
-        </p:txBody>
-      </p:sp>
-      <p:sp>
-        <p:nvSpPr>
-          <p:cNvPr id="6" name="Rectángulo 5">
-            <a:extLst>
-              <a:ext uri="{FF2B5EF4-FFF2-40B4-BE49-F238E27FC236}">
-                <a16:creationId xmlns:a16="http://schemas.microsoft.com/office/drawing/2014/main" id="{44024A9F-9369-4BA5-A1C0-396EDA3329B6}"/>
-              </a:ext>
-            </a:extLst>
-          </p:cNvPr>
-          <p:cNvSpPr/>
-          <p:nvPr/>
-        </p:nvSpPr>
-        <p:spPr>
-          <a:xfrm>
-            <a:off x="8470676" y="3068960"/>
-            <a:ext cx="3240360" cy="1296144"/>
-          </a:xfrm>
-          <a:prstGeom prst="rect">
-            <a:avLst/>
-          </a:prstGeom>
-        </p:spPr>
-        <p:style>
-          <a:lnRef idx="2">
-            <a:schemeClr val="accent1">
-              <a:shade val="50000"/>
-            </a:schemeClr>
-          </a:lnRef>
-          <a:fillRef idx="1">
-            <a:schemeClr val="accent1"/>
-          </a:fillRef>
-          <a:effectRef idx="0">
-            <a:schemeClr val="accent1"/>
-          </a:effectRef>
-          <a:fontRef idx="minor">
-            <a:schemeClr val="lt1"/>
-          </a:fontRef>
-        </p:style>
-        <p:txBody>
-          <a:bodyPr rtlCol="0" anchor="ctr"/>
-          <a:lstStyle/>
-          <a:p>
-            <a:pPr algn="ctr"/>
-            <a:r>
-              <a:rPr lang="es-CO" sz="4000" b="1" dirty="0"/>
-              <a:t>HIBRÍDAS</a:t>
-            </a:r>
-          </a:p>
-        </p:txBody>
-      </p:sp>
-      <p:pic>
-        <p:nvPicPr>
-          <p:cNvPr id="1028" name="Picture 4" descr="Resultado de imagen para ANDROID">
-            <a:extLst>
-              <a:ext uri="{FF2B5EF4-FFF2-40B4-BE49-F238E27FC236}">
-                <a16:creationId xmlns:a16="http://schemas.microsoft.com/office/drawing/2014/main" id="{2623D383-121B-4AF5-99EA-22FE5759EAFE}"/>
+                <a16:creationId xmlns:a16="http://schemas.microsoft.com/office/drawing/2014/main" id="{EA774371-69C0-4B4E-A159-CD441425C028}"/>
               </a:ext>
             </a:extLst>
           </p:cNvPr>
@@ -6536,431 +6285,8 @@
         </p:blipFill>
         <p:spPr bwMode="auto">
           <a:xfrm>
-            <a:off x="765820" y="4397896"/>
-            <a:ext cx="1584176" cy="1584176"/>
-          </a:xfrm>
-          <a:prstGeom prst="rect">
-            <a:avLst/>
-          </a:prstGeom>
-          <a:noFill/>
-          <a:extLst>
-            <a:ext uri="{909E8E84-426E-40DD-AFC4-6F175D3DCCD1}">
-              <a14:hiddenFill xmlns:a14="http://schemas.microsoft.com/office/drawing/2010/main">
-                <a:solidFill>
-                  <a:srgbClr val="FFFFFF"/>
-                </a:solidFill>
-              </a14:hiddenFill>
-            </a:ext>
-          </a:extLst>
-        </p:spPr>
-      </p:pic>
-      <p:pic>
-        <p:nvPicPr>
-          <p:cNvPr id="1030" name="Picture 6" descr="Resultado de imagen para APPLE">
-            <a:extLst>
-              <a:ext uri="{FF2B5EF4-FFF2-40B4-BE49-F238E27FC236}">
-                <a16:creationId xmlns:a16="http://schemas.microsoft.com/office/drawing/2014/main" id="{1E49049E-732A-4EB4-8D9A-636238C7ECC1}"/>
-              </a:ext>
-            </a:extLst>
-          </p:cNvPr>
-          <p:cNvPicPr>
-            <a:picLocks noChangeAspect="1" noChangeArrowheads="1"/>
-          </p:cNvPicPr>
-          <p:nvPr/>
-        </p:nvPicPr>
-        <p:blipFill>
-          <a:blip r:embed="rId3" cstate="print">
-            <a:extLst>
-              <a:ext uri="{28A0092B-C50C-407E-A947-70E740481C1C}">
-                <a14:useLocalDpi xmlns:a14="http://schemas.microsoft.com/office/drawing/2010/main" val="0"/>
-              </a:ext>
-            </a:extLst>
-          </a:blip>
-          <a:srcRect/>
-          <a:stretch>
-            <a:fillRect/>
-          </a:stretch>
-        </p:blipFill>
-        <p:spPr bwMode="auto">
-          <a:xfrm>
-            <a:off x="2205980" y="4758878"/>
-            <a:ext cx="862211" cy="862211"/>
-          </a:xfrm>
-          <a:prstGeom prst="rect">
-            <a:avLst/>
-          </a:prstGeom>
-          <a:noFill/>
-          <a:extLst>
-            <a:ext uri="{909E8E84-426E-40DD-AFC4-6F175D3DCCD1}">
-              <a14:hiddenFill xmlns:a14="http://schemas.microsoft.com/office/drawing/2010/main">
-                <a:solidFill>
-                  <a:srgbClr val="FFFFFF"/>
-                </a:solidFill>
-              </a14:hiddenFill>
-            </a:ext>
-          </a:extLst>
-        </p:spPr>
-      </p:pic>
-      <p:pic>
-        <p:nvPicPr>
-          <p:cNvPr id="1032" name="Picture 8" descr="Resultado de imagen para java script">
-            <a:extLst>
-              <a:ext uri="{FF2B5EF4-FFF2-40B4-BE49-F238E27FC236}">
-                <a16:creationId xmlns:a16="http://schemas.microsoft.com/office/drawing/2014/main" id="{5251C2B5-EA09-4FB4-B58A-00B87A1807BD}"/>
-              </a:ext>
-            </a:extLst>
-          </p:cNvPr>
-          <p:cNvPicPr>
-            <a:picLocks noChangeAspect="1" noChangeArrowheads="1"/>
-          </p:cNvPicPr>
-          <p:nvPr/>
-        </p:nvPicPr>
-        <p:blipFill>
-          <a:blip r:embed="rId4" cstate="print">
-            <a:extLst>
-              <a:ext uri="{28A0092B-C50C-407E-A947-70E740481C1C}">
-                <a14:useLocalDpi xmlns:a14="http://schemas.microsoft.com/office/drawing/2010/main" val="0"/>
-              </a:ext>
-            </a:extLst>
-          </a:blip>
-          <a:srcRect/>
-          <a:stretch>
-            <a:fillRect/>
-          </a:stretch>
-        </p:blipFill>
-        <p:spPr bwMode="auto">
-          <a:xfrm>
-            <a:off x="4555368" y="4758878"/>
-            <a:ext cx="875929" cy="875929"/>
-          </a:xfrm>
-          <a:prstGeom prst="rect">
-            <a:avLst/>
-          </a:prstGeom>
-          <a:noFill/>
-          <a:extLst>
-            <a:ext uri="{909E8E84-426E-40DD-AFC4-6F175D3DCCD1}">
-              <a14:hiddenFill xmlns:a14="http://schemas.microsoft.com/office/drawing/2010/main">
-                <a:solidFill>
-                  <a:srgbClr val="FFFFFF"/>
-                </a:solidFill>
-              </a14:hiddenFill>
-            </a:ext>
-          </a:extLst>
-        </p:spPr>
-      </p:pic>
-      <p:pic>
-        <p:nvPicPr>
-          <p:cNvPr id="1034" name="Picture 10" descr="Resultado de imagen para HTML5">
-            <a:extLst>
-              <a:ext uri="{FF2B5EF4-FFF2-40B4-BE49-F238E27FC236}">
-                <a16:creationId xmlns:a16="http://schemas.microsoft.com/office/drawing/2014/main" id="{684DB222-E4CC-4F19-9065-D7A9521032B0}"/>
-              </a:ext>
-            </a:extLst>
-          </p:cNvPr>
-          <p:cNvPicPr>
-            <a:picLocks noChangeAspect="1" noChangeArrowheads="1"/>
-          </p:cNvPicPr>
-          <p:nvPr/>
-        </p:nvPicPr>
-        <p:blipFill>
-          <a:blip r:embed="rId5" cstate="print">
-            <a:extLst>
-              <a:ext uri="{28A0092B-C50C-407E-A947-70E740481C1C}">
-                <a14:useLocalDpi xmlns:a14="http://schemas.microsoft.com/office/drawing/2010/main" val="0"/>
-              </a:ext>
-            </a:extLst>
-          </a:blip>
-          <a:srcRect/>
-          <a:stretch>
-            <a:fillRect/>
-          </a:stretch>
-        </p:blipFill>
-        <p:spPr bwMode="auto">
-          <a:xfrm>
-            <a:off x="5656447" y="4758878"/>
-            <a:ext cx="875930" cy="875930"/>
-          </a:xfrm>
-          <a:prstGeom prst="rect">
-            <a:avLst/>
-          </a:prstGeom>
-          <a:noFill/>
-          <a:extLst>
-            <a:ext uri="{909E8E84-426E-40DD-AFC4-6F175D3DCCD1}">
-              <a14:hiddenFill xmlns:a14="http://schemas.microsoft.com/office/drawing/2010/main">
-                <a:solidFill>
-                  <a:srgbClr val="FFFFFF"/>
-                </a:solidFill>
-              </a14:hiddenFill>
-            </a:ext>
-          </a:extLst>
-        </p:spPr>
-      </p:pic>
-      <p:pic>
-        <p:nvPicPr>
-          <p:cNvPr id="1036" name="Picture 12" descr="Resultado de imagen para REACT">
-            <a:extLst>
-              <a:ext uri="{FF2B5EF4-FFF2-40B4-BE49-F238E27FC236}">
-                <a16:creationId xmlns:a16="http://schemas.microsoft.com/office/drawing/2014/main" id="{B22E21B9-C852-46C7-9731-12FD582D2327}"/>
-              </a:ext>
-            </a:extLst>
-          </p:cNvPr>
-          <p:cNvPicPr>
-            <a:picLocks noChangeAspect="1" noChangeArrowheads="1"/>
-          </p:cNvPicPr>
-          <p:nvPr/>
-        </p:nvPicPr>
-        <p:blipFill>
-          <a:blip r:embed="rId6" cstate="print">
-            <a:extLst>
-              <a:ext uri="{28A0092B-C50C-407E-A947-70E740481C1C}">
-                <a14:useLocalDpi xmlns:a14="http://schemas.microsoft.com/office/drawing/2010/main" val="0"/>
-              </a:ext>
-            </a:extLst>
-          </a:blip>
-          <a:srcRect/>
-          <a:stretch>
-            <a:fillRect/>
-          </a:stretch>
-        </p:blipFill>
-        <p:spPr bwMode="auto">
-          <a:xfrm>
-            <a:off x="6757527" y="4835028"/>
-            <a:ext cx="875931" cy="761524"/>
-          </a:xfrm>
-          <a:prstGeom prst="rect">
-            <a:avLst/>
-          </a:prstGeom>
-          <a:noFill/>
-          <a:extLst>
-            <a:ext uri="{909E8E84-426E-40DD-AFC4-6F175D3DCCD1}">
-              <a14:hiddenFill xmlns:a14="http://schemas.microsoft.com/office/drawing/2010/main">
-                <a:solidFill>
-                  <a:srgbClr val="FFFFFF"/>
-                </a:solidFill>
-              </a14:hiddenFill>
-            </a:ext>
-          </a:extLst>
-        </p:spPr>
-      </p:pic>
-      <p:pic>
-        <p:nvPicPr>
-          <p:cNvPr id="14" name="Picture 8" descr="Resultado de imagen para java script">
-            <a:extLst>
-              <a:ext uri="{FF2B5EF4-FFF2-40B4-BE49-F238E27FC236}">
-                <a16:creationId xmlns:a16="http://schemas.microsoft.com/office/drawing/2014/main" id="{8D03F4DD-0203-4F10-8524-2299315ACBA5}"/>
-              </a:ext>
-            </a:extLst>
-          </p:cNvPr>
-          <p:cNvPicPr>
-            <a:picLocks noChangeAspect="1" noChangeArrowheads="1"/>
-          </p:cNvPicPr>
-          <p:nvPr/>
-        </p:nvPicPr>
-        <p:blipFill>
-          <a:blip r:embed="rId7" cstate="print">
-            <a:extLst>
-              <a:ext uri="{28A0092B-C50C-407E-A947-70E740481C1C}">
-                <a14:useLocalDpi xmlns:a14="http://schemas.microsoft.com/office/drawing/2010/main" val="0"/>
-              </a:ext>
-            </a:extLst>
-          </a:blip>
-          <a:srcRect/>
-          <a:stretch>
-            <a:fillRect/>
-          </a:stretch>
-        </p:blipFill>
-        <p:spPr bwMode="auto">
-          <a:xfrm>
-            <a:off x="9090109" y="4575666"/>
-            <a:ext cx="700667" cy="700667"/>
-          </a:xfrm>
-          <a:prstGeom prst="rect">
-            <a:avLst/>
-          </a:prstGeom>
-          <a:noFill/>
-          <a:extLst>
-            <a:ext uri="{909E8E84-426E-40DD-AFC4-6F175D3DCCD1}">
-              <a14:hiddenFill xmlns:a14="http://schemas.microsoft.com/office/drawing/2010/main">
-                <a:solidFill>
-                  <a:srgbClr val="FFFFFF"/>
-                </a:solidFill>
-              </a14:hiddenFill>
-            </a:ext>
-          </a:extLst>
-        </p:spPr>
-      </p:pic>
-      <p:pic>
-        <p:nvPicPr>
-          <p:cNvPr id="15" name="Picture 10" descr="Resultado de imagen para HTML5">
-            <a:extLst>
-              <a:ext uri="{FF2B5EF4-FFF2-40B4-BE49-F238E27FC236}">
-                <a16:creationId xmlns:a16="http://schemas.microsoft.com/office/drawing/2014/main" id="{D9F3C03B-AFC2-4F25-AD00-5040E315AB30}"/>
-              </a:ext>
-            </a:extLst>
-          </p:cNvPr>
-          <p:cNvPicPr>
-            <a:picLocks noChangeAspect="1" noChangeArrowheads="1"/>
-          </p:cNvPicPr>
-          <p:nvPr/>
-        </p:nvPicPr>
-        <p:blipFill>
-          <a:blip r:embed="rId5" cstate="print">
-            <a:extLst>
-              <a:ext uri="{28A0092B-C50C-407E-A947-70E740481C1C}">
-                <a14:useLocalDpi xmlns:a14="http://schemas.microsoft.com/office/drawing/2010/main" val="0"/>
-              </a:ext>
-            </a:extLst>
-          </a:blip>
-          <a:srcRect/>
-          <a:stretch>
-            <a:fillRect/>
-          </a:stretch>
-        </p:blipFill>
-        <p:spPr bwMode="auto">
-          <a:xfrm>
-            <a:off x="9883354" y="4575666"/>
-            <a:ext cx="700668" cy="700668"/>
-          </a:xfrm>
-          <a:prstGeom prst="rect">
-            <a:avLst/>
-          </a:prstGeom>
-          <a:noFill/>
-          <a:extLst>
-            <a:ext uri="{909E8E84-426E-40DD-AFC4-6F175D3DCCD1}">
-              <a14:hiddenFill xmlns:a14="http://schemas.microsoft.com/office/drawing/2010/main">
-                <a:solidFill>
-                  <a:srgbClr val="FFFFFF"/>
-                </a:solidFill>
-              </a14:hiddenFill>
-            </a:ext>
-          </a:extLst>
-        </p:spPr>
-      </p:pic>
-      <p:pic>
-        <p:nvPicPr>
-          <p:cNvPr id="16" name="Picture 12" descr="Resultado de imagen para REACT">
-            <a:extLst>
-              <a:ext uri="{FF2B5EF4-FFF2-40B4-BE49-F238E27FC236}">
-                <a16:creationId xmlns:a16="http://schemas.microsoft.com/office/drawing/2014/main" id="{0240CAF7-969D-48BE-A4A0-45CE2F7DE0EF}"/>
-              </a:ext>
-            </a:extLst>
-          </p:cNvPr>
-          <p:cNvPicPr>
-            <a:picLocks noChangeAspect="1" noChangeArrowheads="1"/>
-          </p:cNvPicPr>
-          <p:nvPr/>
-        </p:nvPicPr>
-        <p:blipFill>
-          <a:blip r:embed="rId8" cstate="print">
-            <a:extLst>
-              <a:ext uri="{28A0092B-C50C-407E-A947-70E740481C1C}">
-                <a14:useLocalDpi xmlns:a14="http://schemas.microsoft.com/office/drawing/2010/main" val="0"/>
-              </a:ext>
-            </a:extLst>
-          </a:blip>
-          <a:srcRect/>
-          <a:stretch>
-            <a:fillRect/>
-          </a:stretch>
-        </p:blipFill>
-        <p:spPr bwMode="auto">
-          <a:xfrm>
-            <a:off x="10601549" y="4621422"/>
-            <a:ext cx="700669" cy="609153"/>
-          </a:xfrm>
-          <a:prstGeom prst="rect">
-            <a:avLst/>
-          </a:prstGeom>
-          <a:noFill/>
-          <a:extLst>
-            <a:ext uri="{909E8E84-426E-40DD-AFC4-6F175D3DCCD1}">
-              <a14:hiddenFill xmlns:a14="http://schemas.microsoft.com/office/drawing/2010/main">
-                <a:solidFill>
-                  <a:srgbClr val="FFFFFF"/>
-                </a:solidFill>
-              </a14:hiddenFill>
-            </a:ext>
-          </a:extLst>
-        </p:spPr>
-      </p:pic>
-      <p:pic>
-        <p:nvPicPr>
-          <p:cNvPr id="17" name="Picture 4" descr="Resultado de imagen para ANDROID">
-            <a:extLst>
-              <a:ext uri="{FF2B5EF4-FFF2-40B4-BE49-F238E27FC236}">
-                <a16:creationId xmlns:a16="http://schemas.microsoft.com/office/drawing/2014/main" id="{116ABDAF-3EF2-4A10-9EC8-6D7F5D4563F5}"/>
-              </a:ext>
-            </a:extLst>
-          </p:cNvPr>
-          <p:cNvPicPr>
-            <a:picLocks noChangeAspect="1" noChangeArrowheads="1"/>
-          </p:cNvPicPr>
-          <p:nvPr/>
-        </p:nvPicPr>
-        <p:blipFill>
-          <a:blip r:embed="rId9" cstate="print">
-            <a:extLst>
-              <a:ext uri="{28A0092B-C50C-407E-A947-70E740481C1C}">
-                <a14:useLocalDpi xmlns:a14="http://schemas.microsoft.com/office/drawing/2010/main" val="0"/>
-              </a:ext>
-            </a:extLst>
-          </a:blip>
-          <a:srcRect/>
-          <a:stretch>
-            <a:fillRect/>
-          </a:stretch>
-        </p:blipFill>
-        <p:spPr bwMode="auto">
-          <a:xfrm>
-            <a:off x="9405327" y="5276333"/>
-            <a:ext cx="903897" cy="903897"/>
-          </a:xfrm>
-          <a:prstGeom prst="rect">
-            <a:avLst/>
-          </a:prstGeom>
-          <a:noFill/>
-          <a:extLst>
-            <a:ext uri="{909E8E84-426E-40DD-AFC4-6F175D3DCCD1}">
-              <a14:hiddenFill xmlns:a14="http://schemas.microsoft.com/office/drawing/2010/main">
-                <a:solidFill>
-                  <a:srgbClr val="FFFFFF"/>
-                </a:solidFill>
-              </a14:hiddenFill>
-            </a:ext>
-          </a:extLst>
-        </p:spPr>
-      </p:pic>
-      <p:pic>
-        <p:nvPicPr>
-          <p:cNvPr id="18" name="Picture 6" descr="Resultado de imagen para APPLE">
-            <a:extLst>
-              <a:ext uri="{FF2B5EF4-FFF2-40B4-BE49-F238E27FC236}">
-                <a16:creationId xmlns:a16="http://schemas.microsoft.com/office/drawing/2014/main" id="{B201FF44-3BD8-4FB0-BB1C-9DA5A4EE4EE5}"/>
-              </a:ext>
-            </a:extLst>
-          </p:cNvPr>
-          <p:cNvPicPr>
-            <a:picLocks noChangeAspect="1" noChangeArrowheads="1"/>
-          </p:cNvPicPr>
-          <p:nvPr/>
-        </p:nvPicPr>
-        <p:blipFill>
-          <a:blip r:embed="rId10" cstate="print">
-            <a:extLst>
-              <a:ext uri="{28A0092B-C50C-407E-A947-70E740481C1C}">
-                <a14:useLocalDpi xmlns:a14="http://schemas.microsoft.com/office/drawing/2010/main" val="0"/>
-              </a:ext>
-            </a:extLst>
-          </a:blip>
-          <a:srcRect/>
-          <a:stretch>
-            <a:fillRect/>
-          </a:stretch>
-        </p:blipFill>
-        <p:spPr bwMode="auto">
-          <a:xfrm>
-            <a:off x="10260427" y="5415412"/>
-            <a:ext cx="491959" cy="491959"/>
+            <a:off x="8758708" y="3429000"/>
+            <a:ext cx="3068960" cy="3068960"/>
           </a:xfrm>
           <a:prstGeom prst="rect">
             <a:avLst/>
@@ -6980,17 +6306,29 @@
     </p:spTree>
     <p:extLst>
       <p:ext uri="{BB962C8B-B14F-4D97-AF65-F5344CB8AC3E}">
-        <p14:creationId xmlns:p14="http://schemas.microsoft.com/office/powerpoint/2010/main" val="1663322212"/>
+        <p14:creationId xmlns:p14="http://schemas.microsoft.com/office/powerpoint/2010/main" val="3406189388"/>
       </p:ext>
     </p:extLst>
   </p:cSld>
   <p:clrMapOvr>
     <a:masterClrMapping/>
   </p:clrMapOvr>
+  <mc:AlternateContent xmlns:mc="http://schemas.openxmlformats.org/markup-compatibility/2006" xmlns:p14="http://schemas.microsoft.com/office/powerpoint/2010/main">
+    <mc:Choice Requires="p14">
+      <p:transition spd="med" p14:dur="700">
+        <p:fade/>
+      </p:transition>
+    </mc:Choice>
+    <mc:Fallback xmlns="">
+      <p:transition spd="med">
+        <p:fade/>
+      </p:transition>
+    </mc:Fallback>
+  </mc:AlternateContent>
 </p:sld>
 </file>
 
-<file path=ppt/slides/slide4.xml><?xml version="1.0" encoding="utf-8"?>
+<file path=ppt/slides/slide21.xml><?xml version="1.0" encoding="utf-8"?>
 <p:sld xmlns:a="http://schemas.openxmlformats.org/drawingml/2006/main" xmlns:r="http://schemas.openxmlformats.org/officeDocument/2006/relationships" xmlns:p="http://schemas.openxmlformats.org/presentationml/2006/main">
   <p:cSld>
     <p:spTree>
@@ -7009,7 +6347,969 @@
       </p:grpSpPr>
       <p:sp>
         <p:nvSpPr>
-          <p:cNvPr id="2" name="Título 1"/>
+          <p:cNvPr id="2" name="Título 1">
+            <a:extLst>
+              <a:ext uri="{FF2B5EF4-FFF2-40B4-BE49-F238E27FC236}">
+                <a16:creationId xmlns:a16="http://schemas.microsoft.com/office/drawing/2014/main" id="{FD61FDF7-EFA5-4953-87C2-B323EEE63C11}"/>
+              </a:ext>
+            </a:extLst>
+          </p:cNvPr>
+          <p:cNvSpPr>
+            <a:spLocks noGrp="1"/>
+          </p:cNvSpPr>
+          <p:nvPr>
+            <p:ph type="title"/>
+          </p:nvPr>
+        </p:nvSpPr>
+        <p:spPr/>
+        <p:txBody>
+          <a:bodyPr/>
+          <a:lstStyle/>
+          <a:p>
+            <a:r>
+              <a:rPr lang="es-CO" dirty="0"/>
+              <a:t>Crear Proyecto en Firebase</a:t>
+            </a:r>
+          </a:p>
+        </p:txBody>
+      </p:sp>
+      <p:pic>
+        <p:nvPicPr>
+          <p:cNvPr id="4" name="Imagen 3">
+            <a:extLst>
+              <a:ext uri="{FF2B5EF4-FFF2-40B4-BE49-F238E27FC236}">
+                <a16:creationId xmlns:a16="http://schemas.microsoft.com/office/drawing/2014/main" id="{54989B91-4E85-4B96-90F9-7D8717706E47}"/>
+              </a:ext>
+            </a:extLst>
+          </p:cNvPr>
+          <p:cNvPicPr>
+            <a:picLocks noChangeAspect="1"/>
+          </p:cNvPicPr>
+          <p:nvPr/>
+        </p:nvPicPr>
+        <p:blipFill>
+          <a:blip r:embed="rId2"/>
+          <a:stretch>
+            <a:fillRect/>
+          </a:stretch>
+        </p:blipFill>
+        <p:spPr>
+          <a:xfrm>
+            <a:off x="837828" y="2499995"/>
+            <a:ext cx="3048000" cy="2200275"/>
+          </a:xfrm>
+          <a:prstGeom prst="rect">
+            <a:avLst/>
+          </a:prstGeom>
+        </p:spPr>
+      </p:pic>
+      <p:pic>
+        <p:nvPicPr>
+          <p:cNvPr id="5" name="Imagen 4">
+            <a:extLst>
+              <a:ext uri="{FF2B5EF4-FFF2-40B4-BE49-F238E27FC236}">
+                <a16:creationId xmlns:a16="http://schemas.microsoft.com/office/drawing/2014/main" id="{91018FE3-AB75-4C17-A899-CCB222F89C47}"/>
+              </a:ext>
+            </a:extLst>
+          </p:cNvPr>
+          <p:cNvPicPr>
+            <a:picLocks noChangeAspect="1"/>
+          </p:cNvPicPr>
+          <p:nvPr/>
+        </p:nvPicPr>
+        <p:blipFill>
+          <a:blip r:embed="rId3"/>
+          <a:stretch>
+            <a:fillRect/>
+          </a:stretch>
+        </p:blipFill>
+        <p:spPr>
+          <a:xfrm>
+            <a:off x="5765971" y="1697311"/>
+            <a:ext cx="5074054" cy="4661156"/>
+          </a:xfrm>
+          <a:prstGeom prst="rect">
+            <a:avLst/>
+          </a:prstGeom>
+        </p:spPr>
+      </p:pic>
+    </p:spTree>
+    <p:extLst>
+      <p:ext uri="{BB962C8B-B14F-4D97-AF65-F5344CB8AC3E}">
+        <p14:creationId xmlns:p14="http://schemas.microsoft.com/office/powerpoint/2010/main" val="1892308224"/>
+      </p:ext>
+    </p:extLst>
+  </p:cSld>
+  <p:clrMapOvr>
+    <a:masterClrMapping/>
+  </p:clrMapOvr>
+</p:sld>
+</file>
+
+<file path=ppt/slides/slide22.xml><?xml version="1.0" encoding="utf-8"?>
+<p:sld xmlns:a="http://schemas.openxmlformats.org/drawingml/2006/main" xmlns:r="http://schemas.openxmlformats.org/officeDocument/2006/relationships" xmlns:p="http://schemas.openxmlformats.org/presentationml/2006/main">
+  <p:cSld>
+    <p:spTree>
+      <p:nvGrpSpPr>
+        <p:cNvPr id="1" name=""/>
+        <p:cNvGrpSpPr/>
+        <p:nvPr/>
+      </p:nvGrpSpPr>
+      <p:grpSpPr>
+        <a:xfrm>
+          <a:off x="0" y="0"/>
+          <a:ext cx="0" cy="0"/>
+          <a:chOff x="0" y="0"/>
+          <a:chExt cx="0" cy="0"/>
+        </a:xfrm>
+      </p:grpSpPr>
+      <p:sp>
+        <p:nvSpPr>
+          <p:cNvPr id="2" name="Título 1">
+            <a:extLst>
+              <a:ext uri="{FF2B5EF4-FFF2-40B4-BE49-F238E27FC236}">
+                <a16:creationId xmlns:a16="http://schemas.microsoft.com/office/drawing/2014/main" id="{FD61FDF7-EFA5-4953-87C2-B323EEE63C11}"/>
+              </a:ext>
+            </a:extLst>
+          </p:cNvPr>
+          <p:cNvSpPr>
+            <a:spLocks noGrp="1"/>
+          </p:cNvSpPr>
+          <p:nvPr>
+            <p:ph type="title"/>
+          </p:nvPr>
+        </p:nvSpPr>
+        <p:spPr/>
+        <p:txBody>
+          <a:bodyPr/>
+          <a:lstStyle/>
+          <a:p>
+            <a:r>
+              <a:rPr lang="es-CO" dirty="0"/>
+              <a:t>Añadir Firebase Authentication</a:t>
+            </a:r>
+          </a:p>
+        </p:txBody>
+      </p:sp>
+      <p:pic>
+        <p:nvPicPr>
+          <p:cNvPr id="3" name="Imagen 2">
+            <a:extLst>
+              <a:ext uri="{FF2B5EF4-FFF2-40B4-BE49-F238E27FC236}">
+                <a16:creationId xmlns:a16="http://schemas.microsoft.com/office/drawing/2014/main" id="{699EC6D1-4E48-4B89-A7BB-1C5A5C6B55FE}"/>
+              </a:ext>
+            </a:extLst>
+          </p:cNvPr>
+          <p:cNvPicPr>
+            <a:picLocks noChangeAspect="1"/>
+          </p:cNvPicPr>
+          <p:nvPr/>
+        </p:nvPicPr>
+        <p:blipFill>
+          <a:blip r:embed="rId2"/>
+          <a:stretch>
+            <a:fillRect/>
+          </a:stretch>
+        </p:blipFill>
+        <p:spPr>
+          <a:xfrm>
+            <a:off x="598444" y="1700808"/>
+            <a:ext cx="5433270" cy="2410248"/>
+          </a:xfrm>
+          <a:prstGeom prst="rect">
+            <a:avLst/>
+          </a:prstGeom>
+        </p:spPr>
+      </p:pic>
+      <p:pic>
+        <p:nvPicPr>
+          <p:cNvPr id="6" name="Imagen 5">
+            <a:extLst>
+              <a:ext uri="{FF2B5EF4-FFF2-40B4-BE49-F238E27FC236}">
+                <a16:creationId xmlns:a16="http://schemas.microsoft.com/office/drawing/2014/main" id="{6E444A71-D660-4852-92D1-64340761E1C9}"/>
+              </a:ext>
+            </a:extLst>
+          </p:cNvPr>
+          <p:cNvPicPr>
+            <a:picLocks noChangeAspect="1"/>
+          </p:cNvPicPr>
+          <p:nvPr/>
+        </p:nvPicPr>
+        <p:blipFill>
+          <a:blip r:embed="rId3"/>
+          <a:stretch>
+            <a:fillRect/>
+          </a:stretch>
+        </p:blipFill>
+        <p:spPr>
+          <a:xfrm>
+            <a:off x="4868515" y="4132599"/>
+            <a:ext cx="6558508" cy="2359463"/>
+          </a:xfrm>
+          <a:prstGeom prst="rect">
+            <a:avLst/>
+          </a:prstGeom>
+        </p:spPr>
+      </p:pic>
+    </p:spTree>
+    <p:extLst>
+      <p:ext uri="{BB962C8B-B14F-4D97-AF65-F5344CB8AC3E}">
+        <p14:creationId xmlns:p14="http://schemas.microsoft.com/office/powerpoint/2010/main" val="1858402156"/>
+      </p:ext>
+    </p:extLst>
+  </p:cSld>
+  <p:clrMapOvr>
+    <a:masterClrMapping/>
+  </p:clrMapOvr>
+</p:sld>
+</file>
+
+<file path=ppt/slides/slide23.xml><?xml version="1.0" encoding="utf-8"?>
+<p:sld xmlns:a="http://schemas.openxmlformats.org/drawingml/2006/main" xmlns:r="http://schemas.openxmlformats.org/officeDocument/2006/relationships" xmlns:p="http://schemas.openxmlformats.org/presentationml/2006/main">
+  <p:cSld>
+    <p:spTree>
+      <p:nvGrpSpPr>
+        <p:cNvPr id="1" name=""/>
+        <p:cNvGrpSpPr/>
+        <p:nvPr/>
+      </p:nvGrpSpPr>
+      <p:grpSpPr>
+        <a:xfrm>
+          <a:off x="0" y="0"/>
+          <a:ext cx="0" cy="0"/>
+          <a:chOff x="0" y="0"/>
+          <a:chExt cx="0" cy="0"/>
+        </a:xfrm>
+      </p:grpSpPr>
+      <p:sp>
+        <p:nvSpPr>
+          <p:cNvPr id="2" name="Título 1">
+            <a:extLst>
+              <a:ext uri="{FF2B5EF4-FFF2-40B4-BE49-F238E27FC236}">
+                <a16:creationId xmlns:a16="http://schemas.microsoft.com/office/drawing/2014/main" id="{FD61FDF7-EFA5-4953-87C2-B323EEE63C11}"/>
+              </a:ext>
+            </a:extLst>
+          </p:cNvPr>
+          <p:cNvSpPr>
+            <a:spLocks noGrp="1"/>
+          </p:cNvSpPr>
+          <p:nvPr>
+            <p:ph type="title"/>
+          </p:nvPr>
+        </p:nvSpPr>
+        <p:spPr/>
+        <p:txBody>
+          <a:bodyPr/>
+          <a:lstStyle/>
+          <a:p>
+            <a:r>
+              <a:rPr lang="es-CO" dirty="0"/>
+              <a:t>Añadir Firebase Authentication</a:t>
+            </a:r>
+          </a:p>
+        </p:txBody>
+      </p:sp>
+      <p:pic>
+        <p:nvPicPr>
+          <p:cNvPr id="4" name="Imagen 3">
+            <a:extLst>
+              <a:ext uri="{FF2B5EF4-FFF2-40B4-BE49-F238E27FC236}">
+                <a16:creationId xmlns:a16="http://schemas.microsoft.com/office/drawing/2014/main" id="{7A284438-2977-43D0-8C0E-500958B536B1}"/>
+              </a:ext>
+            </a:extLst>
+          </p:cNvPr>
+          <p:cNvPicPr>
+            <a:picLocks noChangeAspect="1"/>
+          </p:cNvPicPr>
+          <p:nvPr/>
+        </p:nvPicPr>
+        <p:blipFill>
+          <a:blip r:embed="rId2"/>
+          <a:stretch>
+            <a:fillRect/>
+          </a:stretch>
+        </p:blipFill>
+        <p:spPr>
+          <a:xfrm>
+            <a:off x="1398587" y="1916832"/>
+            <a:ext cx="9391650" cy="4162425"/>
+          </a:xfrm>
+          <a:prstGeom prst="rect">
+            <a:avLst/>
+          </a:prstGeom>
+        </p:spPr>
+      </p:pic>
+    </p:spTree>
+    <p:extLst>
+      <p:ext uri="{BB962C8B-B14F-4D97-AF65-F5344CB8AC3E}">
+        <p14:creationId xmlns:p14="http://schemas.microsoft.com/office/powerpoint/2010/main" val="1974998629"/>
+      </p:ext>
+    </p:extLst>
+  </p:cSld>
+  <p:clrMapOvr>
+    <a:masterClrMapping/>
+  </p:clrMapOvr>
+</p:sld>
+</file>
+
+<file path=ppt/slides/slide24.xml><?xml version="1.0" encoding="utf-8"?>
+<p:sld xmlns:a="http://schemas.openxmlformats.org/drawingml/2006/main" xmlns:r="http://schemas.openxmlformats.org/officeDocument/2006/relationships" xmlns:p="http://schemas.openxmlformats.org/presentationml/2006/main">
+  <p:cSld>
+    <p:spTree>
+      <p:nvGrpSpPr>
+        <p:cNvPr id="1" name=""/>
+        <p:cNvGrpSpPr/>
+        <p:nvPr/>
+      </p:nvGrpSpPr>
+      <p:grpSpPr>
+        <a:xfrm>
+          <a:off x="0" y="0"/>
+          <a:ext cx="0" cy="0"/>
+          <a:chOff x="0" y="0"/>
+          <a:chExt cx="0" cy="0"/>
+        </a:xfrm>
+      </p:grpSpPr>
+      <p:sp>
+        <p:nvSpPr>
+          <p:cNvPr id="2" name="Título 1">
+            <a:extLst>
+              <a:ext uri="{FF2B5EF4-FFF2-40B4-BE49-F238E27FC236}">
+                <a16:creationId xmlns:a16="http://schemas.microsoft.com/office/drawing/2014/main" id="{FD61FDF7-EFA5-4953-87C2-B323EEE63C11}"/>
+              </a:ext>
+            </a:extLst>
+          </p:cNvPr>
+          <p:cNvSpPr>
+            <a:spLocks noGrp="1"/>
+          </p:cNvSpPr>
+          <p:nvPr>
+            <p:ph type="title"/>
+          </p:nvPr>
+        </p:nvSpPr>
+        <p:spPr>
+          <a:xfrm>
+            <a:off x="549796" y="473285"/>
+            <a:ext cx="10769970" cy="1417299"/>
+          </a:xfrm>
+        </p:spPr>
+        <p:txBody>
+          <a:bodyPr>
+            <a:normAutofit/>
+          </a:bodyPr>
+          <a:lstStyle/>
+          <a:p>
+            <a:r>
+              <a:rPr lang="es-CO" dirty="0"/>
+              <a:t>Crear Base de Datos(Realtime Database)</a:t>
+            </a:r>
+          </a:p>
+        </p:txBody>
+      </p:sp>
+      <p:pic>
+        <p:nvPicPr>
+          <p:cNvPr id="3" name="Imagen 2">
+            <a:extLst>
+              <a:ext uri="{FF2B5EF4-FFF2-40B4-BE49-F238E27FC236}">
+                <a16:creationId xmlns:a16="http://schemas.microsoft.com/office/drawing/2014/main" id="{6A25F26A-8AD0-4666-B022-BA9EE7CA247A}"/>
+              </a:ext>
+            </a:extLst>
+          </p:cNvPr>
+          <p:cNvPicPr>
+            <a:picLocks noChangeAspect="1"/>
+          </p:cNvPicPr>
+          <p:nvPr/>
+        </p:nvPicPr>
+        <p:blipFill>
+          <a:blip r:embed="rId2"/>
+          <a:stretch>
+            <a:fillRect/>
+          </a:stretch>
+        </p:blipFill>
+        <p:spPr>
+          <a:xfrm>
+            <a:off x="333772" y="1753425"/>
+            <a:ext cx="6013964" cy="2395656"/>
+          </a:xfrm>
+          <a:prstGeom prst="rect">
+            <a:avLst/>
+          </a:prstGeom>
+        </p:spPr>
+      </p:pic>
+      <p:pic>
+        <p:nvPicPr>
+          <p:cNvPr id="5" name="Imagen 4">
+            <a:extLst>
+              <a:ext uri="{FF2B5EF4-FFF2-40B4-BE49-F238E27FC236}">
+                <a16:creationId xmlns:a16="http://schemas.microsoft.com/office/drawing/2014/main" id="{39AC0255-E4C1-4C40-99B1-A7D69A3743E2}"/>
+              </a:ext>
+            </a:extLst>
+          </p:cNvPr>
+          <p:cNvPicPr>
+            <a:picLocks noChangeAspect="1"/>
+          </p:cNvPicPr>
+          <p:nvPr/>
+        </p:nvPicPr>
+        <p:blipFill>
+          <a:blip r:embed="rId3"/>
+          <a:stretch>
+            <a:fillRect/>
+          </a:stretch>
+        </p:blipFill>
+        <p:spPr>
+          <a:xfrm>
+            <a:off x="6467519" y="3028784"/>
+            <a:ext cx="5231117" cy="3400598"/>
+          </a:xfrm>
+          <a:prstGeom prst="rect">
+            <a:avLst/>
+          </a:prstGeom>
+        </p:spPr>
+      </p:pic>
+    </p:spTree>
+    <p:extLst>
+      <p:ext uri="{BB962C8B-B14F-4D97-AF65-F5344CB8AC3E}">
+        <p14:creationId xmlns:p14="http://schemas.microsoft.com/office/powerpoint/2010/main" val="3987412231"/>
+      </p:ext>
+    </p:extLst>
+  </p:cSld>
+  <p:clrMapOvr>
+    <a:masterClrMapping/>
+  </p:clrMapOvr>
+</p:sld>
+</file>
+
+<file path=ppt/slides/slide25.xml><?xml version="1.0" encoding="utf-8"?>
+<p:sld xmlns:a="http://schemas.openxmlformats.org/drawingml/2006/main" xmlns:r="http://schemas.openxmlformats.org/officeDocument/2006/relationships" xmlns:p="http://schemas.openxmlformats.org/presentationml/2006/main">
+  <p:cSld>
+    <p:spTree>
+      <p:nvGrpSpPr>
+        <p:cNvPr id="1" name=""/>
+        <p:cNvGrpSpPr/>
+        <p:nvPr/>
+      </p:nvGrpSpPr>
+      <p:grpSpPr>
+        <a:xfrm>
+          <a:off x="0" y="0"/>
+          <a:ext cx="0" cy="0"/>
+          <a:chOff x="0" y="0"/>
+          <a:chExt cx="0" cy="0"/>
+        </a:xfrm>
+      </p:grpSpPr>
+      <p:sp>
+        <p:nvSpPr>
+          <p:cNvPr id="2" name="Título 1">
+            <a:extLst>
+              <a:ext uri="{FF2B5EF4-FFF2-40B4-BE49-F238E27FC236}">
+                <a16:creationId xmlns:a16="http://schemas.microsoft.com/office/drawing/2014/main" id="{28EE9995-1467-4ECE-B0C6-5A43AC3B8A85}"/>
+              </a:ext>
+            </a:extLst>
+          </p:cNvPr>
+          <p:cNvSpPr>
+            <a:spLocks noGrp="1"/>
+          </p:cNvSpPr>
+          <p:nvPr>
+            <p:ph type="title"/>
+          </p:nvPr>
+        </p:nvSpPr>
+        <p:spPr/>
+        <p:txBody>
+          <a:bodyPr/>
+          <a:lstStyle/>
+          <a:p>
+            <a:r>
+              <a:rPr lang="es-CO" dirty="0"/>
+              <a:t>Modelo de Datos(Noticias App)</a:t>
+            </a:r>
+          </a:p>
+        </p:txBody>
+      </p:sp>
+      <p:pic>
+        <p:nvPicPr>
+          <p:cNvPr id="6" name="Imagen 5">
+            <a:extLst>
+              <a:ext uri="{FF2B5EF4-FFF2-40B4-BE49-F238E27FC236}">
+                <a16:creationId xmlns:a16="http://schemas.microsoft.com/office/drawing/2014/main" id="{FD8F0765-D466-479C-94E4-1D88DBA243A3}"/>
+              </a:ext>
+            </a:extLst>
+          </p:cNvPr>
+          <p:cNvPicPr>
+            <a:picLocks noChangeAspect="1"/>
+          </p:cNvPicPr>
+          <p:nvPr/>
+        </p:nvPicPr>
+        <p:blipFill rotWithShape="1">
+          <a:blip r:embed="rId2"/>
+          <a:srcRect r="3468"/>
+          <a:stretch/>
+        </p:blipFill>
+        <p:spPr>
+          <a:xfrm>
+            <a:off x="6586564" y="3068960"/>
+            <a:ext cx="3900337" cy="2308834"/>
+          </a:xfrm>
+          <a:prstGeom prst="rect">
+            <a:avLst/>
+          </a:prstGeom>
+        </p:spPr>
+      </p:pic>
+      <p:pic>
+        <p:nvPicPr>
+          <p:cNvPr id="7" name="Imagen 6">
+            <a:extLst>
+              <a:ext uri="{FF2B5EF4-FFF2-40B4-BE49-F238E27FC236}">
+                <a16:creationId xmlns:a16="http://schemas.microsoft.com/office/drawing/2014/main" id="{91BB720C-E353-420B-9DDA-C840C9F916C4}"/>
+              </a:ext>
+            </a:extLst>
+          </p:cNvPr>
+          <p:cNvPicPr>
+            <a:picLocks noChangeAspect="1"/>
+          </p:cNvPicPr>
+          <p:nvPr/>
+        </p:nvPicPr>
+        <p:blipFill>
+          <a:blip r:embed="rId3"/>
+          <a:stretch>
+            <a:fillRect/>
+          </a:stretch>
+        </p:blipFill>
+        <p:spPr>
+          <a:xfrm>
+            <a:off x="1677868" y="2316595"/>
+            <a:ext cx="3541166" cy="3813563"/>
+          </a:xfrm>
+          <a:prstGeom prst="rect">
+            <a:avLst/>
+          </a:prstGeom>
+        </p:spPr>
+      </p:pic>
+    </p:spTree>
+    <p:extLst>
+      <p:ext uri="{BB962C8B-B14F-4D97-AF65-F5344CB8AC3E}">
+        <p14:creationId xmlns:p14="http://schemas.microsoft.com/office/powerpoint/2010/main" val="534408980"/>
+      </p:ext>
+    </p:extLst>
+  </p:cSld>
+  <p:clrMapOvr>
+    <a:masterClrMapping/>
+  </p:clrMapOvr>
+</p:sld>
+</file>
+
+<file path=ppt/slides/slide26.xml><?xml version="1.0" encoding="utf-8"?>
+<p:sld xmlns:a="http://schemas.openxmlformats.org/drawingml/2006/main" xmlns:r="http://schemas.openxmlformats.org/officeDocument/2006/relationships" xmlns:p="http://schemas.openxmlformats.org/presentationml/2006/main">
+  <p:cSld>
+    <p:spTree>
+      <p:nvGrpSpPr>
+        <p:cNvPr id="1" name=""/>
+        <p:cNvGrpSpPr/>
+        <p:nvPr/>
+      </p:nvGrpSpPr>
+      <p:grpSpPr>
+        <a:xfrm>
+          <a:off x="0" y="0"/>
+          <a:ext cx="0" cy="0"/>
+          <a:chOff x="0" y="0"/>
+          <a:chExt cx="0" cy="0"/>
+        </a:xfrm>
+      </p:grpSpPr>
+      <p:sp>
+        <p:nvSpPr>
+          <p:cNvPr id="2" name="Título 1">
+            <a:extLst>
+              <a:ext uri="{FF2B5EF4-FFF2-40B4-BE49-F238E27FC236}">
+                <a16:creationId xmlns:a16="http://schemas.microsoft.com/office/drawing/2014/main" id="{28EE9995-1467-4ECE-B0C6-5A43AC3B8A85}"/>
+              </a:ext>
+            </a:extLst>
+          </p:cNvPr>
+          <p:cNvSpPr>
+            <a:spLocks noGrp="1"/>
+          </p:cNvSpPr>
+          <p:nvPr>
+            <p:ph type="title"/>
+          </p:nvPr>
+        </p:nvSpPr>
+        <p:spPr/>
+        <p:txBody>
+          <a:bodyPr/>
+          <a:lstStyle/>
+          <a:p>
+            <a:r>
+              <a:rPr lang="es-CO" dirty="0"/>
+              <a:t>Modelo de Datos(Noticias App)</a:t>
+            </a:r>
+          </a:p>
+        </p:txBody>
+      </p:sp>
+      <p:pic>
+        <p:nvPicPr>
+          <p:cNvPr id="4" name="Imagen 3">
+            <a:extLst>
+              <a:ext uri="{FF2B5EF4-FFF2-40B4-BE49-F238E27FC236}">
+                <a16:creationId xmlns:a16="http://schemas.microsoft.com/office/drawing/2014/main" id="{9FEE85F0-AFCA-46A3-B0AC-D66A0AC732DD}"/>
+              </a:ext>
+            </a:extLst>
+          </p:cNvPr>
+          <p:cNvPicPr>
+            <a:picLocks noChangeAspect="1"/>
+          </p:cNvPicPr>
+          <p:nvPr/>
+        </p:nvPicPr>
+        <p:blipFill>
+          <a:blip r:embed="rId2"/>
+          <a:stretch>
+            <a:fillRect/>
+          </a:stretch>
+        </p:blipFill>
+        <p:spPr>
+          <a:xfrm>
+            <a:off x="1917948" y="2852936"/>
+            <a:ext cx="3982169" cy="2603726"/>
+          </a:xfrm>
+          <a:prstGeom prst="rect">
+            <a:avLst/>
+          </a:prstGeom>
+        </p:spPr>
+      </p:pic>
+      <p:pic>
+        <p:nvPicPr>
+          <p:cNvPr id="5" name="Imagen 4">
+            <a:extLst>
+              <a:ext uri="{FF2B5EF4-FFF2-40B4-BE49-F238E27FC236}">
+                <a16:creationId xmlns:a16="http://schemas.microsoft.com/office/drawing/2014/main" id="{201A209F-CC79-4061-BB01-BC69E6005729}"/>
+              </a:ext>
+            </a:extLst>
+          </p:cNvPr>
+          <p:cNvPicPr>
+            <a:picLocks noChangeAspect="1"/>
+          </p:cNvPicPr>
+          <p:nvPr/>
+        </p:nvPicPr>
+        <p:blipFill>
+          <a:blip r:embed="rId3"/>
+          <a:stretch>
+            <a:fillRect/>
+          </a:stretch>
+        </p:blipFill>
+        <p:spPr>
+          <a:xfrm>
+            <a:off x="7250559" y="1916832"/>
+            <a:ext cx="4176464" cy="4742148"/>
+          </a:xfrm>
+          <a:prstGeom prst="rect">
+            <a:avLst/>
+          </a:prstGeom>
+        </p:spPr>
+      </p:pic>
+    </p:spTree>
+    <p:extLst>
+      <p:ext uri="{BB962C8B-B14F-4D97-AF65-F5344CB8AC3E}">
+        <p14:creationId xmlns:p14="http://schemas.microsoft.com/office/powerpoint/2010/main" val="747726359"/>
+      </p:ext>
+    </p:extLst>
+  </p:cSld>
+  <p:clrMapOvr>
+    <a:masterClrMapping/>
+  </p:clrMapOvr>
+</p:sld>
+</file>
+
+<file path=ppt/slides/slide27.xml><?xml version="1.0" encoding="utf-8"?>
+<p:sld xmlns:a="http://schemas.openxmlformats.org/drawingml/2006/main" xmlns:r="http://schemas.openxmlformats.org/officeDocument/2006/relationships" xmlns:p="http://schemas.openxmlformats.org/presentationml/2006/main">
+  <p:cSld>
+    <p:spTree>
+      <p:nvGrpSpPr>
+        <p:cNvPr id="1" name=""/>
+        <p:cNvGrpSpPr/>
+        <p:nvPr/>
+      </p:nvGrpSpPr>
+      <p:grpSpPr>
+        <a:xfrm>
+          <a:off x="0" y="0"/>
+          <a:ext cx="0" cy="0"/>
+          <a:chOff x="0" y="0"/>
+          <a:chExt cx="0" cy="0"/>
+        </a:xfrm>
+      </p:grpSpPr>
+      <p:sp>
+        <p:nvSpPr>
+          <p:cNvPr id="2" name="Título 1">
+            <a:extLst>
+              <a:ext uri="{FF2B5EF4-FFF2-40B4-BE49-F238E27FC236}">
+                <a16:creationId xmlns:a16="http://schemas.microsoft.com/office/drawing/2014/main" id="{28EE9995-1467-4ECE-B0C6-5A43AC3B8A85}"/>
+              </a:ext>
+            </a:extLst>
+          </p:cNvPr>
+          <p:cNvSpPr>
+            <a:spLocks noGrp="1"/>
+          </p:cNvSpPr>
+          <p:nvPr>
+            <p:ph type="title"/>
+          </p:nvPr>
+        </p:nvSpPr>
+        <p:spPr/>
+        <p:txBody>
+          <a:bodyPr/>
+          <a:lstStyle/>
+          <a:p>
+            <a:r>
+              <a:rPr lang="es-CO" dirty="0"/>
+              <a:t>Modelo de Datos(Noticias App)</a:t>
+            </a:r>
+          </a:p>
+        </p:txBody>
+      </p:sp>
+      <p:pic>
+        <p:nvPicPr>
+          <p:cNvPr id="3" name="Imagen 2">
+            <a:extLst>
+              <a:ext uri="{FF2B5EF4-FFF2-40B4-BE49-F238E27FC236}">
+                <a16:creationId xmlns:a16="http://schemas.microsoft.com/office/drawing/2014/main" id="{ACBCA681-E0E5-489B-A0E6-79B39916BC7F}"/>
+              </a:ext>
+            </a:extLst>
+          </p:cNvPr>
+          <p:cNvPicPr>
+            <a:picLocks noChangeAspect="1"/>
+          </p:cNvPicPr>
+          <p:nvPr/>
+        </p:nvPicPr>
+        <p:blipFill>
+          <a:blip r:embed="rId2"/>
+          <a:stretch>
+            <a:fillRect/>
+          </a:stretch>
+        </p:blipFill>
+        <p:spPr>
+          <a:xfrm>
+            <a:off x="3286100" y="2708920"/>
+            <a:ext cx="5616624" cy="2559053"/>
+          </a:xfrm>
+          <a:prstGeom prst="rect">
+            <a:avLst/>
+          </a:prstGeom>
+        </p:spPr>
+      </p:pic>
+    </p:spTree>
+    <p:extLst>
+      <p:ext uri="{BB962C8B-B14F-4D97-AF65-F5344CB8AC3E}">
+        <p14:creationId xmlns:p14="http://schemas.microsoft.com/office/powerpoint/2010/main" val="2060996570"/>
+      </p:ext>
+    </p:extLst>
+  </p:cSld>
+  <p:clrMapOvr>
+    <a:masterClrMapping/>
+  </p:clrMapOvr>
+</p:sld>
+</file>
+
+<file path=ppt/slides/slide28.xml><?xml version="1.0" encoding="utf-8"?>
+<p:sld xmlns:a="http://schemas.openxmlformats.org/drawingml/2006/main" xmlns:r="http://schemas.openxmlformats.org/officeDocument/2006/relationships" xmlns:p="http://schemas.openxmlformats.org/presentationml/2006/main">
+  <p:cSld>
+    <p:spTree>
+      <p:nvGrpSpPr>
+        <p:cNvPr id="1" name=""/>
+        <p:cNvGrpSpPr/>
+        <p:nvPr/>
+      </p:nvGrpSpPr>
+      <p:grpSpPr>
+        <a:xfrm>
+          <a:off x="0" y="0"/>
+          <a:ext cx="0" cy="0"/>
+          <a:chOff x="0" y="0"/>
+          <a:chExt cx="0" cy="0"/>
+        </a:xfrm>
+      </p:grpSpPr>
+      <p:sp>
+        <p:nvSpPr>
+          <p:cNvPr id="2" name="Título 1">
+            <a:extLst>
+              <a:ext uri="{FF2B5EF4-FFF2-40B4-BE49-F238E27FC236}">
+                <a16:creationId xmlns:a16="http://schemas.microsoft.com/office/drawing/2014/main" id="{FD61FDF7-EFA5-4953-87C2-B323EEE63C11}"/>
+              </a:ext>
+            </a:extLst>
+          </p:cNvPr>
+          <p:cNvSpPr>
+            <a:spLocks noGrp="1"/>
+          </p:cNvSpPr>
+          <p:nvPr>
+            <p:ph type="title"/>
+          </p:nvPr>
+        </p:nvSpPr>
+        <p:spPr>
+          <a:xfrm>
+            <a:off x="549796" y="473285"/>
+            <a:ext cx="10769970" cy="1417299"/>
+          </a:xfrm>
+        </p:spPr>
+        <p:txBody>
+          <a:bodyPr>
+            <a:normAutofit fontScale="90000"/>
+          </a:bodyPr>
+          <a:lstStyle/>
+          <a:p>
+            <a:r>
+              <a:rPr lang="es-CO" dirty="0"/>
+              <a:t>Crear Modelo de Datos en la Base de Datos(Realtime Database)</a:t>
+            </a:r>
+          </a:p>
+        </p:txBody>
+      </p:sp>
+      <p:pic>
+        <p:nvPicPr>
+          <p:cNvPr id="4" name="Imagen 3">
+            <a:extLst>
+              <a:ext uri="{FF2B5EF4-FFF2-40B4-BE49-F238E27FC236}">
+                <a16:creationId xmlns:a16="http://schemas.microsoft.com/office/drawing/2014/main" id="{8238A9DD-6937-4E34-B65A-7A2351E355A8}"/>
+              </a:ext>
+            </a:extLst>
+          </p:cNvPr>
+          <p:cNvPicPr>
+            <a:picLocks noChangeAspect="1"/>
+          </p:cNvPicPr>
+          <p:nvPr/>
+        </p:nvPicPr>
+        <p:blipFill>
+          <a:blip r:embed="rId2"/>
+          <a:stretch>
+            <a:fillRect/>
+          </a:stretch>
+        </p:blipFill>
+        <p:spPr>
+          <a:xfrm>
+            <a:off x="2638028" y="1890584"/>
+            <a:ext cx="8123273" cy="4198392"/>
+          </a:xfrm>
+          <a:prstGeom prst="rect">
+            <a:avLst/>
+          </a:prstGeom>
+        </p:spPr>
+      </p:pic>
+    </p:spTree>
+    <p:extLst>
+      <p:ext uri="{BB962C8B-B14F-4D97-AF65-F5344CB8AC3E}">
+        <p14:creationId xmlns:p14="http://schemas.microsoft.com/office/powerpoint/2010/main" val="1109158997"/>
+      </p:ext>
+    </p:extLst>
+  </p:cSld>
+  <p:clrMapOvr>
+    <a:masterClrMapping/>
+  </p:clrMapOvr>
+</p:sld>
+</file>
+
+<file path=ppt/slides/slide29.xml><?xml version="1.0" encoding="utf-8"?>
+<p:sld xmlns:a="http://schemas.openxmlformats.org/drawingml/2006/main" xmlns:r="http://schemas.openxmlformats.org/officeDocument/2006/relationships" xmlns:p="http://schemas.openxmlformats.org/presentationml/2006/main">
+  <p:cSld>
+    <p:spTree>
+      <p:nvGrpSpPr>
+        <p:cNvPr id="1" name=""/>
+        <p:cNvGrpSpPr/>
+        <p:nvPr/>
+      </p:nvGrpSpPr>
+      <p:grpSpPr>
+        <a:xfrm>
+          <a:off x="0" y="0"/>
+          <a:ext cx="0" cy="0"/>
+          <a:chOff x="0" y="0"/>
+          <a:chExt cx="0" cy="0"/>
+        </a:xfrm>
+      </p:grpSpPr>
+      <p:sp>
+        <p:nvSpPr>
+          <p:cNvPr id="2" name="Título 1">
+            <a:extLst>
+              <a:ext uri="{FF2B5EF4-FFF2-40B4-BE49-F238E27FC236}">
+                <a16:creationId xmlns:a16="http://schemas.microsoft.com/office/drawing/2014/main" id="{FD61FDF7-EFA5-4953-87C2-B323EEE63C11}"/>
+              </a:ext>
+            </a:extLst>
+          </p:cNvPr>
+          <p:cNvSpPr>
+            <a:spLocks noGrp="1"/>
+          </p:cNvSpPr>
+          <p:nvPr>
+            <p:ph type="title"/>
+          </p:nvPr>
+        </p:nvSpPr>
+        <p:spPr>
+          <a:xfrm>
+            <a:off x="549796" y="473285"/>
+            <a:ext cx="10769970" cy="1417299"/>
+          </a:xfrm>
+        </p:spPr>
+        <p:txBody>
+          <a:bodyPr>
+            <a:normAutofit fontScale="90000"/>
+          </a:bodyPr>
+          <a:lstStyle/>
+          <a:p>
+            <a:r>
+              <a:rPr lang="es-CO" dirty="0"/>
+              <a:t>Crear Modelo de Datos en la Base de Datos(Realtime Database)</a:t>
+            </a:r>
+          </a:p>
+        </p:txBody>
+      </p:sp>
+      <p:pic>
+        <p:nvPicPr>
+          <p:cNvPr id="3" name="Imagen 2">
+            <a:extLst>
+              <a:ext uri="{FF2B5EF4-FFF2-40B4-BE49-F238E27FC236}">
+                <a16:creationId xmlns:a16="http://schemas.microsoft.com/office/drawing/2014/main" id="{B9BD3C0B-1E73-4E60-872C-4E44B81C8F8B}"/>
+              </a:ext>
+            </a:extLst>
+          </p:cNvPr>
+          <p:cNvPicPr>
+            <a:picLocks noChangeAspect="1"/>
+          </p:cNvPicPr>
+          <p:nvPr/>
+        </p:nvPicPr>
+        <p:blipFill>
+          <a:blip r:embed="rId2"/>
+          <a:stretch>
+            <a:fillRect/>
+          </a:stretch>
+        </p:blipFill>
+        <p:spPr>
+          <a:xfrm>
+            <a:off x="917520" y="2204864"/>
+            <a:ext cx="10353783" cy="3760242"/>
+          </a:xfrm>
+          <a:prstGeom prst="rect">
+            <a:avLst/>
+          </a:prstGeom>
+        </p:spPr>
+      </p:pic>
+    </p:spTree>
+    <p:extLst>
+      <p:ext uri="{BB962C8B-B14F-4D97-AF65-F5344CB8AC3E}">
+        <p14:creationId xmlns:p14="http://schemas.microsoft.com/office/powerpoint/2010/main" val="2216257602"/>
+      </p:ext>
+    </p:extLst>
+  </p:cSld>
+  <p:clrMapOvr>
+    <a:masterClrMapping/>
+  </p:clrMapOvr>
+</p:sld>
+</file>
+
+<file path=ppt/slides/slide3.xml><?xml version="1.0" encoding="utf-8"?>
+<p:sld xmlns:a="http://schemas.openxmlformats.org/drawingml/2006/main" xmlns:r="http://schemas.openxmlformats.org/officeDocument/2006/relationships" xmlns:p="http://schemas.openxmlformats.org/presentationml/2006/main">
+  <p:cSld>
+    <p:spTree>
+      <p:nvGrpSpPr>
+        <p:cNvPr id="1" name=""/>
+        <p:cNvGrpSpPr/>
+        <p:nvPr/>
+      </p:nvGrpSpPr>
+      <p:grpSpPr>
+        <a:xfrm>
+          <a:off x="0" y="0"/>
+          <a:ext cx="0" cy="0"/>
+          <a:chOff x="0" y="0"/>
+          <a:chExt cx="0" cy="0"/>
+        </a:xfrm>
+      </p:grpSpPr>
+      <p:sp>
+        <p:nvSpPr>
+          <p:cNvPr id="13" name="Título 12"/>
           <p:cNvSpPr>
             <a:spLocks noGrp="1"/>
           </p:cNvSpPr>
@@ -7025,14 +7325,20 @@
             <a:pPr rtl="0"/>
             <a:r>
               <a:rPr lang="es-ES" dirty="0"/>
-              <a:t>Apps Nativas</a:t>
-            </a:r>
-          </a:p>
-        </p:txBody>
-      </p:sp>
-      <p:sp>
-        <p:nvSpPr>
-          <p:cNvPr id="3" name="Marcador de posición de contenido 2"/>
+              <a:t>¿Cómo funciona una base de datos no relacional o no SQL?</a:t>
+            </a:r>
+          </a:p>
+        </p:txBody>
+      </p:sp>
+      <p:sp>
+        <p:nvSpPr>
+          <p:cNvPr id="4" name="Marcador de contenido 3">
+            <a:extLst>
+              <a:ext uri="{FF2B5EF4-FFF2-40B4-BE49-F238E27FC236}">
+                <a16:creationId xmlns:a16="http://schemas.microsoft.com/office/drawing/2014/main" id="{233D2D9D-9738-4FDB-A7DB-B952649D518D}"/>
+              </a:ext>
+            </a:extLst>
+          </p:cNvPr>
           <p:cNvSpPr>
             <a:spLocks noGrp="1"/>
           </p:cNvSpPr>
@@ -7042,51 +7348,39 @@
         </p:nvSpPr>
         <p:spPr>
           <a:xfrm>
-            <a:off x="765820" y="1143000"/>
-            <a:ext cx="6094413" cy="4572000"/>
+            <a:off x="477788" y="3014126"/>
+            <a:ext cx="6210020" cy="2137400"/>
           </a:xfrm>
         </p:spPr>
         <p:txBody>
-          <a:bodyPr rtlCol="0">
-            <a:normAutofit fontScale="92500" lnSpcReduction="10000"/>
-          </a:bodyPr>
+          <a:bodyPr/>
           <a:lstStyle/>
           <a:p>
-            <a:pPr algn="just"/>
-            <a:r>
-              <a:rPr lang="es-ES" dirty="0"/>
-              <a:t>Se desarrolla de manera específica para una plataforma sea Android, iOS, Windows, requiere de varias aplicaciones en dado caso que se desee hacerla para cada plataforma.</a:t>
-            </a:r>
-          </a:p>
-          <a:p>
-            <a:pPr algn="just"/>
-            <a:r>
-              <a:rPr lang="es-ES" dirty="0"/>
-              <a:t>En Apple se desarrolla en Swift o en Objective C</a:t>
-            </a:r>
-          </a:p>
-          <a:p>
-            <a:pPr algn="just"/>
-            <a:r>
-              <a:rPr lang="es-ES" dirty="0"/>
-              <a:t>En Android se desarrolla en Kotlin o en java</a:t>
-            </a:r>
-          </a:p>
-          <a:p>
-            <a:pPr algn="just"/>
-            <a:r>
-              <a:rPr lang="es-ES" dirty="0"/>
-              <a:t>En Windows se desarrolla en Visual Basic, Visual C#</a:t>
+            <a:pPr marL="0" indent="0" algn="just">
+              <a:buNone/>
+            </a:pPr>
+            <a:r>
+              <a:rPr lang="es-CO" dirty="0"/>
+              <a:t>Utilizan una gran variedad de modelos de datos para acceder y administrar datos.</a:t>
+            </a:r>
+          </a:p>
+          <a:p>
+            <a:pPr marL="0" indent="0" algn="just">
+              <a:buNone/>
+            </a:pPr>
+            <a:r>
+              <a:rPr lang="es-CO" dirty="0"/>
+              <a:t>Están optimizadas específicamente para aplicaciones que requieren grandes volúmenes de datos, baja latencia y modelos de datos flexibles.</a:t>
             </a:r>
           </a:p>
         </p:txBody>
       </p:sp>
       <p:pic>
         <p:nvPicPr>
-          <p:cNvPr id="2050" name="Picture 2" descr="Resultado de imagen para ANDROID STUDIO">
+          <p:cNvPr id="2050" name="Picture 2" descr="Resultado de imagen para bases de datos nosql">
             <a:extLst>
               <a:ext uri="{FF2B5EF4-FFF2-40B4-BE49-F238E27FC236}">
-                <a16:creationId xmlns:a16="http://schemas.microsoft.com/office/drawing/2014/main" id="{6DBDC898-EC7B-49F5-85D7-4998E152642E}"/>
+                <a16:creationId xmlns:a16="http://schemas.microsoft.com/office/drawing/2014/main" id="{7E93F916-DEC4-4740-9E4D-D47BE8362C24}"/>
               </a:ext>
             </a:extLst>
           </p:cNvPr>
@@ -7110,8 +7404,8 @@
         </p:blipFill>
         <p:spPr bwMode="auto">
           <a:xfrm>
-            <a:off x="7807328" y="2971800"/>
-            <a:ext cx="2143124" cy="914400"/>
+            <a:off x="6958508" y="2360728"/>
+            <a:ext cx="5028827" cy="2942399"/>
           </a:xfrm>
           <a:prstGeom prst="rect">
             <a:avLst/>
@@ -7128,12 +7422,519 @@
           </a:extLst>
         </p:spPr>
       </p:pic>
+    </p:spTree>
+    <p:extLst>
+      <p:ext uri="{BB962C8B-B14F-4D97-AF65-F5344CB8AC3E}">
+        <p14:creationId xmlns:p14="http://schemas.microsoft.com/office/powerpoint/2010/main" val="1275171374"/>
+      </p:ext>
+    </p:extLst>
+  </p:cSld>
+  <p:clrMapOvr>
+    <a:masterClrMapping/>
+  </p:clrMapOvr>
+  <mc:AlternateContent xmlns:mc="http://schemas.openxmlformats.org/markup-compatibility/2006" xmlns:p14="http://schemas.microsoft.com/office/powerpoint/2010/main">
+    <mc:Choice Requires="p14">
+      <p:transition spd="med" p14:dur="700">
+        <p:fade/>
+      </p:transition>
+    </mc:Choice>
+    <mc:Fallback xmlns="">
+      <p:transition spd="med">
+        <p:fade/>
+      </p:transition>
+    </mc:Fallback>
+  </mc:AlternateContent>
+</p:sld>
+</file>
+
+<file path=ppt/slides/slide30.xml><?xml version="1.0" encoding="utf-8"?>
+<p:sld xmlns:a="http://schemas.openxmlformats.org/drawingml/2006/main" xmlns:r="http://schemas.openxmlformats.org/officeDocument/2006/relationships" xmlns:p="http://schemas.openxmlformats.org/presentationml/2006/main">
+  <p:cSld>
+    <p:spTree>
+      <p:nvGrpSpPr>
+        <p:cNvPr id="1" name=""/>
+        <p:cNvGrpSpPr/>
+        <p:nvPr/>
+      </p:nvGrpSpPr>
+      <p:grpSpPr>
+        <a:xfrm>
+          <a:off x="0" y="0"/>
+          <a:ext cx="0" cy="0"/>
+          <a:chOff x="0" y="0"/>
+          <a:chExt cx="0" cy="0"/>
+        </a:xfrm>
+      </p:grpSpPr>
+      <p:sp>
+        <p:nvSpPr>
+          <p:cNvPr id="2" name="Título 1"/>
+          <p:cNvSpPr>
+            <a:spLocks noGrp="1"/>
+          </p:cNvSpPr>
+          <p:nvPr>
+            <p:ph type="title"/>
+          </p:nvPr>
+        </p:nvSpPr>
+        <p:spPr/>
+        <p:txBody>
+          <a:bodyPr rtlCol="0"/>
+          <a:lstStyle/>
+          <a:p>
+            <a:pPr rtl="0"/>
+            <a:r>
+              <a:rPr lang="es-ES" dirty="0"/>
+              <a:t>Bibliografía</a:t>
+            </a:r>
+          </a:p>
+        </p:txBody>
+      </p:sp>
+      <p:sp>
+        <p:nvSpPr>
+          <p:cNvPr id="3" name="Marcador de posición de contenido 2"/>
+          <p:cNvSpPr>
+            <a:spLocks noGrp="1"/>
+          </p:cNvSpPr>
+          <p:nvPr>
+            <p:ph idx="1"/>
+          </p:nvPr>
+        </p:nvSpPr>
+        <p:spPr/>
+        <p:txBody>
+          <a:bodyPr rtlCol="0">
+            <a:normAutofit fontScale="92500" lnSpcReduction="10000"/>
+          </a:bodyPr>
+          <a:lstStyle/>
+          <a:p>
+            <a:r>
+              <a:rPr lang="es-ES" dirty="0">
+                <a:hlinkClick r:id="rId2"/>
+              </a:rPr>
+              <a:t>https://aws.amazon.com/es/nosql/</a:t>
+            </a:r>
+            <a:endParaRPr lang="es-ES" dirty="0"/>
+          </a:p>
+          <a:p>
+            <a:r>
+              <a:rPr lang="es-ES" dirty="0">
+                <a:hlinkClick r:id="rId3"/>
+              </a:rPr>
+              <a:t>https://firebase.google.com/docs/database/?hl=es-419</a:t>
+            </a:r>
+            <a:endParaRPr lang="es-ES" dirty="0"/>
+          </a:p>
+          <a:p>
+            <a:r>
+              <a:rPr lang="es-ES" dirty="0">
+                <a:hlinkClick r:id="rId4"/>
+              </a:rPr>
+              <a:t>https://openwebinars.net/blog/que-es-firebase-de-google/</a:t>
+            </a:r>
+            <a:endParaRPr lang="es-ES" dirty="0"/>
+          </a:p>
+          <a:p>
+            <a:r>
+              <a:rPr lang="es-ES" dirty="0">
+                <a:hlinkClick r:id="rId5"/>
+              </a:rPr>
+              <a:t>https://blog.pandorafms.org/es/bases-de-datos-nosql/</a:t>
+            </a:r>
+            <a:endParaRPr lang="es-ES" dirty="0"/>
+          </a:p>
+          <a:p>
+            <a:r>
+              <a:rPr lang="es-ES" dirty="0">
+                <a:hlinkClick r:id="rId6"/>
+              </a:rPr>
+              <a:t>https://www.genbeta.com/desarrollo/el-concepto-nosql-o-como-almacenar-tus-datos-en-una-base-de-datos-no-relacional</a:t>
+            </a:r>
+            <a:endParaRPr lang="es-ES" dirty="0"/>
+          </a:p>
+          <a:p>
+            <a:endParaRPr lang="es-ES" dirty="0"/>
+          </a:p>
+          <a:p>
+            <a:endParaRPr lang="es-ES" dirty="0"/>
+          </a:p>
+        </p:txBody>
+      </p:sp>
+    </p:spTree>
+    <p:extLst>
+      <p:ext uri="{BB962C8B-B14F-4D97-AF65-F5344CB8AC3E}">
+        <p14:creationId xmlns:p14="http://schemas.microsoft.com/office/powerpoint/2010/main" val="2765137111"/>
+      </p:ext>
+    </p:extLst>
+  </p:cSld>
+  <p:clrMapOvr>
+    <a:masterClrMapping/>
+  </p:clrMapOvr>
+  <mc:AlternateContent xmlns:mc="http://schemas.openxmlformats.org/markup-compatibility/2006" xmlns:p14="http://schemas.microsoft.com/office/powerpoint/2010/main">
+    <mc:Choice Requires="p14">
+      <p:transition spd="med" p14:dur="700">
+        <p:fade/>
+      </p:transition>
+    </mc:Choice>
+    <mc:Fallback xmlns="">
+      <p:transition spd="med">
+        <p:fade/>
+      </p:transition>
+    </mc:Fallback>
+  </mc:AlternateContent>
+</p:sld>
+</file>
+
+<file path=ppt/slides/slide4.xml><?xml version="1.0" encoding="utf-8"?>
+<p:sld xmlns:a="http://schemas.openxmlformats.org/drawingml/2006/main" xmlns:r="http://schemas.openxmlformats.org/officeDocument/2006/relationships" xmlns:p="http://schemas.openxmlformats.org/presentationml/2006/main">
+  <p:cSld>
+    <p:spTree>
+      <p:nvGrpSpPr>
+        <p:cNvPr id="1" name=""/>
+        <p:cNvGrpSpPr/>
+        <p:nvPr/>
+      </p:nvGrpSpPr>
+      <p:grpSpPr>
+        <a:xfrm>
+          <a:off x="0" y="0"/>
+          <a:ext cx="0" cy="0"/>
+          <a:chOff x="0" y="0"/>
+          <a:chExt cx="0" cy="0"/>
+        </a:xfrm>
+      </p:grpSpPr>
+      <p:sp>
+        <p:nvSpPr>
+          <p:cNvPr id="2" name="Título 1">
+            <a:extLst>
+              <a:ext uri="{FF2B5EF4-FFF2-40B4-BE49-F238E27FC236}">
+                <a16:creationId xmlns:a16="http://schemas.microsoft.com/office/drawing/2014/main" id="{7D05BC79-884D-43C0-89E4-7CB484E9C188}"/>
+              </a:ext>
+            </a:extLst>
+          </p:cNvPr>
+          <p:cNvSpPr>
+            <a:spLocks noGrp="1"/>
+          </p:cNvSpPr>
+          <p:nvPr>
+            <p:ph type="title"/>
+          </p:nvPr>
+        </p:nvSpPr>
+        <p:spPr/>
+        <p:txBody>
+          <a:bodyPr/>
+          <a:lstStyle/>
+          <a:p>
+            <a:r>
+              <a:rPr lang="es-CO" dirty="0"/>
+              <a:t>¿Porqué usar una base de datos NoSQL?</a:t>
+            </a:r>
+          </a:p>
+        </p:txBody>
+      </p:sp>
+      <p:sp>
+        <p:nvSpPr>
+          <p:cNvPr id="4" name="Rectángulo 3">
+            <a:extLst>
+              <a:ext uri="{FF2B5EF4-FFF2-40B4-BE49-F238E27FC236}">
+                <a16:creationId xmlns:a16="http://schemas.microsoft.com/office/drawing/2014/main" id="{206E94F3-FF79-4956-BBB0-164010B0F8EB}"/>
+              </a:ext>
+            </a:extLst>
+          </p:cNvPr>
+          <p:cNvSpPr/>
+          <p:nvPr/>
+        </p:nvSpPr>
+        <p:spPr>
+          <a:xfrm>
+            <a:off x="261764" y="2708920"/>
+            <a:ext cx="2520279" cy="720080"/>
+          </a:xfrm>
+          <a:prstGeom prst="rect">
+            <a:avLst/>
+          </a:prstGeom>
+        </p:spPr>
+        <p:style>
+          <a:lnRef idx="2">
+            <a:schemeClr val="accent1">
+              <a:shade val="50000"/>
+            </a:schemeClr>
+          </a:lnRef>
+          <a:fillRef idx="1">
+            <a:schemeClr val="accent1"/>
+          </a:fillRef>
+          <a:effectRef idx="0">
+            <a:schemeClr val="accent1"/>
+          </a:effectRef>
+          <a:fontRef idx="minor">
+            <a:schemeClr val="lt1"/>
+          </a:fontRef>
+        </p:style>
+        <p:txBody>
+          <a:bodyPr rtlCol="0" anchor="ctr"/>
+          <a:lstStyle/>
+          <a:p>
+            <a:pPr algn="ctr"/>
+            <a:r>
+              <a:rPr lang="es-CO" sz="3200" b="1" dirty="0"/>
+              <a:t>Flexibilidad</a:t>
+            </a:r>
+          </a:p>
+        </p:txBody>
+      </p:sp>
+      <p:sp>
+        <p:nvSpPr>
+          <p:cNvPr id="19" name="Rectángulo 18">
+            <a:extLst>
+              <a:ext uri="{FF2B5EF4-FFF2-40B4-BE49-F238E27FC236}">
+                <a16:creationId xmlns:a16="http://schemas.microsoft.com/office/drawing/2014/main" id="{39D49ECD-6157-4E07-9D20-382AC8C180B4}"/>
+              </a:ext>
+            </a:extLst>
+          </p:cNvPr>
+          <p:cNvSpPr/>
+          <p:nvPr/>
+        </p:nvSpPr>
+        <p:spPr>
+          <a:xfrm>
+            <a:off x="2793463" y="4509120"/>
+            <a:ext cx="2520279" cy="720080"/>
+          </a:xfrm>
+          <a:prstGeom prst="rect">
+            <a:avLst/>
+          </a:prstGeom>
+        </p:spPr>
+        <p:style>
+          <a:lnRef idx="2">
+            <a:schemeClr val="accent1">
+              <a:shade val="50000"/>
+            </a:schemeClr>
+          </a:lnRef>
+          <a:fillRef idx="1">
+            <a:schemeClr val="accent1"/>
+          </a:fillRef>
+          <a:effectRef idx="0">
+            <a:schemeClr val="accent1"/>
+          </a:effectRef>
+          <a:fontRef idx="minor">
+            <a:schemeClr val="lt1"/>
+          </a:fontRef>
+        </p:style>
+        <p:txBody>
+          <a:bodyPr rtlCol="0" anchor="ctr"/>
+          <a:lstStyle/>
+          <a:p>
+            <a:pPr algn="ctr"/>
+            <a:r>
+              <a:rPr lang="es-CO" sz="3200" b="1" dirty="0"/>
+              <a:t>Escalabilidad</a:t>
+            </a:r>
+          </a:p>
+        </p:txBody>
+      </p:sp>
+      <p:sp>
+        <p:nvSpPr>
+          <p:cNvPr id="20" name="Rectángulo 19">
+            <a:extLst>
+              <a:ext uri="{FF2B5EF4-FFF2-40B4-BE49-F238E27FC236}">
+                <a16:creationId xmlns:a16="http://schemas.microsoft.com/office/drawing/2014/main" id="{69AE39B8-0517-49A7-8C5B-70F5F22E752B}"/>
+              </a:ext>
+            </a:extLst>
+          </p:cNvPr>
+          <p:cNvSpPr/>
+          <p:nvPr/>
+        </p:nvSpPr>
+        <p:spPr>
+          <a:xfrm>
+            <a:off x="5518348" y="2708920"/>
+            <a:ext cx="2520279" cy="864096"/>
+          </a:xfrm>
+          <a:prstGeom prst="rect">
+            <a:avLst/>
+          </a:prstGeom>
+        </p:spPr>
+        <p:style>
+          <a:lnRef idx="2">
+            <a:schemeClr val="accent1">
+              <a:shade val="50000"/>
+            </a:schemeClr>
+          </a:lnRef>
+          <a:fillRef idx="1">
+            <a:schemeClr val="accent1"/>
+          </a:fillRef>
+          <a:effectRef idx="0">
+            <a:schemeClr val="accent1"/>
+          </a:effectRef>
+          <a:fontRef idx="minor">
+            <a:schemeClr val="lt1"/>
+          </a:fontRef>
+        </p:style>
+        <p:txBody>
+          <a:bodyPr rtlCol="0" anchor="ctr"/>
+          <a:lstStyle/>
+          <a:p>
+            <a:pPr algn="ctr"/>
+            <a:r>
+              <a:rPr lang="es-CO" sz="3200" b="1" dirty="0"/>
+              <a:t>Alto desempeño</a:t>
+            </a:r>
+          </a:p>
+        </p:txBody>
+      </p:sp>
+      <p:sp>
+        <p:nvSpPr>
+          <p:cNvPr id="21" name="Rectángulo 20">
+            <a:extLst>
+              <a:ext uri="{FF2B5EF4-FFF2-40B4-BE49-F238E27FC236}">
+                <a16:creationId xmlns:a16="http://schemas.microsoft.com/office/drawing/2014/main" id="{C995E87E-CCA2-4C4E-89E9-1B3C8340AA7C}"/>
+              </a:ext>
+            </a:extLst>
+          </p:cNvPr>
+          <p:cNvSpPr/>
+          <p:nvPr/>
+        </p:nvSpPr>
+        <p:spPr>
+          <a:xfrm>
+            <a:off x="8398668" y="4500230"/>
+            <a:ext cx="2520279" cy="1017002"/>
+          </a:xfrm>
+          <a:prstGeom prst="rect">
+            <a:avLst/>
+          </a:prstGeom>
+        </p:spPr>
+        <p:style>
+          <a:lnRef idx="2">
+            <a:schemeClr val="accent1">
+              <a:shade val="50000"/>
+            </a:schemeClr>
+          </a:lnRef>
+          <a:fillRef idx="1">
+            <a:schemeClr val="accent1"/>
+          </a:fillRef>
+          <a:effectRef idx="0">
+            <a:schemeClr val="accent1"/>
+          </a:effectRef>
+          <a:fontRef idx="minor">
+            <a:schemeClr val="lt1"/>
+          </a:fontRef>
+        </p:style>
+        <p:txBody>
+          <a:bodyPr rtlCol="0" anchor="ctr"/>
+          <a:lstStyle/>
+          <a:p>
+            <a:pPr algn="ctr"/>
+            <a:r>
+              <a:rPr lang="es-CO" sz="3200" b="1" dirty="0"/>
+              <a:t>Altamente funcional</a:t>
+            </a:r>
+          </a:p>
+        </p:txBody>
+      </p:sp>
+    </p:spTree>
+    <p:extLst>
+      <p:ext uri="{BB962C8B-B14F-4D97-AF65-F5344CB8AC3E}">
+        <p14:creationId xmlns:p14="http://schemas.microsoft.com/office/powerpoint/2010/main" val="1663322212"/>
+      </p:ext>
+    </p:extLst>
+  </p:cSld>
+  <p:clrMapOvr>
+    <a:masterClrMapping/>
+  </p:clrMapOvr>
+</p:sld>
+</file>
+
+<file path=ppt/slides/slide5.xml><?xml version="1.0" encoding="utf-8"?>
+<p:sld xmlns:a="http://schemas.openxmlformats.org/drawingml/2006/main" xmlns:r="http://schemas.openxmlformats.org/officeDocument/2006/relationships" xmlns:p="http://schemas.openxmlformats.org/presentationml/2006/main">
+  <p:cSld>
+    <p:spTree>
+      <p:nvGrpSpPr>
+        <p:cNvPr id="1" name=""/>
+        <p:cNvGrpSpPr/>
+        <p:nvPr/>
+      </p:nvGrpSpPr>
+      <p:grpSpPr>
+        <a:xfrm>
+          <a:off x="0" y="0"/>
+          <a:ext cx="0" cy="0"/>
+          <a:chOff x="0" y="0"/>
+          <a:chExt cx="0" cy="0"/>
+        </a:xfrm>
+      </p:grpSpPr>
+      <p:sp>
+        <p:nvSpPr>
+          <p:cNvPr id="2" name="Título 1"/>
+          <p:cNvSpPr>
+            <a:spLocks noGrp="1"/>
+          </p:cNvSpPr>
+          <p:nvPr>
+            <p:ph type="title"/>
+          </p:nvPr>
+        </p:nvSpPr>
+        <p:spPr>
+          <a:xfrm>
+            <a:off x="8303124" y="1340768"/>
+            <a:ext cx="3382399" cy="1920240"/>
+          </a:xfrm>
+        </p:spPr>
+        <p:txBody>
+          <a:bodyPr rtlCol="0"/>
+          <a:lstStyle/>
+          <a:p>
+            <a:pPr rtl="0"/>
+            <a:r>
+              <a:rPr lang="es-ES" dirty="0"/>
+              <a:t>Tipos de Bases de Datos No SQL</a:t>
+            </a:r>
+          </a:p>
+        </p:txBody>
+      </p:sp>
+      <p:sp>
+        <p:nvSpPr>
+          <p:cNvPr id="3" name="Marcador de posición de contenido 2"/>
+          <p:cNvSpPr>
+            <a:spLocks noGrp="1"/>
+          </p:cNvSpPr>
+          <p:nvPr>
+            <p:ph idx="1"/>
+          </p:nvPr>
+        </p:nvSpPr>
+        <p:spPr>
+          <a:xfrm>
+            <a:off x="727652" y="1556792"/>
+            <a:ext cx="6094413" cy="4572000"/>
+          </a:xfrm>
+        </p:spPr>
+        <p:txBody>
+          <a:bodyPr rtlCol="0">
+            <a:normAutofit/>
+          </a:bodyPr>
+          <a:lstStyle/>
+          <a:p>
+            <a:pPr algn="just"/>
+            <a:r>
+              <a:rPr lang="es-ES" dirty="0"/>
+              <a:t>Clave-valor: Son altamente divisibles y permiten escalado horizontal, se usa en los juegos, tecnología publicitaria e </a:t>
+            </a:r>
+            <a:r>
+              <a:rPr lang="es-ES" dirty="0" err="1"/>
+              <a:t>iOT</a:t>
+            </a:r>
+            <a:r>
+              <a:rPr lang="es-ES" dirty="0"/>
+              <a:t>.</a:t>
+            </a:r>
+          </a:p>
+          <a:p>
+            <a:pPr algn="just"/>
+            <a:r>
+              <a:rPr lang="es-ES" dirty="0"/>
+              <a:t>Documento: Los datos se representan como un documento JSON ya que es más intuitiva al abstraer información.</a:t>
+            </a:r>
+          </a:p>
+          <a:p>
+            <a:pPr algn="just"/>
+            <a:endParaRPr lang="es-ES" dirty="0"/>
+          </a:p>
+        </p:txBody>
+      </p:sp>
       <p:pic>
         <p:nvPicPr>
-          <p:cNvPr id="2052" name="Picture 4" descr="Resultado de imagen para xcode">
+          <p:cNvPr id="3076" name="Picture 4" descr="Resultado de imagen para bases de datos nosql">
             <a:extLst>
               <a:ext uri="{FF2B5EF4-FFF2-40B4-BE49-F238E27FC236}">
-                <a16:creationId xmlns:a16="http://schemas.microsoft.com/office/drawing/2014/main" id="{E269BB20-D8BF-4A31-82F8-26499694F90B}"/>
+                <a16:creationId xmlns:a16="http://schemas.microsoft.com/office/drawing/2014/main" id="{86FB7B12-4B70-4C6C-AB06-075DE19D7617}"/>
               </a:ext>
             </a:extLst>
           </p:cNvPr>
@@ -7143,7 +7944,7 @@
           <p:nvPr/>
         </p:nvPicPr>
         <p:blipFill>
-          <a:blip r:embed="rId3" cstate="print">
+          <a:blip r:embed="rId2">
             <a:extLst>
               <a:ext uri="{28A0092B-C50C-407E-A947-70E740481C1C}">
                 <a14:useLocalDpi xmlns:a14="http://schemas.microsoft.com/office/drawing/2010/main" val="0"/>
@@ -7157,55 +7958,8 @@
         </p:blipFill>
         <p:spPr bwMode="auto">
           <a:xfrm>
-            <a:off x="10270876" y="2682734"/>
-            <a:ext cx="1492531" cy="1492531"/>
-          </a:xfrm>
-          <a:prstGeom prst="rect">
-            <a:avLst/>
-          </a:prstGeom>
-          <a:noFill/>
-          <a:extLst>
-            <a:ext uri="{909E8E84-426E-40DD-AFC4-6F175D3DCCD1}">
-              <a14:hiddenFill xmlns:a14="http://schemas.microsoft.com/office/drawing/2010/main">
-                <a:solidFill>
-                  <a:srgbClr val="FFFFFF"/>
-                </a:solidFill>
-              </a14:hiddenFill>
-            </a:ext>
-          </a:extLst>
-        </p:spPr>
-      </p:pic>
-      <p:pic>
-        <p:nvPicPr>
-          <p:cNvPr id="2054" name="Picture 6" descr="Resultado de imagen para visual studio">
-            <a:extLst>
-              <a:ext uri="{FF2B5EF4-FFF2-40B4-BE49-F238E27FC236}">
-                <a16:creationId xmlns:a16="http://schemas.microsoft.com/office/drawing/2014/main" id="{24FF35C0-B727-48F5-AEE3-98F238F61E1E}"/>
-              </a:ext>
-            </a:extLst>
-          </p:cNvPr>
-          <p:cNvPicPr>
-            <a:picLocks noChangeAspect="1" noChangeArrowheads="1"/>
-          </p:cNvPicPr>
-          <p:nvPr/>
-        </p:nvPicPr>
-        <p:blipFill>
-          <a:blip r:embed="rId4" cstate="print">
-            <a:extLst>
-              <a:ext uri="{28A0092B-C50C-407E-A947-70E740481C1C}">
-                <a14:useLocalDpi xmlns:a14="http://schemas.microsoft.com/office/drawing/2010/main" val="0"/>
-              </a:ext>
-            </a:extLst>
-          </a:blip>
-          <a:srcRect/>
-          <a:stretch>
-            <a:fillRect/>
-          </a:stretch>
-        </p:blipFill>
-        <p:spPr bwMode="auto">
-          <a:xfrm>
-            <a:off x="9262764" y="4179593"/>
-            <a:ext cx="1159971" cy="1199410"/>
+            <a:off x="8527473" y="3429000"/>
+            <a:ext cx="2933700" cy="1552575"/>
           </a:xfrm>
           <a:prstGeom prst="rect">
             <a:avLst/>
@@ -7247,314 +8001,6 @@
 </p:sld>
 </file>
 
-<file path=ppt/slides/slide5.xml><?xml version="1.0" encoding="utf-8"?>
-<p:sld xmlns:a="http://schemas.openxmlformats.org/drawingml/2006/main" xmlns:r="http://schemas.openxmlformats.org/officeDocument/2006/relationships" xmlns:p="http://schemas.openxmlformats.org/presentationml/2006/main">
-  <p:cSld>
-    <p:spTree>
-      <p:nvGrpSpPr>
-        <p:cNvPr id="1" name=""/>
-        <p:cNvGrpSpPr/>
-        <p:nvPr/>
-      </p:nvGrpSpPr>
-      <p:grpSpPr>
-        <a:xfrm>
-          <a:off x="0" y="0"/>
-          <a:ext cx="0" cy="0"/>
-          <a:chOff x="0" y="0"/>
-          <a:chExt cx="0" cy="0"/>
-        </a:xfrm>
-      </p:grpSpPr>
-      <p:sp>
-        <p:nvSpPr>
-          <p:cNvPr id="2" name="Título 1"/>
-          <p:cNvSpPr>
-            <a:spLocks noGrp="1"/>
-          </p:cNvSpPr>
-          <p:nvPr>
-            <p:ph type="title"/>
-          </p:nvPr>
-        </p:nvSpPr>
-        <p:spPr/>
-        <p:txBody>
-          <a:bodyPr rtlCol="0"/>
-          <a:lstStyle/>
-          <a:p>
-            <a:pPr rtl="0"/>
-            <a:r>
-              <a:rPr lang="es-ES" dirty="0"/>
-              <a:t>Ventajas y Desventajas de las apps Nativas</a:t>
-            </a:r>
-          </a:p>
-        </p:txBody>
-      </p:sp>
-      <p:pic>
-        <p:nvPicPr>
-          <p:cNvPr id="6" name="Imagen 5">
-            <a:extLst>
-              <a:ext uri="{FF2B5EF4-FFF2-40B4-BE49-F238E27FC236}">
-                <a16:creationId xmlns:a16="http://schemas.microsoft.com/office/drawing/2014/main" id="{492ABF9C-E36D-49C4-9D78-D8111E0A2DC1}"/>
-              </a:ext>
-            </a:extLst>
-          </p:cNvPr>
-          <p:cNvPicPr>
-            <a:picLocks noChangeAspect="1"/>
-          </p:cNvPicPr>
-          <p:nvPr/>
-        </p:nvPicPr>
-        <p:blipFill>
-          <a:blip r:embed="rId2">
-            <a:duotone>
-              <a:schemeClr val="accent1">
-                <a:shade val="45000"/>
-                <a:satMod val="135000"/>
-              </a:schemeClr>
-              <a:prstClr val="white"/>
-            </a:duotone>
-          </a:blip>
-          <a:stretch>
-            <a:fillRect/>
-          </a:stretch>
-        </p:blipFill>
-        <p:spPr>
-          <a:xfrm>
-            <a:off x="271716" y="683933"/>
-            <a:ext cx="7315712" cy="3152750"/>
-          </a:xfrm>
-          <a:prstGeom prst="rect">
-            <a:avLst/>
-          </a:prstGeom>
-        </p:spPr>
-      </p:pic>
-      <p:sp>
-        <p:nvSpPr>
-          <p:cNvPr id="10" name="Marcador de posición de contenido 2">
-            <a:extLst>
-              <a:ext uri="{FF2B5EF4-FFF2-40B4-BE49-F238E27FC236}">
-                <a16:creationId xmlns:a16="http://schemas.microsoft.com/office/drawing/2014/main" id="{4152F00F-2414-46BD-8197-86A2102885B7}"/>
-              </a:ext>
-            </a:extLst>
-          </p:cNvPr>
-          <p:cNvSpPr>
-            <a:spLocks noGrp="1"/>
-          </p:cNvSpPr>
-          <p:nvPr>
-            <p:ph idx="1"/>
-          </p:nvPr>
-        </p:nvSpPr>
-        <p:spPr>
-          <a:xfrm>
-            <a:off x="477788" y="4149080"/>
-            <a:ext cx="6552728" cy="2198415"/>
-          </a:xfrm>
-        </p:spPr>
-        <p:txBody>
-          <a:bodyPr rtlCol="0">
-            <a:normAutofit fontScale="92500" lnSpcReduction="20000"/>
-          </a:bodyPr>
-          <a:lstStyle/>
-          <a:p>
-            <a:pPr algn="just"/>
-            <a:r>
-              <a:rPr lang="es-ES" sz="1800" dirty="0"/>
-              <a:t>En temas de Costos, si una empresa requiere de hacer una app para cada plataforma, debe costear costos a los desarrolladores para cada plataforma.</a:t>
-            </a:r>
-          </a:p>
-          <a:p>
-            <a:pPr algn="just"/>
-            <a:r>
-              <a:rPr lang="es-ES" sz="1800" dirty="0"/>
-              <a:t>En temas de Tiempo Requiere de mayor dedicación debido a la diferencia de las plataformas.</a:t>
-            </a:r>
-          </a:p>
-          <a:p>
-            <a:pPr algn="just"/>
-            <a:r>
-              <a:rPr lang="es-ES" sz="1800" dirty="0"/>
-              <a:t>En funcionamiento y optimización están mucho mejor evaluadas, pero el peso de dichas apps es mayor en comparación.</a:t>
-            </a:r>
-          </a:p>
-          <a:p>
-            <a:pPr algn="just"/>
-            <a:r>
-              <a:rPr lang="es-ES" sz="1800" dirty="0"/>
-              <a:t>Necesitan de ser subidas a las tiendas específicas y requieren ser instaladas</a:t>
-            </a:r>
-          </a:p>
-          <a:p>
-            <a:pPr algn="just"/>
-            <a:endParaRPr lang="es-ES" sz="1800" dirty="0"/>
-          </a:p>
-        </p:txBody>
-      </p:sp>
-      <p:sp>
-        <p:nvSpPr>
-          <p:cNvPr id="11" name="Rectángulo 10">
-            <a:extLst>
-              <a:ext uri="{FF2B5EF4-FFF2-40B4-BE49-F238E27FC236}">
-                <a16:creationId xmlns:a16="http://schemas.microsoft.com/office/drawing/2014/main" id="{82F9045E-2FA5-4E12-A030-02C544CB3A6A}"/>
-              </a:ext>
-            </a:extLst>
-          </p:cNvPr>
-          <p:cNvSpPr/>
-          <p:nvPr/>
-        </p:nvSpPr>
-        <p:spPr>
-          <a:xfrm>
-            <a:off x="7966620" y="3836683"/>
-            <a:ext cx="1008111" cy="864096"/>
-          </a:xfrm>
-          <a:prstGeom prst="rect">
-            <a:avLst/>
-          </a:prstGeom>
-        </p:spPr>
-        <p:style>
-          <a:lnRef idx="1">
-            <a:schemeClr val="accent1"/>
-          </a:lnRef>
-          <a:fillRef idx="2">
-            <a:schemeClr val="accent1"/>
-          </a:fillRef>
-          <a:effectRef idx="1">
-            <a:schemeClr val="accent1"/>
-          </a:effectRef>
-          <a:fontRef idx="minor">
-            <a:schemeClr val="dk1"/>
-          </a:fontRef>
-        </p:style>
-        <p:txBody>
-          <a:bodyPr rtlCol="0" anchor="ctr"/>
-          <a:lstStyle/>
-          <a:p>
-            <a:pPr algn="ctr"/>
-            <a:r>
-              <a:rPr lang="es-CO" sz="4000" b="1" dirty="0"/>
-              <a:t>S.O</a:t>
-            </a:r>
-          </a:p>
-        </p:txBody>
-      </p:sp>
-      <p:sp>
-        <p:nvSpPr>
-          <p:cNvPr id="12" name="Rectángulo 11">
-            <a:extLst>
-              <a:ext uri="{FF2B5EF4-FFF2-40B4-BE49-F238E27FC236}">
-                <a16:creationId xmlns:a16="http://schemas.microsoft.com/office/drawing/2014/main" id="{A9C39D0A-5CE5-4D47-924C-41C3918DA4C4}"/>
-              </a:ext>
-            </a:extLst>
-          </p:cNvPr>
-          <p:cNvSpPr/>
-          <p:nvPr/>
-        </p:nvSpPr>
-        <p:spPr>
-          <a:xfrm>
-            <a:off x="10270876" y="3836683"/>
-            <a:ext cx="1008111" cy="864096"/>
-          </a:xfrm>
-          <a:prstGeom prst="rect">
-            <a:avLst/>
-          </a:prstGeom>
-        </p:spPr>
-        <p:style>
-          <a:lnRef idx="1">
-            <a:schemeClr val="accent1"/>
-          </a:lnRef>
-          <a:fillRef idx="2">
-            <a:schemeClr val="accent1"/>
-          </a:fillRef>
-          <a:effectRef idx="1">
-            <a:schemeClr val="accent1"/>
-          </a:effectRef>
-          <a:fontRef idx="minor">
-            <a:schemeClr val="dk1"/>
-          </a:fontRef>
-        </p:style>
-        <p:txBody>
-          <a:bodyPr rtlCol="0" anchor="ctr"/>
-          <a:lstStyle/>
-          <a:p>
-            <a:pPr algn="ctr"/>
-            <a:r>
-              <a:rPr lang="es-CO" sz="1600" b="1" dirty="0"/>
-              <a:t>Aplicación </a:t>
-            </a:r>
-          </a:p>
-          <a:p>
-            <a:pPr algn="ctr"/>
-            <a:r>
-              <a:rPr lang="es-CO" sz="1600" b="1" dirty="0"/>
-              <a:t>Nativa</a:t>
-            </a:r>
-          </a:p>
-        </p:txBody>
-      </p:sp>
-      <p:cxnSp>
-        <p:nvCxnSpPr>
-          <p:cNvPr id="8" name="Conector recto de flecha 7">
-            <a:extLst>
-              <a:ext uri="{FF2B5EF4-FFF2-40B4-BE49-F238E27FC236}">
-                <a16:creationId xmlns:a16="http://schemas.microsoft.com/office/drawing/2014/main" id="{9A7932BF-A214-457A-80EA-CE5F41C9856A}"/>
-              </a:ext>
-            </a:extLst>
-          </p:cNvPr>
-          <p:cNvCxnSpPr>
-            <a:stCxn id="11" idx="3"/>
-            <a:endCxn id="12" idx="1"/>
-          </p:cNvCxnSpPr>
-          <p:nvPr/>
-        </p:nvCxnSpPr>
-        <p:spPr>
-          <a:xfrm>
-            <a:off x="8974731" y="4268731"/>
-            <a:ext cx="1296145" cy="0"/>
-          </a:xfrm>
-          <a:prstGeom prst="straightConnector1">
-            <a:avLst/>
-          </a:prstGeom>
-          <a:ln>
-            <a:headEnd type="triangle"/>
-            <a:tailEnd type="triangle"/>
-          </a:ln>
-        </p:spPr>
-        <p:style>
-          <a:lnRef idx="1">
-            <a:schemeClr val="dk1"/>
-          </a:lnRef>
-          <a:fillRef idx="0">
-            <a:schemeClr val="dk1"/>
-          </a:fillRef>
-          <a:effectRef idx="0">
-            <a:schemeClr val="dk1"/>
-          </a:effectRef>
-          <a:fontRef idx="minor">
-            <a:schemeClr val="tx1"/>
-          </a:fontRef>
-        </p:style>
-      </p:cxnSp>
-    </p:spTree>
-    <p:extLst>
-      <p:ext uri="{BB962C8B-B14F-4D97-AF65-F5344CB8AC3E}">
-        <p14:creationId xmlns:p14="http://schemas.microsoft.com/office/powerpoint/2010/main" val="1978415733"/>
-      </p:ext>
-    </p:extLst>
-  </p:cSld>
-  <p:clrMapOvr>
-    <a:masterClrMapping/>
-  </p:clrMapOvr>
-  <mc:AlternateContent xmlns:mc="http://schemas.openxmlformats.org/markup-compatibility/2006" xmlns:p14="http://schemas.microsoft.com/office/powerpoint/2010/main">
-    <mc:Choice Requires="p14">
-      <p:transition spd="med" p14:dur="700">
-        <p:fade/>
-      </p:transition>
-    </mc:Choice>
-    <mc:Fallback xmlns="">
-      <p:transition spd="med">
-        <p:fade/>
-      </p:transition>
-    </mc:Fallback>
-  </mc:AlternateContent>
-</p:sld>
-</file>
-
 <file path=ppt/slides/slide6.xml><?xml version="1.0" encoding="utf-8"?>
 <p:sld xmlns:a="http://schemas.openxmlformats.org/drawingml/2006/main" xmlns:r="http://schemas.openxmlformats.org/officeDocument/2006/relationships" xmlns:p="http://schemas.openxmlformats.org/presentationml/2006/main">
   <p:cSld>
@@ -7582,7 +8028,12 @@
             <p:ph type="title"/>
           </p:nvPr>
         </p:nvSpPr>
-        <p:spPr/>
+        <p:spPr>
+          <a:xfrm>
+            <a:off x="8303124" y="1340768"/>
+            <a:ext cx="3382399" cy="1920240"/>
+          </a:xfrm>
+        </p:spPr>
         <p:txBody>
           <a:bodyPr rtlCol="0"/>
           <a:lstStyle/>
@@ -7590,7 +8041,7 @@
             <a:pPr rtl="0"/>
             <a:r>
               <a:rPr lang="es-ES" dirty="0"/>
-              <a:t>Apps PWA</a:t>
+              <a:t>Tipos de Bases de Datos No SQL</a:t>
             </a:r>
           </a:p>
         </p:txBody>
@@ -7607,44 +8058,44 @@
         </p:nvSpPr>
         <p:spPr>
           <a:xfrm>
-            <a:off x="765820" y="1143000"/>
+            <a:off x="727652" y="1556792"/>
             <a:ext cx="6094413" cy="4572000"/>
           </a:xfrm>
         </p:spPr>
         <p:txBody>
           <a:bodyPr rtlCol="0">
-            <a:normAutofit/>
+            <a:normAutofit lnSpcReduction="10000"/>
           </a:bodyPr>
           <a:lstStyle/>
           <a:p>
             <a:pPr algn="just"/>
             <a:r>
               <a:rPr lang="es-ES" dirty="0"/>
-              <a:t>Se desarrolla de manera global y su funcionamiento se basa en la combinación de tecnologías web como lo son HTML, JavaScript y CSS</a:t>
+              <a:t>Gráfico: Facilita la creación y la ejecución de aplicaciones que funcionan con conjuntos de datos altamente conectados. Se usan en redes sociales, motores de recomendaciones.</a:t>
             </a:r>
           </a:p>
           <a:p>
             <a:pPr algn="just"/>
             <a:r>
               <a:rPr lang="es-ES" dirty="0"/>
-              <a:t>Se ejecutan dentro del navegador WEB o como pestaña individual.</a:t>
+              <a:t>En-Memoria: Los juegos utilizan tecnología como tablas de clasificación. </a:t>
             </a:r>
           </a:p>
           <a:p>
             <a:pPr algn="just"/>
             <a:r>
               <a:rPr lang="es-ES" dirty="0"/>
-              <a:t>El contenido se adapta a la pantalla independientemente de la plataforma</a:t>
+              <a:t>Buscar: Solución de problemas para los desarrolladores.</a:t>
             </a:r>
           </a:p>
         </p:txBody>
       </p:sp>
       <p:pic>
         <p:nvPicPr>
-          <p:cNvPr id="7" name="Picture 8" descr="Resultado de imagen para java script">
+          <p:cNvPr id="3076" name="Picture 4" descr="Resultado de imagen para bases de datos nosql">
             <a:extLst>
               <a:ext uri="{FF2B5EF4-FFF2-40B4-BE49-F238E27FC236}">
-                <a16:creationId xmlns:a16="http://schemas.microsoft.com/office/drawing/2014/main" id="{3D1AD326-EB3F-48B2-8C35-741CCB46999F}"/>
+                <a16:creationId xmlns:a16="http://schemas.microsoft.com/office/drawing/2014/main" id="{86FB7B12-4B70-4C6C-AB06-075DE19D7617}"/>
               </a:ext>
             </a:extLst>
           </p:cNvPr>
@@ -7654,7 +8105,7 @@
           <p:nvPr/>
         </p:nvPicPr>
         <p:blipFill>
-          <a:blip r:embed="rId2" cstate="print">
+          <a:blip r:embed="rId2">
             <a:extLst>
               <a:ext uri="{28A0092B-C50C-407E-A947-70E740481C1C}">
                 <a14:useLocalDpi xmlns:a14="http://schemas.microsoft.com/office/drawing/2010/main" val="0"/>
@@ -7668,102 +8119,8 @@
         </p:blipFill>
         <p:spPr bwMode="auto">
           <a:xfrm>
-            <a:off x="8681703" y="2852936"/>
-            <a:ext cx="875929" cy="875929"/>
-          </a:xfrm>
-          <a:prstGeom prst="rect">
-            <a:avLst/>
-          </a:prstGeom>
-          <a:noFill/>
-          <a:extLst>
-            <a:ext uri="{909E8E84-426E-40DD-AFC4-6F175D3DCCD1}">
-              <a14:hiddenFill xmlns:a14="http://schemas.microsoft.com/office/drawing/2010/main">
-                <a:solidFill>
-                  <a:srgbClr val="FFFFFF"/>
-                </a:solidFill>
-              </a14:hiddenFill>
-            </a:ext>
-          </a:extLst>
-        </p:spPr>
-      </p:pic>
-      <p:pic>
-        <p:nvPicPr>
-          <p:cNvPr id="8" name="Picture 10" descr="Resultado de imagen para HTML5">
-            <a:extLst>
-              <a:ext uri="{FF2B5EF4-FFF2-40B4-BE49-F238E27FC236}">
-                <a16:creationId xmlns:a16="http://schemas.microsoft.com/office/drawing/2014/main" id="{448EBE2F-A7AC-42A9-AA4F-9B768068C2E4}"/>
-              </a:ext>
-            </a:extLst>
-          </p:cNvPr>
-          <p:cNvPicPr>
-            <a:picLocks noChangeAspect="1" noChangeArrowheads="1"/>
-          </p:cNvPicPr>
-          <p:nvPr/>
-        </p:nvPicPr>
-        <p:blipFill>
-          <a:blip r:embed="rId3" cstate="print">
-            <a:extLst>
-              <a:ext uri="{28A0092B-C50C-407E-A947-70E740481C1C}">
-                <a14:useLocalDpi xmlns:a14="http://schemas.microsoft.com/office/drawing/2010/main" val="0"/>
-              </a:ext>
-            </a:extLst>
-          </a:blip>
-          <a:srcRect/>
-          <a:stretch>
-            <a:fillRect/>
-          </a:stretch>
-        </p:blipFill>
-        <p:spPr bwMode="auto">
-          <a:xfrm>
-            <a:off x="10237069" y="2852936"/>
-            <a:ext cx="875930" cy="875930"/>
-          </a:xfrm>
-          <a:prstGeom prst="rect">
-            <a:avLst/>
-          </a:prstGeom>
-          <a:noFill/>
-          <a:extLst>
-            <a:ext uri="{909E8E84-426E-40DD-AFC4-6F175D3DCCD1}">
-              <a14:hiddenFill xmlns:a14="http://schemas.microsoft.com/office/drawing/2010/main">
-                <a:solidFill>
-                  <a:srgbClr val="FFFFFF"/>
-                </a:solidFill>
-              </a14:hiddenFill>
-            </a:ext>
-          </a:extLst>
-        </p:spPr>
-      </p:pic>
-      <p:pic>
-        <p:nvPicPr>
-          <p:cNvPr id="3074" name="Picture 2" descr="Resultado de imagen para VISUAL STUDIO CODE">
-            <a:extLst>
-              <a:ext uri="{FF2B5EF4-FFF2-40B4-BE49-F238E27FC236}">
-                <a16:creationId xmlns:a16="http://schemas.microsoft.com/office/drawing/2014/main" id="{03170A3C-DC0B-4A67-8D39-F72B106C3A8D}"/>
-              </a:ext>
-            </a:extLst>
-          </p:cNvPr>
-          <p:cNvPicPr>
-            <a:picLocks noChangeAspect="1" noChangeArrowheads="1"/>
-          </p:cNvPicPr>
-          <p:nvPr/>
-        </p:nvPicPr>
-        <p:blipFill>
-          <a:blip r:embed="rId4" cstate="print">
-            <a:extLst>
-              <a:ext uri="{28A0092B-C50C-407E-A947-70E740481C1C}">
-                <a14:useLocalDpi xmlns:a14="http://schemas.microsoft.com/office/drawing/2010/main" val="0"/>
-              </a:ext>
-            </a:extLst>
-          </a:blip>
-          <a:srcRect/>
-          <a:stretch>
-            <a:fillRect/>
-          </a:stretch>
-        </p:blipFill>
-        <p:spPr bwMode="auto">
-          <a:xfrm>
-            <a:off x="9358289" y="3957882"/>
-            <a:ext cx="878780" cy="875193"/>
+            <a:off x="8527473" y="3429000"/>
+            <a:ext cx="2933700" cy="1552575"/>
           </a:xfrm>
           <a:prstGeom prst="rect">
             <a:avLst/>
@@ -7783,7 +8140,7 @@
     </p:spTree>
     <p:extLst>
       <p:ext uri="{BB962C8B-B14F-4D97-AF65-F5344CB8AC3E}">
-        <p14:creationId xmlns:p14="http://schemas.microsoft.com/office/powerpoint/2010/main" val="3155646667"/>
+        <p14:creationId xmlns:p14="http://schemas.microsoft.com/office/powerpoint/2010/main" val="4023708225"/>
       </p:ext>
     </p:extLst>
   </p:cSld>
@@ -7824,33 +8181,10 @@
       </p:grpSpPr>
       <p:sp>
         <p:nvSpPr>
-          <p:cNvPr id="2" name="Título 1"/>
-          <p:cNvSpPr>
-            <a:spLocks noGrp="1"/>
-          </p:cNvSpPr>
-          <p:nvPr>
-            <p:ph type="title"/>
-          </p:nvPr>
-        </p:nvSpPr>
-        <p:spPr/>
-        <p:txBody>
-          <a:bodyPr rtlCol="0"/>
-          <a:lstStyle/>
-          <a:p>
-            <a:pPr rtl="0"/>
-            <a:r>
-              <a:rPr lang="es-ES" dirty="0"/>
-              <a:t>Ventajas y Desventajas de las apps PWA</a:t>
-            </a:r>
-          </a:p>
-        </p:txBody>
-      </p:sp>
-      <p:sp>
-        <p:nvSpPr>
-          <p:cNvPr id="10" name="Marcador de posición de contenido 2">
+          <p:cNvPr id="2" name="Título 1">
             <a:extLst>
               <a:ext uri="{FF2B5EF4-FFF2-40B4-BE49-F238E27FC236}">
-                <a16:creationId xmlns:a16="http://schemas.microsoft.com/office/drawing/2014/main" id="{4152F00F-2414-46BD-8197-86A2102885B7}"/>
+                <a16:creationId xmlns:a16="http://schemas.microsoft.com/office/drawing/2014/main" id="{CEFCA515-891A-430F-964E-FA1F50E72403}"/>
               </a:ext>
             </a:extLst>
           </p:cNvPr>
@@ -7858,245 +8192,107 @@
             <a:spLocks noGrp="1"/>
           </p:cNvSpPr>
           <p:nvPr>
-            <p:ph idx="1"/>
+            <p:ph type="title"/>
           </p:nvPr>
         </p:nvSpPr>
         <p:spPr>
           <a:xfrm>
-            <a:off x="477788" y="4149080"/>
-            <a:ext cx="6552728" cy="2198415"/>
+            <a:off x="8326660" y="2087880"/>
+            <a:ext cx="3382399" cy="1920240"/>
           </a:xfrm>
         </p:spPr>
         <p:txBody>
-          <a:bodyPr rtlCol="0">
+          <a:bodyPr/>
+          <a:lstStyle/>
+          <a:p>
+            <a:r>
+              <a:rPr lang="es-CO" dirty="0"/>
+              <a:t>Ventajas de las bases de datos NoSQL</a:t>
+            </a:r>
+          </a:p>
+        </p:txBody>
+      </p:sp>
+      <p:sp>
+        <p:nvSpPr>
+          <p:cNvPr id="3" name="Marcador de contenido 2">
+            <a:extLst>
+              <a:ext uri="{FF2B5EF4-FFF2-40B4-BE49-F238E27FC236}">
+                <a16:creationId xmlns:a16="http://schemas.microsoft.com/office/drawing/2014/main" id="{AF3A06FF-C357-44A7-920A-27D06FF9BE43}"/>
+              </a:ext>
+            </a:extLst>
+          </p:cNvPr>
+          <p:cNvSpPr>
+            <a:spLocks noGrp="1"/>
+          </p:cNvSpPr>
+          <p:nvPr>
+            <p:ph idx="1"/>
+          </p:nvPr>
+        </p:nvSpPr>
+        <p:spPr>
+          <a:xfrm>
+            <a:off x="761801" y="762000"/>
+            <a:ext cx="6124699" cy="5403304"/>
+          </a:xfrm>
+        </p:spPr>
+        <p:txBody>
+          <a:bodyPr>
             <a:normAutofit lnSpcReduction="10000"/>
           </a:bodyPr>
           <a:lstStyle/>
           <a:p>
-            <a:pPr algn="just"/>
-            <a:r>
-              <a:rPr lang="es-ES" sz="1800" dirty="0"/>
-              <a:t>En costos de desarrollo disminuyen debido a que no se necesita un desarrollador dedicado a cada plataforma*</a:t>
-            </a:r>
-          </a:p>
-          <a:p>
-            <a:pPr algn="just"/>
-            <a:r>
-              <a:rPr lang="es-ES" sz="1800" dirty="0"/>
-              <a:t>En tiempos de desarrollo se puede poner a disposición de los usuarios al mismo tiempo en todas las plataformas.</a:t>
-            </a:r>
-          </a:p>
-          <a:p>
-            <a:pPr algn="just"/>
-            <a:r>
-              <a:rPr lang="es-ES" sz="1800" dirty="0"/>
-              <a:t>No necesitan estar subidas a la tienda.</a:t>
-            </a:r>
-          </a:p>
-          <a:p>
-            <a:pPr algn="just"/>
-            <a:r>
-              <a:rPr lang="es-ES" sz="1800" dirty="0"/>
-              <a:t>Guardan Caché en memoria pero en segundo plano si optimización no funcionan bien y se carga de nuevo la aplicación</a:t>
-            </a:r>
-          </a:p>
-          <a:p>
-            <a:pPr algn="just"/>
-            <a:endParaRPr lang="es-ES" sz="1800" dirty="0"/>
-          </a:p>
-        </p:txBody>
-      </p:sp>
-      <p:sp>
-        <p:nvSpPr>
-          <p:cNvPr id="11" name="Rectángulo 10">
-            <a:extLst>
-              <a:ext uri="{FF2B5EF4-FFF2-40B4-BE49-F238E27FC236}">
-                <a16:creationId xmlns:a16="http://schemas.microsoft.com/office/drawing/2014/main" id="{82F9045E-2FA5-4E12-A030-02C544CB3A6A}"/>
-              </a:ext>
-            </a:extLst>
-          </p:cNvPr>
-          <p:cNvSpPr/>
-          <p:nvPr/>
-        </p:nvSpPr>
-        <p:spPr>
-          <a:xfrm>
-            <a:off x="7966620" y="3836682"/>
-            <a:ext cx="1728192" cy="864097"/>
-          </a:xfrm>
-          <a:prstGeom prst="rect">
-            <a:avLst/>
-          </a:prstGeom>
-        </p:spPr>
-        <p:style>
-          <a:lnRef idx="1">
-            <a:schemeClr val="accent1"/>
-          </a:lnRef>
-          <a:fillRef idx="2">
-            <a:schemeClr val="accent1"/>
-          </a:fillRef>
-          <a:effectRef idx="1">
-            <a:schemeClr val="accent1"/>
-          </a:effectRef>
-          <a:fontRef idx="minor">
-            <a:schemeClr val="dk1"/>
-          </a:fontRef>
-        </p:style>
-        <p:txBody>
-          <a:bodyPr rtlCol="0" anchor="ctr"/>
-          <a:lstStyle/>
-          <a:p>
-            <a:pPr algn="ctr"/>
-            <a:r>
-              <a:rPr lang="es-CO" b="1" dirty="0"/>
-              <a:t>Web View(Navegador) </a:t>
-            </a:r>
-          </a:p>
-        </p:txBody>
-      </p:sp>
-      <p:sp>
-        <p:nvSpPr>
-          <p:cNvPr id="12" name="Rectángulo 11">
-            <a:extLst>
-              <a:ext uri="{FF2B5EF4-FFF2-40B4-BE49-F238E27FC236}">
-                <a16:creationId xmlns:a16="http://schemas.microsoft.com/office/drawing/2014/main" id="{A9C39D0A-5CE5-4D47-924C-41C3918DA4C4}"/>
-              </a:ext>
-            </a:extLst>
-          </p:cNvPr>
-          <p:cNvSpPr/>
-          <p:nvPr/>
-        </p:nvSpPr>
-        <p:spPr>
-          <a:xfrm>
-            <a:off x="10270876" y="3836683"/>
-            <a:ext cx="1008111" cy="864096"/>
-          </a:xfrm>
-          <a:prstGeom prst="rect">
-            <a:avLst/>
-          </a:prstGeom>
-        </p:spPr>
-        <p:style>
-          <a:lnRef idx="1">
-            <a:schemeClr val="accent1"/>
-          </a:lnRef>
-          <a:fillRef idx="2">
-            <a:schemeClr val="accent1"/>
-          </a:fillRef>
-          <a:effectRef idx="1">
-            <a:schemeClr val="accent1"/>
-          </a:effectRef>
-          <a:fontRef idx="minor">
-            <a:schemeClr val="dk1"/>
-          </a:fontRef>
-        </p:style>
-        <p:txBody>
-          <a:bodyPr rtlCol="0" anchor="ctr"/>
-          <a:lstStyle/>
-          <a:p>
-            <a:pPr algn="ctr"/>
-            <a:r>
-              <a:rPr lang="es-CO" sz="1600" b="1" dirty="0"/>
-              <a:t>JS + HTML5</a:t>
-            </a:r>
-          </a:p>
-        </p:txBody>
-      </p:sp>
-      <p:cxnSp>
-        <p:nvCxnSpPr>
-          <p:cNvPr id="8" name="Conector recto de flecha 7">
-            <a:extLst>
-              <a:ext uri="{FF2B5EF4-FFF2-40B4-BE49-F238E27FC236}">
-                <a16:creationId xmlns:a16="http://schemas.microsoft.com/office/drawing/2014/main" id="{9A7932BF-A214-457A-80EA-CE5F41C9856A}"/>
-              </a:ext>
-            </a:extLst>
-          </p:cNvPr>
-          <p:cNvCxnSpPr>
-            <a:cxnSpLocks/>
-            <a:stCxn id="11" idx="3"/>
-            <a:endCxn id="12" idx="1"/>
-          </p:cNvCxnSpPr>
-          <p:nvPr/>
-        </p:nvCxnSpPr>
-        <p:spPr>
-          <a:xfrm>
-            <a:off x="9694812" y="4268731"/>
-            <a:ext cx="576064" cy="0"/>
-          </a:xfrm>
-          <a:prstGeom prst="straightConnector1">
-            <a:avLst/>
-          </a:prstGeom>
-          <a:ln>
-            <a:headEnd type="triangle"/>
-            <a:tailEnd type="triangle"/>
-          </a:ln>
-        </p:spPr>
-        <p:style>
-          <a:lnRef idx="1">
-            <a:schemeClr val="dk1"/>
-          </a:lnRef>
-          <a:fillRef idx="0">
-            <a:schemeClr val="dk1"/>
-          </a:fillRef>
-          <a:effectRef idx="0">
-            <a:schemeClr val="dk1"/>
-          </a:effectRef>
-          <a:fontRef idx="minor">
-            <a:schemeClr val="tx1"/>
-          </a:fontRef>
-        </p:style>
-      </p:cxnSp>
-      <p:pic>
-        <p:nvPicPr>
-          <p:cNvPr id="3" name="Imagen 2">
-            <a:extLst>
-              <a:ext uri="{FF2B5EF4-FFF2-40B4-BE49-F238E27FC236}">
-                <a16:creationId xmlns:a16="http://schemas.microsoft.com/office/drawing/2014/main" id="{648076E8-73F4-459F-A8E6-1A5BC251444E}"/>
-              </a:ext>
-            </a:extLst>
-          </p:cNvPr>
-          <p:cNvPicPr>
-            <a:picLocks noChangeAspect="1"/>
-          </p:cNvPicPr>
-          <p:nvPr/>
-        </p:nvPicPr>
-        <p:blipFill>
-          <a:blip r:embed="rId2">
-            <a:duotone>
-              <a:schemeClr val="accent1">
-                <a:shade val="45000"/>
-                <a:satMod val="135000"/>
-              </a:schemeClr>
-              <a:prstClr val="white"/>
-            </a:duotone>
-            <a:extLst>
-              <a:ext uri="{BEBA8EAE-BF5A-486C-A8C5-ECC9F3942E4B}">
-                <a14:imgProps xmlns:a14="http://schemas.microsoft.com/office/drawing/2010/main">
-                  <a14:imgLayer r:embed="rId3">
-                    <a14:imgEffect>
-                      <a14:colorTemperature colorTemp="4700"/>
-                    </a14:imgEffect>
-                  </a14:imgLayer>
-                </a14:imgProps>
-              </a:ext>
-            </a:extLst>
-          </a:blip>
-          <a:stretch>
-            <a:fillRect/>
-          </a:stretch>
-        </p:blipFill>
-        <p:spPr>
-          <a:xfrm>
-            <a:off x="786322" y="350543"/>
-            <a:ext cx="6286500" cy="3429000"/>
-          </a:xfrm>
-          <a:prstGeom prst="rect">
-            <a:avLst/>
-          </a:prstGeom>
-        </p:spPr>
-      </p:pic>
+            <a:pPr marL="0" indent="0" algn="just">
+              <a:buNone/>
+            </a:pPr>
+            <a:r>
+              <a:rPr lang="es-CO" dirty="0"/>
+              <a:t>Las bases de datos NoSQL proporcionan una variedad de modelos de datos, que incluyen documentos, gráficos, etc..</a:t>
+            </a:r>
+          </a:p>
+          <a:p>
+            <a:pPr marL="0" indent="0" algn="just">
+              <a:buNone/>
+            </a:pPr>
+            <a:r>
+              <a:rPr lang="es-CO" dirty="0"/>
+              <a:t>Implementación rentable, ya que no necesitan adquisición de licencias costosas.</a:t>
+            </a:r>
+          </a:p>
+          <a:p>
+            <a:pPr marL="0" indent="0" algn="just">
+              <a:buNone/>
+            </a:pPr>
+            <a:r>
+              <a:rPr lang="es-CO" dirty="0"/>
+              <a:t>El desempeño depende del clúster web y no de requerimientos de máquina.</a:t>
+            </a:r>
+          </a:p>
+          <a:p>
+            <a:pPr marL="0" indent="0" algn="just">
+              <a:buNone/>
+            </a:pPr>
+            <a:r>
+              <a:rPr lang="es-CO" dirty="0"/>
+              <a:t>Permite mayor escalabilidad a menor costo debido a la flexibilidad de su uso.</a:t>
+            </a:r>
+          </a:p>
+          <a:p>
+            <a:pPr marL="0" indent="0" algn="just">
+              <a:buNone/>
+            </a:pPr>
+            <a:endParaRPr lang="es-CO" dirty="0"/>
+          </a:p>
+          <a:p>
+            <a:pPr marL="0" indent="0" algn="just">
+              <a:buNone/>
+            </a:pPr>
+            <a:endParaRPr lang="es-CO" dirty="0"/>
+          </a:p>
+        </p:txBody>
+      </p:sp>
     </p:spTree>
     <p:extLst>
       <p:ext uri="{BB962C8B-B14F-4D97-AF65-F5344CB8AC3E}">
-        <p14:creationId xmlns:p14="http://schemas.microsoft.com/office/powerpoint/2010/main" val="3100710383"/>
+        <p14:creationId xmlns:p14="http://schemas.microsoft.com/office/powerpoint/2010/main" val="3489238515"/>
       </p:ext>
     </p:extLst>
   </p:cSld>
@@ -8137,193 +8333,112 @@
       </p:grpSpPr>
       <p:sp>
         <p:nvSpPr>
-          <p:cNvPr id="2" name="Título 1"/>
-          <p:cNvSpPr>
-            <a:spLocks noGrp="1"/>
-          </p:cNvSpPr>
-          <p:nvPr>
-            <p:ph type="title"/>
-          </p:nvPr>
-        </p:nvSpPr>
-        <p:spPr/>
-        <p:txBody>
-          <a:bodyPr rtlCol="0"/>
-          <a:lstStyle/>
-          <a:p>
-            <a:pPr rtl="0"/>
-            <a:r>
-              <a:rPr lang="es-ES" dirty="0"/>
-              <a:t>Apps Híbridas</a:t>
-            </a:r>
-          </a:p>
-        </p:txBody>
-      </p:sp>
-      <p:sp>
-        <p:nvSpPr>
-          <p:cNvPr id="3" name="Marcador de posición de contenido 2"/>
-          <p:cNvSpPr>
-            <a:spLocks noGrp="1"/>
-          </p:cNvSpPr>
-          <p:nvPr>
-            <p:ph idx="1"/>
-          </p:nvPr>
-        </p:nvSpPr>
-        <p:spPr>
-          <a:xfrm>
-            <a:off x="765820" y="1143000"/>
-            <a:ext cx="6094413" cy="4572000"/>
-          </a:xfrm>
-        </p:spPr>
-        <p:txBody>
-          <a:bodyPr rtlCol="0">
-            <a:normAutofit/>
-          </a:bodyPr>
-          <a:lstStyle/>
-          <a:p>
-            <a:pPr algn="just"/>
-            <a:r>
-              <a:rPr lang="es-ES" dirty="0"/>
-              <a:t>Se desarrolla de manera global pero a la hora de implementarla se compila como app nativa en cada SDK según sea la plataforma.</a:t>
-            </a:r>
-          </a:p>
-          <a:p>
-            <a:pPr algn="just"/>
-            <a:r>
-              <a:rPr lang="es-ES" dirty="0"/>
-              <a:t>Puede ser convertida en app PWA y poner a disposición de los usuarios.</a:t>
-            </a:r>
-          </a:p>
-          <a:p>
-            <a:pPr algn="just"/>
-            <a:r>
-              <a:rPr lang="es-ES" dirty="0"/>
-              <a:t>El contenido y los controles se adaptan a la plataforma.</a:t>
-            </a:r>
-          </a:p>
-          <a:p>
-            <a:pPr algn="just"/>
-            <a:endParaRPr lang="es-ES" dirty="0"/>
-          </a:p>
-        </p:txBody>
-      </p:sp>
-      <p:pic>
-        <p:nvPicPr>
-          <p:cNvPr id="5122" name="Picture 2" descr="Resultado de imagen para ionic">
+          <p:cNvPr id="2" name="Título 1">
             <a:extLst>
               <a:ext uri="{FF2B5EF4-FFF2-40B4-BE49-F238E27FC236}">
-                <a16:creationId xmlns:a16="http://schemas.microsoft.com/office/drawing/2014/main" id="{D8C82312-CC6C-4A5F-9837-380BD95F081A}"/>
+                <a16:creationId xmlns:a16="http://schemas.microsoft.com/office/drawing/2014/main" id="{CEFCA515-891A-430F-964E-FA1F50E72403}"/>
               </a:ext>
             </a:extLst>
           </p:cNvPr>
-          <p:cNvPicPr>
-            <a:picLocks noChangeAspect="1" noChangeArrowheads="1"/>
-          </p:cNvPicPr>
-          <p:nvPr/>
-        </p:nvPicPr>
-        <p:blipFill>
-          <a:blip r:embed="rId2" cstate="print">
-            <a:biLevel thresh="50000"/>
-            <a:extLst>
-              <a:ext uri="{BEBA8EAE-BF5A-486C-A8C5-ECC9F3942E4B}">
-                <a14:imgProps xmlns:a14="http://schemas.microsoft.com/office/drawing/2010/main">
-                  <a14:imgLayer r:embed="rId3">
-                    <a14:imgEffect>
-                      <a14:saturation sat="0"/>
-                    </a14:imgEffect>
-                  </a14:imgLayer>
-                </a14:imgProps>
-              </a:ext>
-              <a:ext uri="{28A0092B-C50C-407E-A947-70E740481C1C}">
-                <a14:useLocalDpi xmlns:a14="http://schemas.microsoft.com/office/drawing/2010/main" val="0"/>
-              </a:ext>
-            </a:extLst>
-          </a:blip>
-          <a:srcRect/>
-          <a:stretch>
-            <a:fillRect/>
-          </a:stretch>
-        </p:blipFill>
-        <p:spPr bwMode="auto">
+          <p:cNvSpPr>
+            <a:spLocks noGrp="1"/>
+          </p:cNvSpPr>
+          <p:nvPr>
+            <p:ph type="title"/>
+          </p:nvPr>
+        </p:nvSpPr>
+        <p:spPr>
           <a:xfrm>
-            <a:off x="8110636" y="2462522"/>
-            <a:ext cx="2060848" cy="2060848"/>
+            <a:off x="8326660" y="2087880"/>
+            <a:ext cx="3382399" cy="1920240"/>
           </a:xfrm>
-          <a:prstGeom prst="rect">
-            <a:avLst/>
-          </a:prstGeom>
-          <a:noFill/>
-          <a:extLst>
-            <a:ext uri="{909E8E84-426E-40DD-AFC4-6F175D3DCCD1}">
-              <a14:hiddenFill xmlns:a14="http://schemas.microsoft.com/office/drawing/2010/main">
-                <a:solidFill>
-                  <a:srgbClr val="FFFFFF"/>
-                </a:solidFill>
-              </a14:hiddenFill>
-            </a:ext>
-          </a:extLst>
         </p:spPr>
-      </p:pic>
-      <p:pic>
-        <p:nvPicPr>
-          <p:cNvPr id="5124" name="Picture 4" descr="Resultado de imagen para react native">
+        <p:txBody>
+          <a:bodyPr/>
+          <a:lstStyle/>
+          <a:p>
+            <a:r>
+              <a:rPr lang="es-CO" dirty="0"/>
+              <a:t>Desventajas de las bases de datos NoSQL</a:t>
+            </a:r>
+          </a:p>
+        </p:txBody>
+      </p:sp>
+      <p:sp>
+        <p:nvSpPr>
+          <p:cNvPr id="3" name="Marcador de contenido 2">
             <a:extLst>
               <a:ext uri="{FF2B5EF4-FFF2-40B4-BE49-F238E27FC236}">
-                <a16:creationId xmlns:a16="http://schemas.microsoft.com/office/drawing/2014/main" id="{C9F94300-F4B4-4801-B9B5-EDA445875524}"/>
+                <a16:creationId xmlns:a16="http://schemas.microsoft.com/office/drawing/2014/main" id="{AF3A06FF-C357-44A7-920A-27D06FF9BE43}"/>
               </a:ext>
             </a:extLst>
           </p:cNvPr>
-          <p:cNvPicPr>
-            <a:picLocks noChangeAspect="1" noChangeArrowheads="1"/>
-          </p:cNvPicPr>
-          <p:nvPr/>
-        </p:nvPicPr>
-        <p:blipFill>
-          <a:blip r:embed="rId4" cstate="print">
-            <a:biLevel thresh="50000"/>
-            <a:extLst>
-              <a:ext uri="{BEBA8EAE-BF5A-486C-A8C5-ECC9F3942E4B}">
-                <a14:imgProps xmlns:a14="http://schemas.microsoft.com/office/drawing/2010/main">
-                  <a14:imgLayer r:embed="rId5">
-                    <a14:imgEffect>
-                      <a14:saturation sat="0"/>
-                    </a14:imgEffect>
-                  </a14:imgLayer>
-                </a14:imgProps>
-              </a:ext>
-              <a:ext uri="{28A0092B-C50C-407E-A947-70E740481C1C}">
-                <a14:useLocalDpi xmlns:a14="http://schemas.microsoft.com/office/drawing/2010/main" val="0"/>
-              </a:ext>
-            </a:extLst>
-          </a:blip>
-          <a:srcRect/>
-          <a:stretch>
-            <a:fillRect/>
-          </a:stretch>
-        </p:blipFill>
-        <p:spPr bwMode="auto">
+          <p:cNvSpPr>
+            <a:spLocks noGrp="1"/>
+          </p:cNvSpPr>
+          <p:nvPr>
+            <p:ph idx="1"/>
+          </p:nvPr>
+        </p:nvSpPr>
+        <p:spPr>
           <a:xfrm>
-            <a:off x="10090416" y="3712378"/>
-            <a:ext cx="1340768" cy="1340768"/>
+            <a:off x="761801" y="762000"/>
+            <a:ext cx="6124699" cy="5403304"/>
           </a:xfrm>
-          <a:prstGeom prst="rect">
-            <a:avLst/>
-          </a:prstGeom>
-          <a:noFill/>
-          <a:extLst>
-            <a:ext uri="{909E8E84-426E-40DD-AFC4-6F175D3DCCD1}">
-              <a14:hiddenFill xmlns:a14="http://schemas.microsoft.com/office/drawing/2010/main">
-                <a:solidFill>
-                  <a:srgbClr val="FFFFFF"/>
-                </a:solidFill>
-              </a14:hiddenFill>
-            </a:ext>
-          </a:extLst>
         </p:spPr>
-      </p:pic>
+        <p:txBody>
+          <a:bodyPr>
+            <a:normAutofit lnSpcReduction="10000"/>
+          </a:bodyPr>
+          <a:lstStyle/>
+          <a:p>
+            <a:pPr marL="0" indent="0" algn="just">
+              <a:buNone/>
+            </a:pPr>
+            <a:r>
+              <a:rPr lang="es-CO" dirty="0"/>
+              <a:t>No ofrece Atomicidad, consistencia, aislamiento y durabilidad*</a:t>
+            </a:r>
+          </a:p>
+          <a:p>
+            <a:pPr marL="0" indent="0" algn="just">
+              <a:buNone/>
+            </a:pPr>
+            <a:r>
+              <a:rPr lang="es-CO" dirty="0"/>
+              <a:t>*Es posible solucionar dicho problema con la implementación propia de código o con las reglas de la base de datos.</a:t>
+            </a:r>
+          </a:p>
+          <a:p>
+            <a:pPr marL="0" indent="0" algn="just">
+              <a:buNone/>
+            </a:pPr>
+            <a:r>
+              <a:rPr lang="es-CO" dirty="0"/>
+              <a:t>En temas de transacciones de seguridad requiere un mayor esfuerzo debido a la implementación autónoma.</a:t>
+            </a:r>
+          </a:p>
+          <a:p>
+            <a:pPr marL="0" indent="0" algn="just">
+              <a:buNone/>
+            </a:pPr>
+            <a:r>
+              <a:rPr lang="es-CO" dirty="0"/>
+              <a:t>En el caso de algunas no ofrece compatibilidad con consultas SQL.</a:t>
+            </a:r>
+          </a:p>
+          <a:p>
+            <a:pPr marL="0" indent="0" algn="just">
+              <a:buNone/>
+            </a:pPr>
+            <a:endParaRPr lang="es-CO" dirty="0"/>
+          </a:p>
+        </p:txBody>
+      </p:sp>
     </p:spTree>
     <p:extLst>
       <p:ext uri="{BB962C8B-B14F-4D97-AF65-F5344CB8AC3E}">
-        <p14:creationId xmlns:p14="http://schemas.microsoft.com/office/powerpoint/2010/main" val="1076164401"/>
+        <p14:creationId xmlns:p14="http://schemas.microsoft.com/office/powerpoint/2010/main" val="4211778655"/>
       </p:ext>
     </p:extLst>
   </p:cSld>
@@ -8364,33 +8479,10 @@
       </p:grpSpPr>
       <p:sp>
         <p:nvSpPr>
-          <p:cNvPr id="2" name="Título 1"/>
-          <p:cNvSpPr>
-            <a:spLocks noGrp="1"/>
-          </p:cNvSpPr>
-          <p:nvPr>
-            <p:ph type="title"/>
-          </p:nvPr>
-        </p:nvSpPr>
-        <p:spPr/>
-        <p:txBody>
-          <a:bodyPr rtlCol="0"/>
-          <a:lstStyle/>
-          <a:p>
-            <a:pPr rtl="0"/>
-            <a:r>
-              <a:rPr lang="es-ES" dirty="0"/>
-              <a:t>Ventajas y Desventajas de las apps Hibridas</a:t>
-            </a:r>
-          </a:p>
-        </p:txBody>
-      </p:sp>
-      <p:sp>
-        <p:nvSpPr>
-          <p:cNvPr id="10" name="Marcador de posición de contenido 2">
+          <p:cNvPr id="2" name="Título 1">
             <a:extLst>
               <a:ext uri="{FF2B5EF4-FFF2-40B4-BE49-F238E27FC236}">
-                <a16:creationId xmlns:a16="http://schemas.microsoft.com/office/drawing/2014/main" id="{4152F00F-2414-46BD-8197-86A2102885B7}"/>
+                <a16:creationId xmlns:a16="http://schemas.microsoft.com/office/drawing/2014/main" id="{CEFCA515-891A-430F-964E-FA1F50E72403}"/>
               </a:ext>
             </a:extLst>
           </p:cNvPr>
@@ -8398,421 +8490,149 @@
             <a:spLocks noGrp="1"/>
           </p:cNvSpPr>
           <p:nvPr>
-            <p:ph idx="1"/>
+            <p:ph type="title"/>
           </p:nvPr>
         </p:nvSpPr>
         <p:spPr>
           <a:xfrm>
-            <a:off x="477788" y="4149080"/>
-            <a:ext cx="6552728" cy="2198415"/>
+            <a:off x="8326660" y="2087880"/>
+            <a:ext cx="3382399" cy="1920240"/>
           </a:xfrm>
         </p:spPr>
         <p:txBody>
-          <a:bodyPr rtlCol="0">
+          <a:bodyPr/>
+          <a:lstStyle/>
+          <a:p>
+            <a:r>
+              <a:rPr lang="es-CO" dirty="0"/>
+              <a:t>Terminología</a:t>
+            </a:r>
+          </a:p>
+        </p:txBody>
+      </p:sp>
+      <p:sp>
+        <p:nvSpPr>
+          <p:cNvPr id="3" name="Marcador de contenido 2">
+            <a:extLst>
+              <a:ext uri="{FF2B5EF4-FFF2-40B4-BE49-F238E27FC236}">
+                <a16:creationId xmlns:a16="http://schemas.microsoft.com/office/drawing/2014/main" id="{AF3A06FF-C357-44A7-920A-27D06FF9BE43}"/>
+              </a:ext>
+            </a:extLst>
+          </p:cNvPr>
+          <p:cNvSpPr>
+            <a:spLocks noGrp="1"/>
+          </p:cNvSpPr>
+          <p:nvPr>
+            <p:ph idx="1"/>
+          </p:nvPr>
+        </p:nvSpPr>
+        <p:spPr>
+          <a:xfrm>
+            <a:off x="799815" y="1483432"/>
+            <a:ext cx="6124699" cy="3891136"/>
+          </a:xfrm>
+        </p:spPr>
+        <p:txBody>
+          <a:bodyPr>
             <a:normAutofit/>
           </a:bodyPr>
           <a:lstStyle/>
           <a:p>
-            <a:pPr algn="just"/>
-            <a:r>
-              <a:rPr lang="es-ES" sz="1800" dirty="0"/>
-              <a:t>En costos de desarrollo disminuyen debido a que no se necesita una aplicación dedicada a cada plataforma*</a:t>
-            </a:r>
-          </a:p>
-          <a:p>
-            <a:pPr algn="just"/>
-            <a:r>
-              <a:rPr lang="es-ES" sz="1800" dirty="0"/>
-              <a:t>Están mejor optimizadas en temas de iniciarse y funcionar en segundo plano.</a:t>
-            </a:r>
-          </a:p>
-          <a:p>
-            <a:pPr algn="just"/>
-            <a:r>
-              <a:rPr lang="es-ES" sz="1800" dirty="0"/>
-              <a:t>Pesan menos en comparación a otro tipo de apps.</a:t>
-            </a:r>
-          </a:p>
-        </p:txBody>
-      </p:sp>
-      <p:sp>
-        <p:nvSpPr>
-          <p:cNvPr id="11" name="Rectángulo 10">
-            <a:extLst>
-              <a:ext uri="{FF2B5EF4-FFF2-40B4-BE49-F238E27FC236}">
-                <a16:creationId xmlns:a16="http://schemas.microsoft.com/office/drawing/2014/main" id="{82F9045E-2FA5-4E12-A030-02C544CB3A6A}"/>
-              </a:ext>
-            </a:extLst>
-          </p:cNvPr>
-          <p:cNvSpPr/>
-          <p:nvPr/>
-        </p:nvSpPr>
-        <p:spPr>
-          <a:xfrm>
-            <a:off x="7966620" y="3836682"/>
-            <a:ext cx="1728192" cy="864097"/>
-          </a:xfrm>
-          <a:prstGeom prst="rect">
-            <a:avLst/>
-          </a:prstGeom>
-        </p:spPr>
-        <p:style>
-          <a:lnRef idx="1">
-            <a:schemeClr val="accent1"/>
-          </a:lnRef>
-          <a:fillRef idx="2">
-            <a:schemeClr val="accent1"/>
-          </a:fillRef>
-          <a:effectRef idx="1">
-            <a:schemeClr val="accent1"/>
-          </a:effectRef>
-          <a:fontRef idx="minor">
-            <a:schemeClr val="dk1"/>
-          </a:fontRef>
-        </p:style>
-        <p:txBody>
-          <a:bodyPr rtlCol="0" anchor="ctr"/>
-          <a:lstStyle/>
-          <a:p>
-            <a:pPr algn="ctr"/>
-            <a:r>
-              <a:rPr lang="es-CO" b="1" dirty="0"/>
-              <a:t>Web </a:t>
-            </a:r>
-            <a:r>
-              <a:rPr lang="es-CO" b="1" dirty="0" err="1"/>
-              <a:t>View+Plugin</a:t>
-            </a:r>
-            <a:r>
-              <a:rPr lang="es-CO" b="1" dirty="0"/>
-              <a:t> </a:t>
-            </a:r>
-          </a:p>
-        </p:txBody>
-      </p:sp>
-      <p:sp>
-        <p:nvSpPr>
-          <p:cNvPr id="12" name="Rectángulo 11">
-            <a:extLst>
-              <a:ext uri="{FF2B5EF4-FFF2-40B4-BE49-F238E27FC236}">
-                <a16:creationId xmlns:a16="http://schemas.microsoft.com/office/drawing/2014/main" id="{A9C39D0A-5CE5-4D47-924C-41C3918DA4C4}"/>
-              </a:ext>
-            </a:extLst>
-          </p:cNvPr>
-          <p:cNvSpPr/>
-          <p:nvPr/>
-        </p:nvSpPr>
-        <p:spPr>
-          <a:xfrm>
-            <a:off x="10270876" y="3836683"/>
-            <a:ext cx="1008111" cy="864096"/>
-          </a:xfrm>
-          <a:prstGeom prst="rect">
-            <a:avLst/>
-          </a:prstGeom>
-        </p:spPr>
-        <p:style>
-          <a:lnRef idx="1">
-            <a:schemeClr val="accent1"/>
-          </a:lnRef>
-          <a:fillRef idx="2">
-            <a:schemeClr val="accent1"/>
-          </a:fillRef>
-          <a:effectRef idx="1">
-            <a:schemeClr val="accent1"/>
-          </a:effectRef>
-          <a:fontRef idx="minor">
-            <a:schemeClr val="dk1"/>
-          </a:fontRef>
-        </p:style>
-        <p:txBody>
-          <a:bodyPr rtlCol="0" anchor="ctr"/>
-          <a:lstStyle/>
-          <a:p>
-            <a:pPr algn="ctr"/>
-            <a:r>
-              <a:rPr lang="es-CO" sz="1600" b="1" dirty="0"/>
-              <a:t>JS + HTML5</a:t>
-            </a:r>
-          </a:p>
-        </p:txBody>
-      </p:sp>
-      <p:cxnSp>
-        <p:nvCxnSpPr>
-          <p:cNvPr id="8" name="Conector recto de flecha 7">
-            <a:extLst>
-              <a:ext uri="{FF2B5EF4-FFF2-40B4-BE49-F238E27FC236}">
-                <a16:creationId xmlns:a16="http://schemas.microsoft.com/office/drawing/2014/main" id="{9A7932BF-A214-457A-80EA-CE5F41C9856A}"/>
-              </a:ext>
-            </a:extLst>
-          </p:cNvPr>
-          <p:cNvCxnSpPr>
-            <a:cxnSpLocks/>
-            <a:stCxn id="11" idx="3"/>
-            <a:endCxn id="12" idx="1"/>
-          </p:cNvCxnSpPr>
-          <p:nvPr/>
-        </p:nvCxnSpPr>
-        <p:spPr>
-          <a:xfrm>
-            <a:off x="9694812" y="4268731"/>
-            <a:ext cx="576064" cy="0"/>
-          </a:xfrm>
-          <a:prstGeom prst="straightConnector1">
-            <a:avLst/>
-          </a:prstGeom>
-          <a:ln>
-            <a:headEnd type="triangle"/>
-            <a:tailEnd type="triangle"/>
-          </a:ln>
-        </p:spPr>
-        <p:style>
-          <a:lnRef idx="1">
-            <a:schemeClr val="dk1"/>
-          </a:lnRef>
-          <a:fillRef idx="0">
-            <a:schemeClr val="dk1"/>
-          </a:fillRef>
-          <a:effectRef idx="0">
-            <a:schemeClr val="dk1"/>
-          </a:effectRef>
-          <a:fontRef idx="minor">
-            <a:schemeClr val="tx1"/>
-          </a:fontRef>
-        </p:style>
-      </p:cxnSp>
-      <p:pic>
-        <p:nvPicPr>
-          <p:cNvPr id="4" name="Imagen 3">
-            <a:extLst>
-              <a:ext uri="{FF2B5EF4-FFF2-40B4-BE49-F238E27FC236}">
-                <a16:creationId xmlns:a16="http://schemas.microsoft.com/office/drawing/2014/main" id="{DA1BF84B-AE15-439C-AA7C-AF92B70F132F}"/>
-              </a:ext>
-            </a:extLst>
-          </p:cNvPr>
-          <p:cNvPicPr>
-            <a:picLocks noChangeAspect="1"/>
-          </p:cNvPicPr>
-          <p:nvPr/>
-        </p:nvPicPr>
-        <p:blipFill>
-          <a:blip r:embed="rId2">
-            <a:duotone>
-              <a:schemeClr val="accent1">
-                <a:shade val="45000"/>
-                <a:satMod val="135000"/>
-              </a:schemeClr>
-              <a:prstClr val="white"/>
-            </a:duotone>
-          </a:blip>
-          <a:stretch>
-            <a:fillRect/>
-          </a:stretch>
-        </p:blipFill>
-        <p:spPr>
-          <a:xfrm>
-            <a:off x="724409" y="1110615"/>
-            <a:ext cx="6410325" cy="2638425"/>
-          </a:xfrm>
-          <a:prstGeom prst="rect">
-            <a:avLst/>
-          </a:prstGeom>
-        </p:spPr>
-      </p:pic>
-      <p:sp>
-        <p:nvSpPr>
-          <p:cNvPr id="9" name="Rectángulo 8">
-            <a:extLst>
-              <a:ext uri="{FF2B5EF4-FFF2-40B4-BE49-F238E27FC236}">
-                <a16:creationId xmlns:a16="http://schemas.microsoft.com/office/drawing/2014/main" id="{610964A1-C2D5-4496-BA45-63D669E891F5}"/>
-              </a:ext>
-            </a:extLst>
-          </p:cNvPr>
-          <p:cNvSpPr/>
-          <p:nvPr/>
-        </p:nvSpPr>
-        <p:spPr>
-          <a:xfrm>
-            <a:off x="7966620" y="5210842"/>
-            <a:ext cx="1728192" cy="864097"/>
-          </a:xfrm>
-          <a:prstGeom prst="rect">
-            <a:avLst/>
-          </a:prstGeom>
-        </p:spPr>
-        <p:style>
-          <a:lnRef idx="1">
-            <a:schemeClr val="accent1"/>
-          </a:lnRef>
-          <a:fillRef idx="2">
-            <a:schemeClr val="accent1"/>
-          </a:fillRef>
-          <a:effectRef idx="1">
-            <a:schemeClr val="accent1"/>
-          </a:effectRef>
-          <a:fontRef idx="minor">
-            <a:schemeClr val="dk1"/>
-          </a:fontRef>
-        </p:style>
-        <p:txBody>
-          <a:bodyPr rtlCol="0" anchor="ctr"/>
-          <a:lstStyle/>
-          <a:p>
-            <a:pPr algn="ctr"/>
-            <a:r>
-              <a:rPr lang="es-CO" b="1" dirty="0" err="1"/>
-              <a:t>Native</a:t>
-            </a:r>
-            <a:r>
-              <a:rPr lang="es-CO" b="1" dirty="0"/>
-              <a:t> </a:t>
-            </a:r>
-            <a:r>
-              <a:rPr lang="es-CO" b="1" dirty="0" err="1"/>
-              <a:t>Environment</a:t>
-            </a:r>
-            <a:endParaRPr lang="es-CO" b="1" dirty="0"/>
-          </a:p>
-        </p:txBody>
-      </p:sp>
-      <p:sp>
-        <p:nvSpPr>
-          <p:cNvPr id="13" name="Rectángulo 12">
-            <a:extLst>
-              <a:ext uri="{FF2B5EF4-FFF2-40B4-BE49-F238E27FC236}">
-                <a16:creationId xmlns:a16="http://schemas.microsoft.com/office/drawing/2014/main" id="{C0A18A9D-3EC2-4895-B643-C4F92F3AC44E}"/>
-              </a:ext>
-            </a:extLst>
-          </p:cNvPr>
-          <p:cNvSpPr/>
-          <p:nvPr/>
-        </p:nvSpPr>
-        <p:spPr>
-          <a:xfrm>
-            <a:off x="10283285" y="5210842"/>
-            <a:ext cx="1008111" cy="864096"/>
-          </a:xfrm>
-          <a:prstGeom prst="rect">
-            <a:avLst/>
-          </a:prstGeom>
-        </p:spPr>
-        <p:style>
-          <a:lnRef idx="1">
-            <a:schemeClr val="accent1"/>
-          </a:lnRef>
-          <a:fillRef idx="2">
-            <a:schemeClr val="accent1"/>
-          </a:fillRef>
-          <a:effectRef idx="1">
-            <a:schemeClr val="accent1"/>
-          </a:effectRef>
-          <a:fontRef idx="minor">
-            <a:schemeClr val="dk1"/>
-          </a:fontRef>
-        </p:style>
-        <p:txBody>
-          <a:bodyPr rtlCol="0" anchor="ctr"/>
-          <a:lstStyle/>
-          <a:p>
-            <a:pPr algn="ctr"/>
-            <a:r>
-              <a:rPr lang="es-CO" sz="4000" b="1" dirty="0"/>
-              <a:t>S.O</a:t>
-            </a:r>
-          </a:p>
-        </p:txBody>
-      </p:sp>
-      <p:cxnSp>
-        <p:nvCxnSpPr>
-          <p:cNvPr id="6" name="Conector recto de flecha 5">
-            <a:extLst>
-              <a:ext uri="{FF2B5EF4-FFF2-40B4-BE49-F238E27FC236}">
-                <a16:creationId xmlns:a16="http://schemas.microsoft.com/office/drawing/2014/main" id="{C7C232F0-CEE8-42AC-A47A-A81F7043E57D}"/>
-              </a:ext>
-            </a:extLst>
-          </p:cNvPr>
-          <p:cNvCxnSpPr>
-            <a:stCxn id="9" idx="0"/>
-            <a:endCxn id="11" idx="2"/>
-          </p:cNvCxnSpPr>
-          <p:nvPr/>
-        </p:nvCxnSpPr>
-        <p:spPr>
-          <a:xfrm flipV="1">
-            <a:off x="8830716" y="4700779"/>
-            <a:ext cx="0" cy="510063"/>
-          </a:xfrm>
-          <a:prstGeom prst="straightConnector1">
-            <a:avLst/>
-          </a:prstGeom>
-          <a:ln>
-            <a:headEnd type="triangle"/>
-            <a:tailEnd type="triangle"/>
-          </a:ln>
-        </p:spPr>
-        <p:style>
-          <a:lnRef idx="1">
-            <a:schemeClr val="dk1"/>
-          </a:lnRef>
-          <a:fillRef idx="0">
-            <a:schemeClr val="dk1"/>
-          </a:fillRef>
-          <a:effectRef idx="0">
-            <a:schemeClr val="dk1"/>
-          </a:effectRef>
-          <a:fontRef idx="minor">
-            <a:schemeClr val="tx1"/>
-          </a:fontRef>
-        </p:style>
-      </p:cxnSp>
-      <p:cxnSp>
-        <p:nvCxnSpPr>
-          <p:cNvPr id="14" name="Conector recto de flecha 13">
-            <a:extLst>
-              <a:ext uri="{FF2B5EF4-FFF2-40B4-BE49-F238E27FC236}">
-                <a16:creationId xmlns:a16="http://schemas.microsoft.com/office/drawing/2014/main" id="{EEF3EAF1-E80C-4997-9D25-9D411780750F}"/>
-              </a:ext>
-            </a:extLst>
-          </p:cNvPr>
-          <p:cNvCxnSpPr>
-            <a:cxnSpLocks/>
-            <a:stCxn id="9" idx="3"/>
-            <a:endCxn id="13" idx="1"/>
-          </p:cNvCxnSpPr>
-          <p:nvPr/>
-        </p:nvCxnSpPr>
-        <p:spPr>
-          <a:xfrm flipV="1">
-            <a:off x="9694812" y="5642890"/>
-            <a:ext cx="588473" cy="1"/>
-          </a:xfrm>
-          <a:prstGeom prst="straightConnector1">
-            <a:avLst/>
-          </a:prstGeom>
-          <a:ln>
-            <a:headEnd type="triangle"/>
-            <a:tailEnd type="triangle"/>
-          </a:ln>
-        </p:spPr>
-        <p:style>
-          <a:lnRef idx="1">
-            <a:schemeClr val="dk1"/>
-          </a:lnRef>
-          <a:fillRef idx="0">
-            <a:schemeClr val="dk1"/>
-          </a:fillRef>
-          <a:effectRef idx="0">
-            <a:schemeClr val="dk1"/>
-          </a:effectRef>
-          <a:fontRef idx="minor">
-            <a:schemeClr val="tx1"/>
-          </a:fontRef>
-        </p:style>
-      </p:cxnSp>
+            <a:pPr marL="0" indent="0" algn="just">
+              <a:buNone/>
+            </a:pPr>
+            <a:r>
+              <a:rPr lang="es-CO" dirty="0"/>
+              <a:t>-Conjunto, Colección (Tabla)</a:t>
+            </a:r>
+          </a:p>
+          <a:p>
+            <a:pPr marL="0" indent="0" algn="just">
+              <a:buNone/>
+            </a:pPr>
+            <a:r>
+              <a:rPr lang="es-CO" dirty="0"/>
+              <a:t>-Documento, Elemento(Fila)</a:t>
+            </a:r>
+          </a:p>
+          <a:p>
+            <a:pPr marL="0" indent="0" algn="just">
+              <a:buNone/>
+            </a:pPr>
+            <a:r>
+              <a:rPr lang="es-CO" dirty="0"/>
+              <a:t>-Columna, Campo( Columna)</a:t>
+            </a:r>
+          </a:p>
+          <a:p>
+            <a:pPr marL="0" indent="0" algn="just">
+              <a:buNone/>
+            </a:pPr>
+            <a:r>
+              <a:rPr lang="es-CO" dirty="0"/>
+              <a:t>-</a:t>
+            </a:r>
+            <a:r>
+              <a:rPr lang="es-CO" dirty="0" err="1"/>
+              <a:t>ObjectId</a:t>
+            </a:r>
+            <a:r>
+              <a:rPr lang="es-CO" dirty="0"/>
+              <a:t>, Key, índice(</a:t>
+            </a:r>
+            <a:r>
+              <a:rPr lang="es-CO" dirty="0" err="1"/>
+              <a:t>PrimaryKey</a:t>
+            </a:r>
+            <a:r>
+              <a:rPr lang="es-CO" dirty="0"/>
+              <a:t>)</a:t>
+            </a:r>
+          </a:p>
+          <a:p>
+            <a:pPr marL="0" indent="0" algn="just">
+              <a:buNone/>
+            </a:pPr>
+            <a:r>
+              <a:rPr lang="es-CO" dirty="0"/>
+              <a:t>-Documento incrustado(Tabla u objeto anidado)</a:t>
+            </a:r>
+          </a:p>
+          <a:p>
+            <a:pPr marL="0" indent="0" algn="just">
+              <a:buNone/>
+            </a:pPr>
+            <a:r>
+              <a:rPr lang="es-CO" dirty="0"/>
+              <a:t>-</a:t>
+            </a:r>
+            <a:r>
+              <a:rPr lang="es-CO" dirty="0" err="1"/>
+              <a:t>Matriz,Lista</a:t>
+            </a:r>
+            <a:r>
+              <a:rPr lang="es-CO" dirty="0"/>
+              <a:t>(Lista)</a:t>
+            </a:r>
+          </a:p>
+          <a:p>
+            <a:pPr marL="0" indent="0" algn="just">
+              <a:buNone/>
+            </a:pPr>
+            <a:endParaRPr lang="es-CO" dirty="0"/>
+          </a:p>
+          <a:p>
+            <a:pPr marL="0" indent="0" algn="just">
+              <a:buNone/>
+            </a:pPr>
+            <a:endParaRPr lang="es-CO" dirty="0"/>
+          </a:p>
+        </p:txBody>
+      </p:sp>
     </p:spTree>
     <p:extLst>
       <p:ext uri="{BB962C8B-B14F-4D97-AF65-F5344CB8AC3E}">
-        <p14:creationId xmlns:p14="http://schemas.microsoft.com/office/powerpoint/2010/main" val="2897789649"/>
+        <p14:creationId xmlns:p14="http://schemas.microsoft.com/office/powerpoint/2010/main" val="3953702298"/>
       </p:ext>
     </p:extLst>
   </p:cSld>
@@ -9590,133 +9410,6 @@
 </file>
 
 <file path=customXml/item1.xml><?xml version="1.0" encoding="utf-8"?>
-<p:properties xmlns:p="http://schemas.microsoft.com/office/2006/metadata/properties" xmlns:xsi="http://www.w3.org/2001/XMLSchema-instance" xmlns:pc="http://schemas.microsoft.com/office/infopath/2007/PartnerControls">
-  <documentManagement>
-    <DirectSourceMarket xmlns="4873beb7-5857-4685-be1f-d57550cc96cc" xsi:nil="true"/>
-    <ApprovalStatus xmlns="4873beb7-5857-4685-be1f-d57550cc96cc">InProgress</ApprovalStatus>
-    <MarketSpecific xmlns="4873beb7-5857-4685-be1f-d57550cc96cc">false</MarketSpecific>
-    <LocComments xmlns="4873beb7-5857-4685-be1f-d57550cc96cc" xsi:nil="true"/>
-    <ThumbnailAssetId xmlns="4873beb7-5857-4685-be1f-d57550cc96cc" xsi:nil="true"/>
-    <PrimaryImageGen xmlns="4873beb7-5857-4685-be1f-d57550cc96cc">true</PrimaryImageGen>
-    <LegacyData xmlns="4873beb7-5857-4685-be1f-d57550cc96cc" xsi:nil="true"/>
-    <LocRecommendedHandoff xmlns="4873beb7-5857-4685-be1f-d57550cc96cc" xsi:nil="true"/>
-    <BusinessGroup xmlns="4873beb7-5857-4685-be1f-d57550cc96cc" xsi:nil="true"/>
-    <BlockPublish xmlns="4873beb7-5857-4685-be1f-d57550cc96cc">false</BlockPublish>
-    <TPFriendlyName xmlns="4873beb7-5857-4685-be1f-d57550cc96cc" xsi:nil="true"/>
-    <NumericId xmlns="4873beb7-5857-4685-be1f-d57550cc96cc" xsi:nil="true"/>
-    <APEditor xmlns="4873beb7-5857-4685-be1f-d57550cc96cc">
-      <UserInfo>
-        <DisplayName/>
-        <AccountId xsi:nil="true"/>
-        <AccountType/>
-      </UserInfo>
-    </APEditor>
-    <SourceTitle xmlns="4873beb7-5857-4685-be1f-d57550cc96cc" xsi:nil="true"/>
-    <OpenTemplate xmlns="4873beb7-5857-4685-be1f-d57550cc96cc">true</OpenTemplate>
-    <UALocComments xmlns="4873beb7-5857-4685-be1f-d57550cc96cc" xsi:nil="true"/>
-    <ParentAssetId xmlns="4873beb7-5857-4685-be1f-d57550cc96cc" xsi:nil="true"/>
-    <IntlLangReviewDate xmlns="4873beb7-5857-4685-be1f-d57550cc96cc" xsi:nil="true"/>
-    <FeatureTagsTaxHTField0 xmlns="4873beb7-5857-4685-be1f-d57550cc96cc">
-      <Terms xmlns="http://schemas.microsoft.com/office/infopath/2007/PartnerControls"/>
-    </FeatureTagsTaxHTField0>
-    <PublishStatusLookup xmlns="4873beb7-5857-4685-be1f-d57550cc96cc">
-      <Value>1564227</Value>
-    </PublishStatusLookup>
-    <Providers xmlns="4873beb7-5857-4685-be1f-d57550cc96cc" xsi:nil="true"/>
-    <MachineTranslated xmlns="4873beb7-5857-4685-be1f-d57550cc96cc">false</MachineTranslated>
-    <OriginalSourceMarket xmlns="4873beb7-5857-4685-be1f-d57550cc96cc" xsi:nil="true"/>
-    <APDescription xmlns="4873beb7-5857-4685-be1f-d57550cc96cc">Take your audience through a digital tunnel where they'll  burst through to the other side and see the information you want to present. Show them lists, charts, tables, SmartArt,  and pictures using a variety of layouts in widescreen (16X9) format. This design works well for subjects on science and technology, computers, communication, and more.   
-</APDescription>
-    <ClipArtFilename xmlns="4873beb7-5857-4685-be1f-d57550cc96cc" xsi:nil="true"/>
-    <ContentItem xmlns="4873beb7-5857-4685-be1f-d57550cc96cc" xsi:nil="true"/>
-    <TPInstallLocation xmlns="4873beb7-5857-4685-be1f-d57550cc96cc" xsi:nil="true"/>
-    <PublishTargets xmlns="4873beb7-5857-4685-be1f-d57550cc96cc">OfficeOnlineVNext</PublishTargets>
-    <TimesCloned xmlns="4873beb7-5857-4685-be1f-d57550cc96cc" xsi:nil="true"/>
-    <AssetStart xmlns="4873beb7-5857-4685-be1f-d57550cc96cc">2012-05-11T02:04:00+00:00</AssetStart>
-    <Provider xmlns="4873beb7-5857-4685-be1f-d57550cc96cc" xsi:nil="true"/>
-    <AcquiredFrom xmlns="4873beb7-5857-4685-be1f-d57550cc96cc">Internal MS</AcquiredFrom>
-    <FriendlyTitle xmlns="4873beb7-5857-4685-be1f-d57550cc96cc" xsi:nil="true"/>
-    <LastHandOff xmlns="4873beb7-5857-4685-be1f-d57550cc96cc" xsi:nil="true"/>
-    <TPClientViewer xmlns="4873beb7-5857-4685-be1f-d57550cc96cc" xsi:nil="true"/>
-    <UACurrentWords xmlns="4873beb7-5857-4685-be1f-d57550cc96cc" xsi:nil="true"/>
-    <ArtSampleDocs xmlns="4873beb7-5857-4685-be1f-d57550cc96cc" xsi:nil="true"/>
-    <UALocRecommendation xmlns="4873beb7-5857-4685-be1f-d57550cc96cc">Localize</UALocRecommendation>
-    <Manager xmlns="4873beb7-5857-4685-be1f-d57550cc96cc" xsi:nil="true"/>
-    <ShowIn xmlns="4873beb7-5857-4685-be1f-d57550cc96cc">Show everywhere</ShowIn>
-    <UANotes xmlns="4873beb7-5857-4685-be1f-d57550cc96cc" xsi:nil="true"/>
-    <TemplateStatus xmlns="4873beb7-5857-4685-be1f-d57550cc96cc">Complete</TemplateStatus>
-    <InternalTagsTaxHTField0 xmlns="4873beb7-5857-4685-be1f-d57550cc96cc">
-      <Terms xmlns="http://schemas.microsoft.com/office/infopath/2007/PartnerControls"/>
-    </InternalTagsTaxHTField0>
-    <CSXHash xmlns="4873beb7-5857-4685-be1f-d57550cc96cc" xsi:nil="true"/>
-    <Downloads xmlns="4873beb7-5857-4685-be1f-d57550cc96cc">0</Downloads>
-    <VoteCount xmlns="4873beb7-5857-4685-be1f-d57550cc96cc" xsi:nil="true"/>
-    <OOCacheId xmlns="4873beb7-5857-4685-be1f-d57550cc96cc" xsi:nil="true"/>
-    <IsDeleted xmlns="4873beb7-5857-4685-be1f-d57550cc96cc">false</IsDeleted>
-    <AssetExpire xmlns="4873beb7-5857-4685-be1f-d57550cc96cc">2029-01-01T08:00:00+00:00</AssetExpire>
-    <DSATActionTaken xmlns="4873beb7-5857-4685-be1f-d57550cc96cc" xsi:nil="true"/>
-    <CSXSubmissionMarket xmlns="4873beb7-5857-4685-be1f-d57550cc96cc" xsi:nil="true"/>
-    <TPExecutable xmlns="4873beb7-5857-4685-be1f-d57550cc96cc" xsi:nil="true"/>
-    <SubmitterId xmlns="4873beb7-5857-4685-be1f-d57550cc96cc" xsi:nil="true"/>
-    <EditorialTags xmlns="4873beb7-5857-4685-be1f-d57550cc96cc" xsi:nil="true"/>
-    <ApprovalLog xmlns="4873beb7-5857-4685-be1f-d57550cc96cc" xsi:nil="true"/>
-    <AssetType xmlns="4873beb7-5857-4685-be1f-d57550cc96cc">TP</AssetType>
-    <BugNumber xmlns="4873beb7-5857-4685-be1f-d57550cc96cc" xsi:nil="true"/>
-    <CSXSubmissionDate xmlns="4873beb7-5857-4685-be1f-d57550cc96cc" xsi:nil="true"/>
-    <CSXUpdate xmlns="4873beb7-5857-4685-be1f-d57550cc96cc">false</CSXUpdate>
-    <Milestone xmlns="4873beb7-5857-4685-be1f-d57550cc96cc" xsi:nil="true"/>
-    <RecommendationsModifier xmlns="4873beb7-5857-4685-be1f-d57550cc96cc" xsi:nil="true"/>
-    <OriginAsset xmlns="4873beb7-5857-4685-be1f-d57550cc96cc" xsi:nil="true"/>
-    <TPComponent xmlns="4873beb7-5857-4685-be1f-d57550cc96cc" xsi:nil="true"/>
-    <AssetId xmlns="4873beb7-5857-4685-be1f-d57550cc96cc">TP102895246</AssetId>
-    <IntlLocPriority xmlns="4873beb7-5857-4685-be1f-d57550cc96cc" xsi:nil="true"/>
-    <PolicheckWords xmlns="4873beb7-5857-4685-be1f-d57550cc96cc" xsi:nil="true"/>
-    <TPLaunchHelpLink xmlns="4873beb7-5857-4685-be1f-d57550cc96cc" xsi:nil="true"/>
-    <TPApplication xmlns="4873beb7-5857-4685-be1f-d57550cc96cc" xsi:nil="true"/>
-    <CrawlForDependencies xmlns="4873beb7-5857-4685-be1f-d57550cc96cc">false</CrawlForDependencies>
-    <HandoffToMSDN xmlns="4873beb7-5857-4685-be1f-d57550cc96cc" xsi:nil="true"/>
-    <PlannedPubDate xmlns="4873beb7-5857-4685-be1f-d57550cc96cc" xsi:nil="true"/>
-    <IntlLangReviewer xmlns="4873beb7-5857-4685-be1f-d57550cc96cc" xsi:nil="true"/>
-    <TrustLevel xmlns="4873beb7-5857-4685-be1f-d57550cc96cc">1 Microsoft Managed Content</TrustLevel>
-    <LocLastLocAttemptVersionLookup xmlns="4873beb7-5857-4685-be1f-d57550cc96cc">835483</LocLastLocAttemptVersionLookup>
-    <IsSearchable xmlns="4873beb7-5857-4685-be1f-d57550cc96cc">true</IsSearchable>
-    <TemplateTemplateType xmlns="4873beb7-5857-4685-be1f-d57550cc96cc">PowerPoint Presentation Template</TemplateTemplateType>
-    <CampaignTagsTaxHTField0 xmlns="4873beb7-5857-4685-be1f-d57550cc96cc">
-      <Terms xmlns="http://schemas.microsoft.com/office/infopath/2007/PartnerControls"/>
-    </CampaignTagsTaxHTField0>
-    <TPNamespace xmlns="4873beb7-5857-4685-be1f-d57550cc96cc" xsi:nil="true"/>
-    <TaxCatchAll xmlns="4873beb7-5857-4685-be1f-d57550cc96cc"/>
-    <Markets xmlns="4873beb7-5857-4685-be1f-d57550cc96cc"/>
-    <UAProjectedTotalWords xmlns="4873beb7-5857-4685-be1f-d57550cc96cc" xsi:nil="true"/>
-    <IntlLangReview xmlns="4873beb7-5857-4685-be1f-d57550cc96cc">false</IntlLangReview>
-    <OutputCachingOn xmlns="4873beb7-5857-4685-be1f-d57550cc96cc">false</OutputCachingOn>
-    <AverageRating xmlns="4873beb7-5857-4685-be1f-d57550cc96cc" xsi:nil="true"/>
-    <APAuthor xmlns="4873beb7-5857-4685-be1f-d57550cc96cc">
-      <UserInfo>
-        <DisplayName>REDMOND\v-vaddu</DisplayName>
-        <AccountId>2567</AccountId>
-        <AccountType/>
-      </UserInfo>
-    </APAuthor>
-    <LocManualTestRequired xmlns="4873beb7-5857-4685-be1f-d57550cc96cc">false</LocManualTestRequired>
-    <TPCommandLine xmlns="4873beb7-5857-4685-be1f-d57550cc96cc" xsi:nil="true"/>
-    <TPAppVersion xmlns="4873beb7-5857-4685-be1f-d57550cc96cc" xsi:nil="true"/>
-    <EditorialStatus xmlns="4873beb7-5857-4685-be1f-d57550cc96cc">Complete</EditorialStatus>
-    <LastModifiedDateTime xmlns="4873beb7-5857-4685-be1f-d57550cc96cc" xsi:nil="true"/>
-    <ScenarioTagsTaxHTField0 xmlns="4873beb7-5857-4685-be1f-d57550cc96cc">
-      <Terms xmlns="http://schemas.microsoft.com/office/infopath/2007/PartnerControls"/>
-    </ScenarioTagsTaxHTField0>
-    <OriginalRelease xmlns="4873beb7-5857-4685-be1f-d57550cc96cc">15</OriginalRelease>
-    <TPLaunchHelpLinkType xmlns="4873beb7-5857-4685-be1f-d57550cc96cc">Template</TPLaunchHelpLinkType>
-    <LocalizationTagsTaxHTField0 xmlns="4873beb7-5857-4685-be1f-d57550cc96cc">
-      <Terms xmlns="http://schemas.microsoft.com/office/infopath/2007/PartnerControls"/>
-    </LocalizationTagsTaxHTField0>
-    <LocMarketGroupTiers2 xmlns="4873beb7-5857-4685-be1f-d57550cc96cc" xsi:nil="true"/>
-  </documentManagement>
-</p:properties>
-</file>
-
-<file path=customXml/item2.xml><?xml version="1.0" encoding="utf-8"?>
 <ct:contentTypeSchema xmlns:ct="http://schemas.microsoft.com/office/2006/metadata/contentType" xmlns:ma="http://schemas.microsoft.com/office/2006/metadata/properties/metaAttributes" ct:_="" ma:_="" ma:contentTypeName="TemplateFile" ma:contentTypeID="0x0101006EDDDB5EE6D98C44930B742096920B300400F5B6D36B3EF94B4E9A635CDF2A18F5B8" ma:contentTypeVersion="72" ma:contentTypeDescription="Create a new document." ma:contentTypeScope="" ma:versionID="a23e56308344d904b51738559c3d67c9">
   <xsd:schema xmlns:xsd="http://www.w3.org/2001/XMLSchema" xmlns:xs="http://www.w3.org/2001/XMLSchema" xmlns:p="http://schemas.microsoft.com/office/2006/metadata/properties" xmlns:ns2="4873beb7-5857-4685-be1f-d57550cc96cc" targetNamespace="http://schemas.microsoft.com/office/2006/metadata/properties" ma:root="true" ma:fieldsID="cd0908cc4600e77bf5da051303e00c8d" ns2:_="">
     <xsd:import namespace="4873beb7-5857-4685-be1f-d57550cc96cc"/>
@@ -10756,6 +10449,133 @@
 </ct:contentTypeSchema>
 </file>
 
+<file path=customXml/item2.xml><?xml version="1.0" encoding="utf-8"?>
+<p:properties xmlns:p="http://schemas.microsoft.com/office/2006/metadata/properties" xmlns:xsi="http://www.w3.org/2001/XMLSchema-instance" xmlns:pc="http://schemas.microsoft.com/office/infopath/2007/PartnerControls">
+  <documentManagement>
+    <DirectSourceMarket xmlns="4873beb7-5857-4685-be1f-d57550cc96cc" xsi:nil="true"/>
+    <ApprovalStatus xmlns="4873beb7-5857-4685-be1f-d57550cc96cc">InProgress</ApprovalStatus>
+    <MarketSpecific xmlns="4873beb7-5857-4685-be1f-d57550cc96cc">false</MarketSpecific>
+    <LocComments xmlns="4873beb7-5857-4685-be1f-d57550cc96cc" xsi:nil="true"/>
+    <ThumbnailAssetId xmlns="4873beb7-5857-4685-be1f-d57550cc96cc" xsi:nil="true"/>
+    <PrimaryImageGen xmlns="4873beb7-5857-4685-be1f-d57550cc96cc">true</PrimaryImageGen>
+    <LegacyData xmlns="4873beb7-5857-4685-be1f-d57550cc96cc" xsi:nil="true"/>
+    <LocRecommendedHandoff xmlns="4873beb7-5857-4685-be1f-d57550cc96cc" xsi:nil="true"/>
+    <BusinessGroup xmlns="4873beb7-5857-4685-be1f-d57550cc96cc" xsi:nil="true"/>
+    <BlockPublish xmlns="4873beb7-5857-4685-be1f-d57550cc96cc">false</BlockPublish>
+    <TPFriendlyName xmlns="4873beb7-5857-4685-be1f-d57550cc96cc" xsi:nil="true"/>
+    <NumericId xmlns="4873beb7-5857-4685-be1f-d57550cc96cc" xsi:nil="true"/>
+    <APEditor xmlns="4873beb7-5857-4685-be1f-d57550cc96cc">
+      <UserInfo>
+        <DisplayName/>
+        <AccountId xsi:nil="true"/>
+        <AccountType/>
+      </UserInfo>
+    </APEditor>
+    <SourceTitle xmlns="4873beb7-5857-4685-be1f-d57550cc96cc" xsi:nil="true"/>
+    <OpenTemplate xmlns="4873beb7-5857-4685-be1f-d57550cc96cc">true</OpenTemplate>
+    <UALocComments xmlns="4873beb7-5857-4685-be1f-d57550cc96cc" xsi:nil="true"/>
+    <ParentAssetId xmlns="4873beb7-5857-4685-be1f-d57550cc96cc" xsi:nil="true"/>
+    <IntlLangReviewDate xmlns="4873beb7-5857-4685-be1f-d57550cc96cc" xsi:nil="true"/>
+    <FeatureTagsTaxHTField0 xmlns="4873beb7-5857-4685-be1f-d57550cc96cc">
+      <Terms xmlns="http://schemas.microsoft.com/office/infopath/2007/PartnerControls"/>
+    </FeatureTagsTaxHTField0>
+    <PublishStatusLookup xmlns="4873beb7-5857-4685-be1f-d57550cc96cc">
+      <Value>1564227</Value>
+    </PublishStatusLookup>
+    <Providers xmlns="4873beb7-5857-4685-be1f-d57550cc96cc" xsi:nil="true"/>
+    <MachineTranslated xmlns="4873beb7-5857-4685-be1f-d57550cc96cc">false</MachineTranslated>
+    <OriginalSourceMarket xmlns="4873beb7-5857-4685-be1f-d57550cc96cc" xsi:nil="true"/>
+    <APDescription xmlns="4873beb7-5857-4685-be1f-d57550cc96cc">Take your audience through a digital tunnel where they'll  burst through to the other side and see the information you want to present. Show them lists, charts, tables, SmartArt,  and pictures using a variety of layouts in widescreen (16X9) format. This design works well for subjects on science and technology, computers, communication, and more.   
+</APDescription>
+    <ClipArtFilename xmlns="4873beb7-5857-4685-be1f-d57550cc96cc" xsi:nil="true"/>
+    <ContentItem xmlns="4873beb7-5857-4685-be1f-d57550cc96cc" xsi:nil="true"/>
+    <TPInstallLocation xmlns="4873beb7-5857-4685-be1f-d57550cc96cc" xsi:nil="true"/>
+    <PublishTargets xmlns="4873beb7-5857-4685-be1f-d57550cc96cc">OfficeOnlineVNext</PublishTargets>
+    <TimesCloned xmlns="4873beb7-5857-4685-be1f-d57550cc96cc" xsi:nil="true"/>
+    <AssetStart xmlns="4873beb7-5857-4685-be1f-d57550cc96cc">2012-05-11T02:04:00+00:00</AssetStart>
+    <Provider xmlns="4873beb7-5857-4685-be1f-d57550cc96cc" xsi:nil="true"/>
+    <AcquiredFrom xmlns="4873beb7-5857-4685-be1f-d57550cc96cc">Internal MS</AcquiredFrom>
+    <FriendlyTitle xmlns="4873beb7-5857-4685-be1f-d57550cc96cc" xsi:nil="true"/>
+    <LastHandOff xmlns="4873beb7-5857-4685-be1f-d57550cc96cc" xsi:nil="true"/>
+    <TPClientViewer xmlns="4873beb7-5857-4685-be1f-d57550cc96cc" xsi:nil="true"/>
+    <UACurrentWords xmlns="4873beb7-5857-4685-be1f-d57550cc96cc" xsi:nil="true"/>
+    <ArtSampleDocs xmlns="4873beb7-5857-4685-be1f-d57550cc96cc" xsi:nil="true"/>
+    <UALocRecommendation xmlns="4873beb7-5857-4685-be1f-d57550cc96cc">Localize</UALocRecommendation>
+    <Manager xmlns="4873beb7-5857-4685-be1f-d57550cc96cc" xsi:nil="true"/>
+    <ShowIn xmlns="4873beb7-5857-4685-be1f-d57550cc96cc">Show everywhere</ShowIn>
+    <UANotes xmlns="4873beb7-5857-4685-be1f-d57550cc96cc" xsi:nil="true"/>
+    <TemplateStatus xmlns="4873beb7-5857-4685-be1f-d57550cc96cc">Complete</TemplateStatus>
+    <InternalTagsTaxHTField0 xmlns="4873beb7-5857-4685-be1f-d57550cc96cc">
+      <Terms xmlns="http://schemas.microsoft.com/office/infopath/2007/PartnerControls"/>
+    </InternalTagsTaxHTField0>
+    <CSXHash xmlns="4873beb7-5857-4685-be1f-d57550cc96cc" xsi:nil="true"/>
+    <Downloads xmlns="4873beb7-5857-4685-be1f-d57550cc96cc">0</Downloads>
+    <VoteCount xmlns="4873beb7-5857-4685-be1f-d57550cc96cc" xsi:nil="true"/>
+    <OOCacheId xmlns="4873beb7-5857-4685-be1f-d57550cc96cc" xsi:nil="true"/>
+    <IsDeleted xmlns="4873beb7-5857-4685-be1f-d57550cc96cc">false</IsDeleted>
+    <AssetExpire xmlns="4873beb7-5857-4685-be1f-d57550cc96cc">2029-01-01T08:00:00+00:00</AssetExpire>
+    <DSATActionTaken xmlns="4873beb7-5857-4685-be1f-d57550cc96cc" xsi:nil="true"/>
+    <CSXSubmissionMarket xmlns="4873beb7-5857-4685-be1f-d57550cc96cc" xsi:nil="true"/>
+    <TPExecutable xmlns="4873beb7-5857-4685-be1f-d57550cc96cc" xsi:nil="true"/>
+    <SubmitterId xmlns="4873beb7-5857-4685-be1f-d57550cc96cc" xsi:nil="true"/>
+    <EditorialTags xmlns="4873beb7-5857-4685-be1f-d57550cc96cc" xsi:nil="true"/>
+    <ApprovalLog xmlns="4873beb7-5857-4685-be1f-d57550cc96cc" xsi:nil="true"/>
+    <AssetType xmlns="4873beb7-5857-4685-be1f-d57550cc96cc">TP</AssetType>
+    <BugNumber xmlns="4873beb7-5857-4685-be1f-d57550cc96cc" xsi:nil="true"/>
+    <CSXSubmissionDate xmlns="4873beb7-5857-4685-be1f-d57550cc96cc" xsi:nil="true"/>
+    <CSXUpdate xmlns="4873beb7-5857-4685-be1f-d57550cc96cc">false</CSXUpdate>
+    <Milestone xmlns="4873beb7-5857-4685-be1f-d57550cc96cc" xsi:nil="true"/>
+    <RecommendationsModifier xmlns="4873beb7-5857-4685-be1f-d57550cc96cc" xsi:nil="true"/>
+    <OriginAsset xmlns="4873beb7-5857-4685-be1f-d57550cc96cc" xsi:nil="true"/>
+    <TPComponent xmlns="4873beb7-5857-4685-be1f-d57550cc96cc" xsi:nil="true"/>
+    <AssetId xmlns="4873beb7-5857-4685-be1f-d57550cc96cc">TP102895246</AssetId>
+    <IntlLocPriority xmlns="4873beb7-5857-4685-be1f-d57550cc96cc" xsi:nil="true"/>
+    <PolicheckWords xmlns="4873beb7-5857-4685-be1f-d57550cc96cc" xsi:nil="true"/>
+    <TPLaunchHelpLink xmlns="4873beb7-5857-4685-be1f-d57550cc96cc" xsi:nil="true"/>
+    <TPApplication xmlns="4873beb7-5857-4685-be1f-d57550cc96cc" xsi:nil="true"/>
+    <CrawlForDependencies xmlns="4873beb7-5857-4685-be1f-d57550cc96cc">false</CrawlForDependencies>
+    <HandoffToMSDN xmlns="4873beb7-5857-4685-be1f-d57550cc96cc" xsi:nil="true"/>
+    <PlannedPubDate xmlns="4873beb7-5857-4685-be1f-d57550cc96cc" xsi:nil="true"/>
+    <IntlLangReviewer xmlns="4873beb7-5857-4685-be1f-d57550cc96cc" xsi:nil="true"/>
+    <TrustLevel xmlns="4873beb7-5857-4685-be1f-d57550cc96cc">1 Microsoft Managed Content</TrustLevel>
+    <LocLastLocAttemptVersionLookup xmlns="4873beb7-5857-4685-be1f-d57550cc96cc">835483</LocLastLocAttemptVersionLookup>
+    <IsSearchable xmlns="4873beb7-5857-4685-be1f-d57550cc96cc">true</IsSearchable>
+    <TemplateTemplateType xmlns="4873beb7-5857-4685-be1f-d57550cc96cc">PowerPoint Presentation Template</TemplateTemplateType>
+    <CampaignTagsTaxHTField0 xmlns="4873beb7-5857-4685-be1f-d57550cc96cc">
+      <Terms xmlns="http://schemas.microsoft.com/office/infopath/2007/PartnerControls"/>
+    </CampaignTagsTaxHTField0>
+    <TPNamespace xmlns="4873beb7-5857-4685-be1f-d57550cc96cc" xsi:nil="true"/>
+    <TaxCatchAll xmlns="4873beb7-5857-4685-be1f-d57550cc96cc"/>
+    <Markets xmlns="4873beb7-5857-4685-be1f-d57550cc96cc"/>
+    <UAProjectedTotalWords xmlns="4873beb7-5857-4685-be1f-d57550cc96cc" xsi:nil="true"/>
+    <IntlLangReview xmlns="4873beb7-5857-4685-be1f-d57550cc96cc">false</IntlLangReview>
+    <OutputCachingOn xmlns="4873beb7-5857-4685-be1f-d57550cc96cc">false</OutputCachingOn>
+    <AverageRating xmlns="4873beb7-5857-4685-be1f-d57550cc96cc" xsi:nil="true"/>
+    <APAuthor xmlns="4873beb7-5857-4685-be1f-d57550cc96cc">
+      <UserInfo>
+        <DisplayName>REDMOND\v-vaddu</DisplayName>
+        <AccountId>2567</AccountId>
+        <AccountType/>
+      </UserInfo>
+    </APAuthor>
+    <LocManualTestRequired xmlns="4873beb7-5857-4685-be1f-d57550cc96cc">false</LocManualTestRequired>
+    <TPCommandLine xmlns="4873beb7-5857-4685-be1f-d57550cc96cc" xsi:nil="true"/>
+    <TPAppVersion xmlns="4873beb7-5857-4685-be1f-d57550cc96cc" xsi:nil="true"/>
+    <EditorialStatus xmlns="4873beb7-5857-4685-be1f-d57550cc96cc">Complete</EditorialStatus>
+    <LastModifiedDateTime xmlns="4873beb7-5857-4685-be1f-d57550cc96cc" xsi:nil="true"/>
+    <ScenarioTagsTaxHTField0 xmlns="4873beb7-5857-4685-be1f-d57550cc96cc">
+      <Terms xmlns="http://schemas.microsoft.com/office/infopath/2007/PartnerControls"/>
+    </ScenarioTagsTaxHTField0>
+    <OriginalRelease xmlns="4873beb7-5857-4685-be1f-d57550cc96cc">15</OriginalRelease>
+    <TPLaunchHelpLinkType xmlns="4873beb7-5857-4685-be1f-d57550cc96cc">Template</TPLaunchHelpLinkType>
+    <LocalizationTagsTaxHTField0 xmlns="4873beb7-5857-4685-be1f-d57550cc96cc">
+      <Terms xmlns="http://schemas.microsoft.com/office/infopath/2007/PartnerControls"/>
+    </LocalizationTagsTaxHTField0>
+    <LocMarketGroupTiers2 xmlns="4873beb7-5857-4685-be1f-d57550cc96cc" xsi:nil="true"/>
+  </documentManagement>
+</p:properties>
+</file>
+
 <file path=customXml/item3.xml><?xml version="1.0" encoding="utf-8"?>
 <?mso-contentType ?>
 <FormTemplates xmlns="http://schemas.microsoft.com/sharepoint/v3/contenttype/forms">
@@ -10766,22 +10586,6 @@
 </file>
 
 <file path=customXml/itemProps1.xml><?xml version="1.0" encoding="utf-8"?>
-<ds:datastoreItem xmlns:ds="http://schemas.openxmlformats.org/officeDocument/2006/customXml" ds:itemID="{00E41224-0370-4595-877C-23316CD80004}">
-  <ds:schemaRefs>
-    <ds:schemaRef ds:uri="http://purl.org/dc/terms/"/>
-    <ds:schemaRef ds:uri="4873beb7-5857-4685-be1f-d57550cc96cc"/>
-    <ds:schemaRef ds:uri="http://purl.org/dc/dcmitype/"/>
-    <ds:schemaRef ds:uri="http://schemas.microsoft.com/office/infopath/2007/PartnerControls"/>
-    <ds:schemaRef ds:uri="http://schemas.microsoft.com/office/2006/documentManagement/types"/>
-    <ds:schemaRef ds:uri="http://schemas.microsoft.com/office/2006/metadata/properties"/>
-    <ds:schemaRef ds:uri="http://schemas.openxmlformats.org/package/2006/metadata/core-properties"/>
-    <ds:schemaRef ds:uri="http://www.w3.org/XML/1998/namespace"/>
-    <ds:schemaRef ds:uri="http://purl.org/dc/elements/1.1/"/>
-  </ds:schemaRefs>
-</ds:datastoreItem>
-</file>
-
-<file path=customXml/itemProps2.xml><?xml version="1.0" encoding="utf-8"?>
 <ds:datastoreItem xmlns:ds="http://schemas.openxmlformats.org/officeDocument/2006/customXml" ds:itemID="{22CCB507-0646-4A50-A4F7-7F385079D589}">
   <ds:schemaRefs>
     <ds:schemaRef ds:uri="http://schemas.microsoft.com/office/2006/metadata/contentType"/>
@@ -10799,6 +10603,22 @@
 </ds:datastoreItem>
 </file>
 
+<file path=customXml/itemProps2.xml><?xml version="1.0" encoding="utf-8"?>
+<ds:datastoreItem xmlns:ds="http://schemas.openxmlformats.org/officeDocument/2006/customXml" ds:itemID="{00E41224-0370-4595-877C-23316CD80004}">
+  <ds:schemaRefs>
+    <ds:schemaRef ds:uri="http://purl.org/dc/terms/"/>
+    <ds:schemaRef ds:uri="4873beb7-5857-4685-be1f-d57550cc96cc"/>
+    <ds:schemaRef ds:uri="http://purl.org/dc/dcmitype/"/>
+    <ds:schemaRef ds:uri="http://schemas.microsoft.com/office/infopath/2007/PartnerControls"/>
+    <ds:schemaRef ds:uri="http://schemas.microsoft.com/office/2006/documentManagement/types"/>
+    <ds:schemaRef ds:uri="http://schemas.microsoft.com/office/2006/metadata/properties"/>
+    <ds:schemaRef ds:uri="http://schemas.openxmlformats.org/package/2006/metadata/core-properties"/>
+    <ds:schemaRef ds:uri="http://www.w3.org/XML/1998/namespace"/>
+    <ds:schemaRef ds:uri="http://purl.org/dc/elements/1.1/"/>
+  </ds:schemaRefs>
+</ds:datastoreItem>
+</file>
+
 <file path=customXml/itemProps3.xml><?xml version="1.0" encoding="utf-8"?>
 <ds:datastoreItem xmlns:ds="http://schemas.openxmlformats.org/officeDocument/2006/customXml" ds:itemID="{74228E6B-D70C-44BB-A81F-A245495F612B}">
   <ds:schemaRefs>
